--- a/137-Fabric/Fabric Medallion Demo.pptx
+++ b/137-Fabric/Fabric Medallion Demo.pptx
@@ -5,7 +5,7 @@
     <p:sldMasterId id="2147483660" r:id="rId1"/>
   </p:sldMasterIdLst>
   <p:notesMasterIdLst>
-    <p:notesMasterId r:id="rId16"/>
+    <p:notesMasterId r:id="rId17"/>
   </p:notesMasterIdLst>
   <p:sldIdLst>
     <p:sldId id="2147479123" r:id="rId2"/>
@@ -14,14 +14,15 @@
     <p:sldId id="2147479140" r:id="rId5"/>
     <p:sldId id="2147479141" r:id="rId6"/>
     <p:sldId id="2147479135" r:id="rId7"/>
-    <p:sldId id="2147479090" r:id="rId8"/>
-    <p:sldId id="2147479130" r:id="rId9"/>
-    <p:sldId id="2147479132" r:id="rId10"/>
-    <p:sldId id="2147479134" r:id="rId11"/>
-    <p:sldId id="2147479131" r:id="rId12"/>
-    <p:sldId id="2147479138" r:id="rId13"/>
-    <p:sldId id="2147479137" r:id="rId14"/>
-    <p:sldId id="2147479125" r:id="rId15"/>
+    <p:sldId id="2147479143" r:id="rId8"/>
+    <p:sldId id="2147479090" r:id="rId9"/>
+    <p:sldId id="2147479130" r:id="rId10"/>
+    <p:sldId id="2147479132" r:id="rId11"/>
+    <p:sldId id="2147479134" r:id="rId12"/>
+    <p:sldId id="2147479131" r:id="rId13"/>
+    <p:sldId id="2147479138" r:id="rId14"/>
+    <p:sldId id="2147479137" r:id="rId15"/>
+    <p:sldId id="2147479125" r:id="rId16"/>
   </p:sldIdLst>
   <p:sldSz cx="12192000" cy="6858000"/>
   <p:notesSz cx="6858000" cy="9144000"/>
@@ -143,6 +144,7 @@
         <p14:section name="Demo" id="{59DD61F1-8555-4F37-B1C0-59EF22AF9615}">
           <p14:sldIdLst>
             <p14:sldId id="2147479135"/>
+            <p14:sldId id="2147479143"/>
             <p14:sldId id="2147479090"/>
             <p14:sldId id="2147479130"/>
             <p14:sldId id="2147479132"/>
@@ -248,7 +250,7 @@
           <a:p>
             <a:fld id="{D37FE83C-5E74-411A-9EB2-BEE6447E547C}" type="datetimeFigureOut">
               <a:rPr lang="en-IE" smtClean="0"/>
-              <a:t>14/11/2023</a:t>
+              <a:t>29/01/2024</a:t>
             </a:fld>
             <a:endParaRPr lang="en-IE"/>
           </a:p>
@@ -740,7 +742,7 @@
                 <a:tabLst/>
                 <a:defRPr/>
               </a:pPr>
-              <a:t>11/14/2023 11:10 AM</a:t>
+              <a:t>1/29/2024 1:29 PM</a:t>
             </a:fld>
             <a:endParaRPr kumimoji="0" lang="en-US" sz="1200" b="0" i="0" u="none" strike="noStrike" kern="1200" cap="none" spc="0" normalizeH="0" baseline="0" noProof="0">
               <a:ln>
@@ -899,13 +901,206 @@
           <a:bodyPr/>
           <a:lstStyle/>
           <a:p>
-            <a:endParaRPr lang="en-IE" dirty="0"/>
+            <a:pPr algn="l" rtl="0" fontAlgn="base"/>
+            <a:endParaRPr lang="en-US" dirty="0"/>
           </a:p>
         </p:txBody>
       </p:sp>
       <p:sp>
         <p:nvSpPr>
-          <p:cNvPr id="4" name="Slide Number Placeholder 3"/>
+          <p:cNvPr id="4" name="Header Placeholder 3"/>
+          <p:cNvSpPr>
+            <a:spLocks noGrp="1"/>
+          </p:cNvSpPr>
+          <p:nvPr>
+            <p:ph type="hdr" sz="quarter"/>
+          </p:nvPr>
+        </p:nvSpPr>
+        <p:spPr/>
+        <p:txBody>
+          <a:bodyPr/>
+          <a:lstStyle/>
+          <a:p>
+            <a:pPr marL="0" marR="0" lvl="0" indent="0" algn="l" defTabSz="914367" rtl="0" eaLnBrk="1" fontAlgn="auto" latinLnBrk="0" hangingPunct="1">
+              <a:lnSpc>
+                <a:spcPct val="100000"/>
+              </a:lnSpc>
+              <a:spcBef>
+                <a:spcPts val="0"/>
+              </a:spcBef>
+              <a:spcAft>
+                <a:spcPts val="0"/>
+              </a:spcAft>
+              <a:buClrTx/>
+              <a:buSzTx/>
+              <a:buFontTx/>
+              <a:buNone/>
+              <a:tabLst/>
+              <a:defRPr/>
+            </a:pPr>
+            <a:endParaRPr kumimoji="0" lang="en-US" sz="1200" b="0" i="0" u="none" strike="noStrike" kern="1200" cap="none" spc="0" normalizeH="0" baseline="0" noProof="0">
+              <a:ln>
+                <a:noFill/>
+              </a:ln>
+              <a:solidFill>
+                <a:prstClr val="black"/>
+              </a:solidFill>
+              <a:effectLst/>
+              <a:uLnTx/>
+              <a:uFillTx/>
+              <a:latin typeface="Segoe UI" pitchFamily="34" charset="0"/>
+              <a:ea typeface="+mn-ea"/>
+              <a:cs typeface="+mn-cs"/>
+            </a:endParaRPr>
+          </a:p>
+        </p:txBody>
+      </p:sp>
+      <p:sp>
+        <p:nvSpPr>
+          <p:cNvPr id="5" name="Footer Placeholder 4"/>
+          <p:cNvSpPr>
+            <a:spLocks noGrp="1"/>
+          </p:cNvSpPr>
+          <p:nvPr>
+            <p:ph type="ftr" sz="quarter" idx="4"/>
+          </p:nvPr>
+        </p:nvSpPr>
+        <p:spPr/>
+        <p:txBody>
+          <a:bodyPr/>
+          <a:lstStyle/>
+          <a:p>
+            <a:pPr marL="571500" marR="0" lvl="0" indent="0" algn="l" defTabSz="914099" rtl="0" eaLnBrk="0" fontAlgn="auto" latinLnBrk="0" hangingPunct="0">
+              <a:lnSpc>
+                <a:spcPct val="100000"/>
+              </a:lnSpc>
+              <a:spcBef>
+                <a:spcPts val="0"/>
+              </a:spcBef>
+              <a:spcAft>
+                <a:spcPts val="0"/>
+              </a:spcAft>
+              <a:buClrTx/>
+              <a:buSzTx/>
+              <a:buFontTx/>
+              <a:buNone/>
+              <a:tabLst/>
+              <a:defRPr/>
+            </a:pPr>
+            <a:r>
+              <a:rPr kumimoji="0" lang="en-US" sz="400" b="0" i="0" u="none" strike="noStrike" kern="1200" cap="none" spc="0" normalizeH="0" baseline="0" noProof="0">
+                <a:ln>
+                  <a:noFill/>
+                </a:ln>
+                <a:gradFill>
+                  <a:gsLst>
+                    <a:gs pos="0">
+                      <a:prstClr val="black"/>
+                    </a:gs>
+                    <a:gs pos="100000">
+                      <a:prstClr val="black"/>
+                    </a:gs>
+                  </a:gsLst>
+                  <a:lin ang="5400000" scaled="0"/>
+                </a:gradFill>
+                <a:effectLst/>
+                <a:uLnTx/>
+                <a:uFillTx/>
+                <a:latin typeface="Segoe UI" pitchFamily="34" charset="0"/>
+                <a:ea typeface="Segoe UI" pitchFamily="34" charset="0"/>
+                <a:cs typeface="Segoe UI" pitchFamily="34" charset="0"/>
+              </a:rPr>
+              <a:t>© Microsoft Corporation. All rights reserved. MICROSOFT MAKES NO WARRANTIES, EXPRESS, IMPLIED OR STATUTORY, AS TO THE INFORMATION IN THIS PRESENTATION.</a:t>
+            </a:r>
+          </a:p>
+        </p:txBody>
+      </p:sp>
+      <p:sp>
+        <p:nvSpPr>
+          <p:cNvPr id="6" name="Date Placeholder 5"/>
+          <p:cNvSpPr>
+            <a:spLocks noGrp="1"/>
+          </p:cNvSpPr>
+          <p:nvPr>
+            <p:ph type="dt" idx="1"/>
+          </p:nvPr>
+        </p:nvSpPr>
+        <p:spPr/>
+        <p:txBody>
+          <a:bodyPr/>
+          <a:lstStyle/>
+          <a:p>
+            <a:pPr marL="0" marR="0" lvl="0" indent="0" algn="r" defTabSz="914367" rtl="0" eaLnBrk="1" fontAlgn="auto" latinLnBrk="0" hangingPunct="1">
+              <a:lnSpc>
+                <a:spcPct val="100000"/>
+              </a:lnSpc>
+              <a:spcBef>
+                <a:spcPts val="0"/>
+              </a:spcBef>
+              <a:spcAft>
+                <a:spcPts val="0"/>
+              </a:spcAft>
+              <a:buClrTx/>
+              <a:buSzTx/>
+              <a:buFontTx/>
+              <a:buNone/>
+              <a:tabLst/>
+              <a:defRPr/>
+            </a:pPr>
+            <a:fld id="{386CE63F-9E7F-4C04-9D0D-FCA25A8E9E86}" type="datetime8">
+              <a:rPr kumimoji="0" lang="en-US" sz="1200" b="0" i="0" u="none" strike="noStrike" kern="1200" cap="none" spc="0" normalizeH="0" baseline="0" noProof="0" smtClean="0">
+                <a:ln>
+                  <a:noFill/>
+                </a:ln>
+                <a:solidFill>
+                  <a:prstClr val="black"/>
+                </a:solidFill>
+                <a:effectLst/>
+                <a:uLnTx/>
+                <a:uFillTx/>
+                <a:latin typeface="Segoe UI" pitchFamily="34" charset="0"/>
+                <a:ea typeface="+mn-ea"/>
+                <a:cs typeface="+mn-cs"/>
+              </a:rPr>
+              <a:pPr marL="0" marR="0" lvl="0" indent="0" algn="r" defTabSz="914367" rtl="0" eaLnBrk="1" fontAlgn="auto" latinLnBrk="0" hangingPunct="1">
+                <a:lnSpc>
+                  <a:spcPct val="100000"/>
+                </a:lnSpc>
+                <a:spcBef>
+                  <a:spcPts val="0"/>
+                </a:spcBef>
+                <a:spcAft>
+                  <a:spcPts val="0"/>
+                </a:spcAft>
+                <a:buClrTx/>
+                <a:buSzTx/>
+                <a:buFontTx/>
+                <a:buNone/>
+                <a:tabLst/>
+                <a:defRPr/>
+              </a:pPr>
+              <a:t>1/29/2024 1:29 PM</a:t>
+            </a:fld>
+            <a:endParaRPr kumimoji="0" lang="en-US" sz="1200" b="0" i="0" u="none" strike="noStrike" kern="1200" cap="none" spc="0" normalizeH="0" baseline="0" noProof="0">
+              <a:ln>
+                <a:noFill/>
+              </a:ln>
+              <a:solidFill>
+                <a:prstClr val="black"/>
+              </a:solidFill>
+              <a:effectLst/>
+              <a:uLnTx/>
+              <a:uFillTx/>
+              <a:latin typeface="Segoe UI" pitchFamily="34" charset="0"/>
+              <a:ea typeface="+mn-ea"/>
+              <a:cs typeface="+mn-cs"/>
+            </a:endParaRPr>
+          </a:p>
+        </p:txBody>
+      </p:sp>
+      <p:sp>
+        <p:nvSpPr>
+          <p:cNvPr id="7" name="Slide Number Placeholder 6"/>
           <p:cNvSpPr>
             <a:spLocks noGrp="1"/>
           </p:cNvSpPr>
@@ -918,18 +1113,78 @@
           <a:bodyPr/>
           <a:lstStyle/>
           <a:p>
-            <a:fld id="{7B5082FC-F860-4D93-A38B-7C2A9A96C8F4}" type="slidenum">
-              <a:rPr lang="en-IE" smtClean="0"/>
+            <a:pPr marL="0" marR="0" lvl="0" indent="0" algn="r" defTabSz="914367" rtl="0" eaLnBrk="1" fontAlgn="auto" latinLnBrk="0" hangingPunct="1">
+              <a:lnSpc>
+                <a:spcPct val="100000"/>
+              </a:lnSpc>
+              <a:spcBef>
+                <a:spcPts val="0"/>
+              </a:spcBef>
+              <a:spcAft>
+                <a:spcPts val="0"/>
+              </a:spcAft>
+              <a:buClrTx/>
+              <a:buSzTx/>
+              <a:buFontTx/>
+              <a:buNone/>
+              <a:tabLst/>
+              <a:defRPr/>
+            </a:pPr>
+            <a:fld id="{B4008EB6-D09E-4580-8CD6-DDB14511944F}" type="slidenum">
+              <a:rPr kumimoji="0" lang="en-US" sz="1200" b="0" i="0" u="none" strike="noStrike" kern="1200" cap="none" spc="0" normalizeH="0" baseline="0" noProof="0" smtClean="0">
+                <a:ln>
+                  <a:noFill/>
+                </a:ln>
+                <a:solidFill>
+                  <a:prstClr val="black"/>
+                </a:solidFill>
+                <a:effectLst/>
+                <a:uLnTx/>
+                <a:uFillTx/>
+                <a:latin typeface="Segoe UI" pitchFamily="34" charset="0"/>
+                <a:ea typeface="+mn-ea"/>
+                <a:cs typeface="+mn-cs"/>
+              </a:rPr>
+              <a:pPr marL="0" marR="0" lvl="0" indent="0" algn="r" defTabSz="914367" rtl="0" eaLnBrk="1" fontAlgn="auto" latinLnBrk="0" hangingPunct="1">
+                <a:lnSpc>
+                  <a:spcPct val="100000"/>
+                </a:lnSpc>
+                <a:spcBef>
+                  <a:spcPts val="0"/>
+                </a:spcBef>
+                <a:spcAft>
+                  <a:spcPts val="0"/>
+                </a:spcAft>
+                <a:buClrTx/>
+                <a:buSzTx/>
+                <a:buFontTx/>
+                <a:buNone/>
+                <a:tabLst/>
+                <a:defRPr/>
+              </a:pPr>
               <a:t>10</a:t>
             </a:fld>
-            <a:endParaRPr lang="en-IE"/>
+            <a:endParaRPr kumimoji="0" lang="en-US" sz="1200" b="0" i="0" u="none" strike="noStrike" kern="1200" cap="none" spc="0" normalizeH="0" baseline="0" noProof="0">
+              <a:ln>
+                <a:noFill/>
+              </a:ln>
+              <a:solidFill>
+                <a:prstClr val="black"/>
+              </a:solidFill>
+              <a:effectLst/>
+              <a:uLnTx/>
+              <a:uFillTx/>
+              <a:latin typeface="Segoe UI" pitchFamily="34" charset="0"/>
+              <a:ea typeface="+mn-ea"/>
+              <a:cs typeface="+mn-cs"/>
+            </a:endParaRPr>
           </a:p>
         </p:txBody>
       </p:sp>
     </p:spTree>
     <p:extLst>
       <p:ext uri="{BB962C8B-B14F-4D97-AF65-F5344CB8AC3E}">
-        <p14:creationId xmlns:p14="http://schemas.microsoft.com/office/powerpoint/2010/main" val="1352345019"/>
+        <p14:creationId xmlns:p14="http://schemas.microsoft.com/office/powerpoint/2010/main" val="4108490121"/>
       </p:ext>
     </p:extLst>
   </p:cSld>
@@ -1013,7 +1268,7 @@
     </p:spTree>
     <p:extLst>
       <p:ext uri="{BB962C8B-B14F-4D97-AF65-F5344CB8AC3E}">
-        <p14:creationId xmlns:p14="http://schemas.microsoft.com/office/powerpoint/2010/main" val="60604101"/>
+        <p14:creationId xmlns:p14="http://schemas.microsoft.com/office/powerpoint/2010/main" val="1352345019"/>
       </p:ext>
     </p:extLst>
   </p:cSld>
@@ -1067,206 +1322,13 @@
           <a:bodyPr/>
           <a:lstStyle/>
           <a:p>
-            <a:pPr algn="l" rtl="0" fontAlgn="base"/>
-            <a:endParaRPr lang="en-US" dirty="0"/>
+            <a:endParaRPr lang="en-IE" dirty="0"/>
           </a:p>
         </p:txBody>
       </p:sp>
       <p:sp>
         <p:nvSpPr>
-          <p:cNvPr id="4" name="Header Placeholder 3"/>
-          <p:cNvSpPr>
-            <a:spLocks noGrp="1"/>
-          </p:cNvSpPr>
-          <p:nvPr>
-            <p:ph type="hdr" sz="quarter"/>
-          </p:nvPr>
-        </p:nvSpPr>
-        <p:spPr/>
-        <p:txBody>
-          <a:bodyPr/>
-          <a:lstStyle/>
-          <a:p>
-            <a:pPr marL="0" marR="0" lvl="0" indent="0" algn="l" defTabSz="914367" rtl="0" eaLnBrk="1" fontAlgn="auto" latinLnBrk="0" hangingPunct="1">
-              <a:lnSpc>
-                <a:spcPct val="100000"/>
-              </a:lnSpc>
-              <a:spcBef>
-                <a:spcPts val="0"/>
-              </a:spcBef>
-              <a:spcAft>
-                <a:spcPts val="0"/>
-              </a:spcAft>
-              <a:buClrTx/>
-              <a:buSzTx/>
-              <a:buFontTx/>
-              <a:buNone/>
-              <a:tabLst/>
-              <a:defRPr/>
-            </a:pPr>
-            <a:endParaRPr kumimoji="0" lang="en-US" sz="1200" b="0" i="0" u="none" strike="noStrike" kern="1200" cap="none" spc="0" normalizeH="0" baseline="0" noProof="0">
-              <a:ln>
-                <a:noFill/>
-              </a:ln>
-              <a:solidFill>
-                <a:prstClr val="black"/>
-              </a:solidFill>
-              <a:effectLst/>
-              <a:uLnTx/>
-              <a:uFillTx/>
-              <a:latin typeface="Segoe UI" pitchFamily="34" charset="0"/>
-              <a:ea typeface="+mn-ea"/>
-              <a:cs typeface="+mn-cs"/>
-            </a:endParaRPr>
-          </a:p>
-        </p:txBody>
-      </p:sp>
-      <p:sp>
-        <p:nvSpPr>
-          <p:cNvPr id="5" name="Footer Placeholder 4"/>
-          <p:cNvSpPr>
-            <a:spLocks noGrp="1"/>
-          </p:cNvSpPr>
-          <p:nvPr>
-            <p:ph type="ftr" sz="quarter" idx="4"/>
-          </p:nvPr>
-        </p:nvSpPr>
-        <p:spPr/>
-        <p:txBody>
-          <a:bodyPr/>
-          <a:lstStyle/>
-          <a:p>
-            <a:pPr marL="571500" marR="0" lvl="0" indent="0" algn="l" defTabSz="914099" rtl="0" eaLnBrk="0" fontAlgn="auto" latinLnBrk="0" hangingPunct="0">
-              <a:lnSpc>
-                <a:spcPct val="100000"/>
-              </a:lnSpc>
-              <a:spcBef>
-                <a:spcPts val="0"/>
-              </a:spcBef>
-              <a:spcAft>
-                <a:spcPts val="0"/>
-              </a:spcAft>
-              <a:buClrTx/>
-              <a:buSzTx/>
-              <a:buFontTx/>
-              <a:buNone/>
-              <a:tabLst/>
-              <a:defRPr/>
-            </a:pPr>
-            <a:r>
-              <a:rPr kumimoji="0" lang="en-US" sz="400" b="0" i="0" u="none" strike="noStrike" kern="1200" cap="none" spc="0" normalizeH="0" baseline="0" noProof="0">
-                <a:ln>
-                  <a:noFill/>
-                </a:ln>
-                <a:gradFill>
-                  <a:gsLst>
-                    <a:gs pos="0">
-                      <a:prstClr val="black"/>
-                    </a:gs>
-                    <a:gs pos="100000">
-                      <a:prstClr val="black"/>
-                    </a:gs>
-                  </a:gsLst>
-                  <a:lin ang="5400000" scaled="0"/>
-                </a:gradFill>
-                <a:effectLst/>
-                <a:uLnTx/>
-                <a:uFillTx/>
-                <a:latin typeface="Segoe UI" pitchFamily="34" charset="0"/>
-                <a:ea typeface="Segoe UI" pitchFamily="34" charset="0"/>
-                <a:cs typeface="Segoe UI" pitchFamily="34" charset="0"/>
-              </a:rPr>
-              <a:t>© Microsoft Corporation. All rights reserved. MICROSOFT MAKES NO WARRANTIES, EXPRESS, IMPLIED OR STATUTORY, AS TO THE INFORMATION IN THIS PRESENTATION.</a:t>
-            </a:r>
-          </a:p>
-        </p:txBody>
-      </p:sp>
-      <p:sp>
-        <p:nvSpPr>
-          <p:cNvPr id="6" name="Date Placeholder 5"/>
-          <p:cNvSpPr>
-            <a:spLocks noGrp="1"/>
-          </p:cNvSpPr>
-          <p:nvPr>
-            <p:ph type="dt" idx="1"/>
-          </p:nvPr>
-        </p:nvSpPr>
-        <p:spPr/>
-        <p:txBody>
-          <a:bodyPr/>
-          <a:lstStyle/>
-          <a:p>
-            <a:pPr marL="0" marR="0" lvl="0" indent="0" algn="r" defTabSz="914367" rtl="0" eaLnBrk="1" fontAlgn="auto" latinLnBrk="0" hangingPunct="1">
-              <a:lnSpc>
-                <a:spcPct val="100000"/>
-              </a:lnSpc>
-              <a:spcBef>
-                <a:spcPts val="0"/>
-              </a:spcBef>
-              <a:spcAft>
-                <a:spcPts val="0"/>
-              </a:spcAft>
-              <a:buClrTx/>
-              <a:buSzTx/>
-              <a:buFontTx/>
-              <a:buNone/>
-              <a:tabLst/>
-              <a:defRPr/>
-            </a:pPr>
-            <a:fld id="{386CE63F-9E7F-4C04-9D0D-FCA25A8E9E86}" type="datetime8">
-              <a:rPr kumimoji="0" lang="en-US" sz="1200" b="0" i="0" u="none" strike="noStrike" kern="1200" cap="none" spc="0" normalizeH="0" baseline="0" noProof="0" smtClean="0">
-                <a:ln>
-                  <a:noFill/>
-                </a:ln>
-                <a:solidFill>
-                  <a:prstClr val="black"/>
-                </a:solidFill>
-                <a:effectLst/>
-                <a:uLnTx/>
-                <a:uFillTx/>
-                <a:latin typeface="Segoe UI" pitchFamily="34" charset="0"/>
-                <a:ea typeface="+mn-ea"/>
-                <a:cs typeface="+mn-cs"/>
-              </a:rPr>
-              <a:pPr marL="0" marR="0" lvl="0" indent="0" algn="r" defTabSz="914367" rtl="0" eaLnBrk="1" fontAlgn="auto" latinLnBrk="0" hangingPunct="1">
-                <a:lnSpc>
-                  <a:spcPct val="100000"/>
-                </a:lnSpc>
-                <a:spcBef>
-                  <a:spcPts val="0"/>
-                </a:spcBef>
-                <a:spcAft>
-                  <a:spcPts val="0"/>
-                </a:spcAft>
-                <a:buClrTx/>
-                <a:buSzTx/>
-                <a:buFontTx/>
-                <a:buNone/>
-                <a:tabLst/>
-                <a:defRPr/>
-              </a:pPr>
-              <a:t>11/14/2023 11:10 AM</a:t>
-            </a:fld>
-            <a:endParaRPr kumimoji="0" lang="en-US" sz="1200" b="0" i="0" u="none" strike="noStrike" kern="1200" cap="none" spc="0" normalizeH="0" baseline="0" noProof="0">
-              <a:ln>
-                <a:noFill/>
-              </a:ln>
-              <a:solidFill>
-                <a:prstClr val="black"/>
-              </a:solidFill>
-              <a:effectLst/>
-              <a:uLnTx/>
-              <a:uFillTx/>
-              <a:latin typeface="Segoe UI" pitchFamily="34" charset="0"/>
-              <a:ea typeface="+mn-ea"/>
-              <a:cs typeface="+mn-cs"/>
-            </a:endParaRPr>
-          </a:p>
-        </p:txBody>
-      </p:sp>
-      <p:sp>
-        <p:nvSpPr>
-          <p:cNvPr id="7" name="Slide Number Placeholder 6"/>
+          <p:cNvPr id="4" name="Slide Number Placeholder 3"/>
           <p:cNvSpPr>
             <a:spLocks noGrp="1"/>
           </p:cNvSpPr>
@@ -1279,78 +1341,18 @@
           <a:bodyPr/>
           <a:lstStyle/>
           <a:p>
-            <a:pPr marL="0" marR="0" lvl="0" indent="0" algn="r" defTabSz="914367" rtl="0" eaLnBrk="1" fontAlgn="auto" latinLnBrk="0" hangingPunct="1">
-              <a:lnSpc>
-                <a:spcPct val="100000"/>
-              </a:lnSpc>
-              <a:spcBef>
-                <a:spcPts val="0"/>
-              </a:spcBef>
-              <a:spcAft>
-                <a:spcPts val="0"/>
-              </a:spcAft>
-              <a:buClrTx/>
-              <a:buSzTx/>
-              <a:buFontTx/>
-              <a:buNone/>
-              <a:tabLst/>
-              <a:defRPr/>
-            </a:pPr>
-            <a:fld id="{B4008EB6-D09E-4580-8CD6-DDB14511944F}" type="slidenum">
-              <a:rPr kumimoji="0" lang="en-US" sz="1200" b="0" i="0" u="none" strike="noStrike" kern="1200" cap="none" spc="0" normalizeH="0" baseline="0" noProof="0" smtClean="0">
-                <a:ln>
-                  <a:noFill/>
-                </a:ln>
-                <a:solidFill>
-                  <a:prstClr val="black"/>
-                </a:solidFill>
-                <a:effectLst/>
-                <a:uLnTx/>
-                <a:uFillTx/>
-                <a:latin typeface="Segoe UI" pitchFamily="34" charset="0"/>
-                <a:ea typeface="+mn-ea"/>
-                <a:cs typeface="+mn-cs"/>
-              </a:rPr>
-              <a:pPr marL="0" marR="0" lvl="0" indent="0" algn="r" defTabSz="914367" rtl="0" eaLnBrk="1" fontAlgn="auto" latinLnBrk="0" hangingPunct="1">
-                <a:lnSpc>
-                  <a:spcPct val="100000"/>
-                </a:lnSpc>
-                <a:spcBef>
-                  <a:spcPts val="0"/>
-                </a:spcBef>
-                <a:spcAft>
-                  <a:spcPts val="0"/>
-                </a:spcAft>
-                <a:buClrTx/>
-                <a:buSzTx/>
-                <a:buFontTx/>
-                <a:buNone/>
-                <a:tabLst/>
-                <a:defRPr/>
-              </a:pPr>
+            <a:fld id="{7B5082FC-F860-4D93-A38B-7C2A9A96C8F4}" type="slidenum">
+              <a:rPr lang="en-IE" smtClean="0"/>
               <a:t>12</a:t>
             </a:fld>
-            <a:endParaRPr kumimoji="0" lang="en-US" sz="1200" b="0" i="0" u="none" strike="noStrike" kern="1200" cap="none" spc="0" normalizeH="0" baseline="0" noProof="0">
-              <a:ln>
-                <a:noFill/>
-              </a:ln>
-              <a:solidFill>
-                <a:prstClr val="black"/>
-              </a:solidFill>
-              <a:effectLst/>
-              <a:uLnTx/>
-              <a:uFillTx/>
-              <a:latin typeface="Segoe UI" pitchFamily="34" charset="0"/>
-              <a:ea typeface="+mn-ea"/>
-              <a:cs typeface="+mn-cs"/>
-            </a:endParaRPr>
+            <a:endParaRPr lang="en-IE"/>
           </a:p>
         </p:txBody>
       </p:sp>
     </p:spTree>
     <p:extLst>
       <p:ext uri="{BB962C8B-B14F-4D97-AF65-F5344CB8AC3E}">
-        <p14:creationId xmlns:p14="http://schemas.microsoft.com/office/powerpoint/2010/main" val="1672903514"/>
+        <p14:creationId xmlns:p14="http://schemas.microsoft.com/office/powerpoint/2010/main" val="60604101"/>
       </p:ext>
     </p:extLst>
   </p:cSld>
@@ -1404,6 +1406,343 @@
           <a:bodyPr/>
           <a:lstStyle/>
           <a:p>
+            <a:pPr algn="l" rtl="0" fontAlgn="base"/>
+            <a:endParaRPr lang="en-US" dirty="0"/>
+          </a:p>
+        </p:txBody>
+      </p:sp>
+      <p:sp>
+        <p:nvSpPr>
+          <p:cNvPr id="4" name="Header Placeholder 3"/>
+          <p:cNvSpPr>
+            <a:spLocks noGrp="1"/>
+          </p:cNvSpPr>
+          <p:nvPr>
+            <p:ph type="hdr" sz="quarter"/>
+          </p:nvPr>
+        </p:nvSpPr>
+        <p:spPr/>
+        <p:txBody>
+          <a:bodyPr/>
+          <a:lstStyle/>
+          <a:p>
+            <a:pPr marL="0" marR="0" lvl="0" indent="0" algn="l" defTabSz="914367" rtl="0" eaLnBrk="1" fontAlgn="auto" latinLnBrk="0" hangingPunct="1">
+              <a:lnSpc>
+                <a:spcPct val="100000"/>
+              </a:lnSpc>
+              <a:spcBef>
+                <a:spcPts val="0"/>
+              </a:spcBef>
+              <a:spcAft>
+                <a:spcPts val="0"/>
+              </a:spcAft>
+              <a:buClrTx/>
+              <a:buSzTx/>
+              <a:buFontTx/>
+              <a:buNone/>
+              <a:tabLst/>
+              <a:defRPr/>
+            </a:pPr>
+            <a:endParaRPr kumimoji="0" lang="en-US" sz="1200" b="0" i="0" u="none" strike="noStrike" kern="1200" cap="none" spc="0" normalizeH="0" baseline="0" noProof="0">
+              <a:ln>
+                <a:noFill/>
+              </a:ln>
+              <a:solidFill>
+                <a:prstClr val="black"/>
+              </a:solidFill>
+              <a:effectLst/>
+              <a:uLnTx/>
+              <a:uFillTx/>
+              <a:latin typeface="Segoe UI" pitchFamily="34" charset="0"/>
+              <a:ea typeface="+mn-ea"/>
+              <a:cs typeface="+mn-cs"/>
+            </a:endParaRPr>
+          </a:p>
+        </p:txBody>
+      </p:sp>
+      <p:sp>
+        <p:nvSpPr>
+          <p:cNvPr id="5" name="Footer Placeholder 4"/>
+          <p:cNvSpPr>
+            <a:spLocks noGrp="1"/>
+          </p:cNvSpPr>
+          <p:nvPr>
+            <p:ph type="ftr" sz="quarter" idx="4"/>
+          </p:nvPr>
+        </p:nvSpPr>
+        <p:spPr/>
+        <p:txBody>
+          <a:bodyPr/>
+          <a:lstStyle/>
+          <a:p>
+            <a:pPr marL="571500" marR="0" lvl="0" indent="0" algn="l" defTabSz="914099" rtl="0" eaLnBrk="0" fontAlgn="auto" latinLnBrk="0" hangingPunct="0">
+              <a:lnSpc>
+                <a:spcPct val="100000"/>
+              </a:lnSpc>
+              <a:spcBef>
+                <a:spcPts val="0"/>
+              </a:spcBef>
+              <a:spcAft>
+                <a:spcPts val="0"/>
+              </a:spcAft>
+              <a:buClrTx/>
+              <a:buSzTx/>
+              <a:buFontTx/>
+              <a:buNone/>
+              <a:tabLst/>
+              <a:defRPr/>
+            </a:pPr>
+            <a:r>
+              <a:rPr kumimoji="0" lang="en-US" sz="400" b="0" i="0" u="none" strike="noStrike" kern="1200" cap="none" spc="0" normalizeH="0" baseline="0" noProof="0">
+                <a:ln>
+                  <a:noFill/>
+                </a:ln>
+                <a:gradFill>
+                  <a:gsLst>
+                    <a:gs pos="0">
+                      <a:prstClr val="black"/>
+                    </a:gs>
+                    <a:gs pos="100000">
+                      <a:prstClr val="black"/>
+                    </a:gs>
+                  </a:gsLst>
+                  <a:lin ang="5400000" scaled="0"/>
+                </a:gradFill>
+                <a:effectLst/>
+                <a:uLnTx/>
+                <a:uFillTx/>
+                <a:latin typeface="Segoe UI" pitchFamily="34" charset="0"/>
+                <a:ea typeface="Segoe UI" pitchFamily="34" charset="0"/>
+                <a:cs typeface="Segoe UI" pitchFamily="34" charset="0"/>
+              </a:rPr>
+              <a:t>© Microsoft Corporation. All rights reserved. MICROSOFT MAKES NO WARRANTIES, EXPRESS, IMPLIED OR STATUTORY, AS TO THE INFORMATION IN THIS PRESENTATION.</a:t>
+            </a:r>
+          </a:p>
+        </p:txBody>
+      </p:sp>
+      <p:sp>
+        <p:nvSpPr>
+          <p:cNvPr id="6" name="Date Placeholder 5"/>
+          <p:cNvSpPr>
+            <a:spLocks noGrp="1"/>
+          </p:cNvSpPr>
+          <p:nvPr>
+            <p:ph type="dt" idx="1"/>
+          </p:nvPr>
+        </p:nvSpPr>
+        <p:spPr/>
+        <p:txBody>
+          <a:bodyPr/>
+          <a:lstStyle/>
+          <a:p>
+            <a:pPr marL="0" marR="0" lvl="0" indent="0" algn="r" defTabSz="914367" rtl="0" eaLnBrk="1" fontAlgn="auto" latinLnBrk="0" hangingPunct="1">
+              <a:lnSpc>
+                <a:spcPct val="100000"/>
+              </a:lnSpc>
+              <a:spcBef>
+                <a:spcPts val="0"/>
+              </a:spcBef>
+              <a:spcAft>
+                <a:spcPts val="0"/>
+              </a:spcAft>
+              <a:buClrTx/>
+              <a:buSzTx/>
+              <a:buFontTx/>
+              <a:buNone/>
+              <a:tabLst/>
+              <a:defRPr/>
+            </a:pPr>
+            <a:fld id="{386CE63F-9E7F-4C04-9D0D-FCA25A8E9E86}" type="datetime8">
+              <a:rPr kumimoji="0" lang="en-US" sz="1200" b="0" i="0" u="none" strike="noStrike" kern="1200" cap="none" spc="0" normalizeH="0" baseline="0" noProof="0" smtClean="0">
+                <a:ln>
+                  <a:noFill/>
+                </a:ln>
+                <a:solidFill>
+                  <a:prstClr val="black"/>
+                </a:solidFill>
+                <a:effectLst/>
+                <a:uLnTx/>
+                <a:uFillTx/>
+                <a:latin typeface="Segoe UI" pitchFamily="34" charset="0"/>
+                <a:ea typeface="+mn-ea"/>
+                <a:cs typeface="+mn-cs"/>
+              </a:rPr>
+              <a:pPr marL="0" marR="0" lvl="0" indent="0" algn="r" defTabSz="914367" rtl="0" eaLnBrk="1" fontAlgn="auto" latinLnBrk="0" hangingPunct="1">
+                <a:lnSpc>
+                  <a:spcPct val="100000"/>
+                </a:lnSpc>
+                <a:spcBef>
+                  <a:spcPts val="0"/>
+                </a:spcBef>
+                <a:spcAft>
+                  <a:spcPts val="0"/>
+                </a:spcAft>
+                <a:buClrTx/>
+                <a:buSzTx/>
+                <a:buFontTx/>
+                <a:buNone/>
+                <a:tabLst/>
+                <a:defRPr/>
+              </a:pPr>
+              <a:t>1/29/2024 1:29 PM</a:t>
+            </a:fld>
+            <a:endParaRPr kumimoji="0" lang="en-US" sz="1200" b="0" i="0" u="none" strike="noStrike" kern="1200" cap="none" spc="0" normalizeH="0" baseline="0" noProof="0">
+              <a:ln>
+                <a:noFill/>
+              </a:ln>
+              <a:solidFill>
+                <a:prstClr val="black"/>
+              </a:solidFill>
+              <a:effectLst/>
+              <a:uLnTx/>
+              <a:uFillTx/>
+              <a:latin typeface="Segoe UI" pitchFamily="34" charset="0"/>
+              <a:ea typeface="+mn-ea"/>
+              <a:cs typeface="+mn-cs"/>
+            </a:endParaRPr>
+          </a:p>
+        </p:txBody>
+      </p:sp>
+      <p:sp>
+        <p:nvSpPr>
+          <p:cNvPr id="7" name="Slide Number Placeholder 6"/>
+          <p:cNvSpPr>
+            <a:spLocks noGrp="1"/>
+          </p:cNvSpPr>
+          <p:nvPr>
+            <p:ph type="sldNum" sz="quarter" idx="5"/>
+          </p:nvPr>
+        </p:nvSpPr>
+        <p:spPr/>
+        <p:txBody>
+          <a:bodyPr/>
+          <a:lstStyle/>
+          <a:p>
+            <a:pPr marL="0" marR="0" lvl="0" indent="0" algn="r" defTabSz="914367" rtl="0" eaLnBrk="1" fontAlgn="auto" latinLnBrk="0" hangingPunct="1">
+              <a:lnSpc>
+                <a:spcPct val="100000"/>
+              </a:lnSpc>
+              <a:spcBef>
+                <a:spcPts val="0"/>
+              </a:spcBef>
+              <a:spcAft>
+                <a:spcPts val="0"/>
+              </a:spcAft>
+              <a:buClrTx/>
+              <a:buSzTx/>
+              <a:buFontTx/>
+              <a:buNone/>
+              <a:tabLst/>
+              <a:defRPr/>
+            </a:pPr>
+            <a:fld id="{B4008EB6-D09E-4580-8CD6-DDB14511944F}" type="slidenum">
+              <a:rPr kumimoji="0" lang="en-US" sz="1200" b="0" i="0" u="none" strike="noStrike" kern="1200" cap="none" spc="0" normalizeH="0" baseline="0" noProof="0" smtClean="0">
+                <a:ln>
+                  <a:noFill/>
+                </a:ln>
+                <a:solidFill>
+                  <a:prstClr val="black"/>
+                </a:solidFill>
+                <a:effectLst/>
+                <a:uLnTx/>
+                <a:uFillTx/>
+                <a:latin typeface="Segoe UI" pitchFamily="34" charset="0"/>
+                <a:ea typeface="+mn-ea"/>
+                <a:cs typeface="+mn-cs"/>
+              </a:rPr>
+              <a:pPr marL="0" marR="0" lvl="0" indent="0" algn="r" defTabSz="914367" rtl="0" eaLnBrk="1" fontAlgn="auto" latinLnBrk="0" hangingPunct="1">
+                <a:lnSpc>
+                  <a:spcPct val="100000"/>
+                </a:lnSpc>
+                <a:spcBef>
+                  <a:spcPts val="0"/>
+                </a:spcBef>
+                <a:spcAft>
+                  <a:spcPts val="0"/>
+                </a:spcAft>
+                <a:buClrTx/>
+                <a:buSzTx/>
+                <a:buFontTx/>
+                <a:buNone/>
+                <a:tabLst/>
+                <a:defRPr/>
+              </a:pPr>
+              <a:t>13</a:t>
+            </a:fld>
+            <a:endParaRPr kumimoji="0" lang="en-US" sz="1200" b="0" i="0" u="none" strike="noStrike" kern="1200" cap="none" spc="0" normalizeH="0" baseline="0" noProof="0">
+              <a:ln>
+                <a:noFill/>
+              </a:ln>
+              <a:solidFill>
+                <a:prstClr val="black"/>
+              </a:solidFill>
+              <a:effectLst/>
+              <a:uLnTx/>
+              <a:uFillTx/>
+              <a:latin typeface="Segoe UI" pitchFamily="34" charset="0"/>
+              <a:ea typeface="+mn-ea"/>
+              <a:cs typeface="+mn-cs"/>
+            </a:endParaRPr>
+          </a:p>
+        </p:txBody>
+      </p:sp>
+    </p:spTree>
+    <p:extLst>
+      <p:ext uri="{BB962C8B-B14F-4D97-AF65-F5344CB8AC3E}">
+        <p14:creationId xmlns:p14="http://schemas.microsoft.com/office/powerpoint/2010/main" val="1672903514"/>
+      </p:ext>
+    </p:extLst>
+  </p:cSld>
+  <p:clrMapOvr>
+    <a:masterClrMapping/>
+  </p:clrMapOvr>
+</p:notes>
+</file>
+
+<file path=ppt/notesSlides/notesSlide14.xml><?xml version="1.0" encoding="utf-8"?>
+<p:notes xmlns:a="http://schemas.openxmlformats.org/drawingml/2006/main" xmlns:r="http://schemas.openxmlformats.org/officeDocument/2006/relationships" xmlns:p="http://schemas.openxmlformats.org/presentationml/2006/main">
+  <p:cSld>
+    <p:spTree>
+      <p:nvGrpSpPr>
+        <p:cNvPr id="1" name=""/>
+        <p:cNvGrpSpPr/>
+        <p:nvPr/>
+      </p:nvGrpSpPr>
+      <p:grpSpPr>
+        <a:xfrm>
+          <a:off x="0" y="0"/>
+          <a:ext cx="0" cy="0"/>
+          <a:chOff x="0" y="0"/>
+          <a:chExt cx="0" cy="0"/>
+        </a:xfrm>
+      </p:grpSpPr>
+      <p:sp>
+        <p:nvSpPr>
+          <p:cNvPr id="2" name="Slide Image Placeholder 1"/>
+          <p:cNvSpPr>
+            <a:spLocks noGrp="1" noRot="1" noChangeAspect="1"/>
+          </p:cNvSpPr>
+          <p:nvPr>
+            <p:ph type="sldImg"/>
+          </p:nvPr>
+        </p:nvSpPr>
+        <p:spPr/>
+      </p:sp>
+      <p:sp>
+        <p:nvSpPr>
+          <p:cNvPr id="3" name="Notes Placeholder 2"/>
+          <p:cNvSpPr>
+            <a:spLocks noGrp="1"/>
+          </p:cNvSpPr>
+          <p:nvPr>
+            <p:ph type="body" idx="1"/>
+          </p:nvPr>
+        </p:nvSpPr>
+        <p:spPr/>
+        <p:txBody>
+          <a:bodyPr/>
+          <a:lstStyle/>
+          <a:p>
             <a:endParaRPr lang="en-IE" dirty="0"/>
           </a:p>
           <a:p>
@@ -1434,7 +1773,7 @@
           <a:p>
             <a:fld id="{7B5082FC-F860-4D93-A38B-7C2A9A96C8F4}" type="slidenum">
               <a:rPr lang="en-IE" smtClean="0"/>
-              <a:t>13</a:t>
+              <a:t>14</a:t>
             </a:fld>
             <a:endParaRPr lang="en-IE"/>
           </a:p>
@@ -2070,7 +2409,7 @@
                 <a:tabLst/>
                 <a:defRPr/>
               </a:pPr>
-              <a:t>11/14/2023 11:10 AM</a:t>
+              <a:t>1/29/2024 1:29 PM</a:t>
             </a:fld>
             <a:endParaRPr kumimoji="0" lang="en-US" sz="1200" b="0" i="0" u="none" strike="noStrike" kern="1200" cap="none" spc="0" normalizeH="0" baseline="0" noProof="0">
               <a:ln>
@@ -2444,7 +2783,7 @@
                 <a:tabLst/>
                 <a:defRPr/>
               </a:pPr>
-              <a:t>11/14/2023 12:02 PM</a:t>
+              <a:t>1/29/2024 1:29 PM</a:t>
             </a:fld>
             <a:endParaRPr kumimoji="0" lang="en-US" sz="1200" b="0" i="0" u="none" strike="noStrike" kern="1200" cap="none" spc="0" normalizeH="0" baseline="0" noProof="0">
               <a:ln>
@@ -3403,19 +3742,77 @@
           <a:bodyPr/>
           <a:lstStyle/>
           <a:p>
-            <a:pPr algn="l" rtl="0" fontAlgn="base"/>
-            <a:endParaRPr lang="en-US" dirty="0"/>
+            <a:endParaRPr lang="en-IE" dirty="0"/>
+          </a:p>
+          <a:p>
+            <a:r>
+              <a:rPr lang="en-IE" dirty="0"/>
+              <a:t>(*) </a:t>
+            </a:r>
+          </a:p>
+          <a:p>
+            <a:r>
+              <a:rPr lang="en-IE" dirty="0"/>
+              <a:t>For the purpose of report we</a:t>
+            </a:r>
+            <a:r>
+              <a:rPr lang="ru-RU" dirty="0"/>
+              <a:t> </a:t>
+            </a:r>
+            <a:r>
+              <a:rPr lang="en-IE" dirty="0"/>
+              <a:t>are removing the following:</a:t>
+            </a:r>
+          </a:p>
+          <a:p>
+            <a:pPr lvl="1"/>
+            <a:r>
+              <a:rPr lang="en-IE" dirty="0"/>
+              <a:t>Duplicate data, </a:t>
+            </a:r>
+          </a:p>
+          <a:p>
+            <a:pPr lvl="1"/>
+            <a:r>
+              <a:rPr lang="en-IE" dirty="0"/>
+              <a:t>yellow taxi cabs only (there are others types in the dataset as well) </a:t>
+            </a:r>
+          </a:p>
+          <a:p>
+            <a:pPr lvl="1"/>
+            <a:r>
+              <a:rPr lang="en-IE" dirty="0"/>
+              <a:t>Only trips with actual passenger counts (could be data collection errors, misreporting, etc) </a:t>
+            </a:r>
+          </a:p>
+          <a:p>
+            <a:endParaRPr lang="en-IE" dirty="0"/>
+          </a:p>
+          <a:p>
+            <a:endParaRPr lang="en-IE" dirty="0"/>
+          </a:p>
+          <a:p>
+            <a:endParaRPr lang="en-IE" dirty="0"/>
+          </a:p>
+          <a:p>
+            <a:r>
+              <a:rPr lang="en-IE" dirty="0"/>
+              <a:t>https://www.nyc.gov/site/tlc/about/tlc-trip-record-data.page</a:t>
+            </a:r>
+          </a:p>
+          <a:p>
+            <a:endParaRPr lang="en-IE" dirty="0"/>
           </a:p>
         </p:txBody>
       </p:sp>
       <p:sp>
         <p:nvSpPr>
-          <p:cNvPr id="4" name="Header Placeholder 3"/>
+          <p:cNvPr id="4" name="Slide Number Placeholder 3"/>
           <p:cNvSpPr>
             <a:spLocks noGrp="1"/>
           </p:cNvSpPr>
           <p:nvPr>
-            <p:ph type="hdr" sz="quarter"/>
+            <p:ph type="sldNum" sz="quarter" idx="5"/>
           </p:nvPr>
         </p:nvSpPr>
         <p:spPr/>
@@ -3423,7 +3820,7 @@
           <a:bodyPr/>
           <a:lstStyle/>
           <a:p>
-            <a:pPr marL="0" marR="0" lvl="0" indent="0" algn="l" defTabSz="914367" rtl="0" eaLnBrk="1" fontAlgn="auto" latinLnBrk="0" hangingPunct="1">
+            <a:pPr marL="0" marR="0" lvl="0" indent="0" algn="r" defTabSz="914400" rtl="0" eaLnBrk="1" fontAlgn="auto" latinLnBrk="0" hangingPunct="1">
               <a:lnSpc>
                 <a:spcPct val="100000"/>
               </a:lnSpc>
@@ -3440,214 +3837,22 @@
               <a:tabLst/>
               <a:defRPr/>
             </a:pPr>
-            <a:endParaRPr kumimoji="0" lang="en-US" sz="1200" b="0" i="0" u="none" strike="noStrike" kern="1200" cap="none" spc="0" normalizeH="0" baseline="0" noProof="0">
-              <a:ln>
-                <a:noFill/>
-              </a:ln>
-              <a:solidFill>
-                <a:prstClr val="black"/>
-              </a:solidFill>
-              <a:effectLst/>
-              <a:uLnTx/>
-              <a:uFillTx/>
-              <a:latin typeface="Segoe UI" pitchFamily="34" charset="0"/>
-              <a:ea typeface="+mn-ea"/>
-              <a:cs typeface="+mn-cs"/>
-            </a:endParaRPr>
-          </a:p>
-        </p:txBody>
-      </p:sp>
-      <p:sp>
-        <p:nvSpPr>
-          <p:cNvPr id="5" name="Footer Placeholder 4"/>
-          <p:cNvSpPr>
-            <a:spLocks noGrp="1"/>
-          </p:cNvSpPr>
-          <p:nvPr>
-            <p:ph type="ftr" sz="quarter" idx="4"/>
-          </p:nvPr>
-        </p:nvSpPr>
-        <p:spPr/>
-        <p:txBody>
-          <a:bodyPr/>
-          <a:lstStyle/>
-          <a:p>
-            <a:pPr marL="571500" marR="0" lvl="0" indent="0" algn="l" defTabSz="914099" rtl="0" eaLnBrk="0" fontAlgn="auto" latinLnBrk="0" hangingPunct="0">
-              <a:lnSpc>
-                <a:spcPct val="100000"/>
-              </a:lnSpc>
-              <a:spcBef>
-                <a:spcPts val="0"/>
-              </a:spcBef>
-              <a:spcAft>
-                <a:spcPts val="0"/>
-              </a:spcAft>
-              <a:buClrTx/>
-              <a:buSzTx/>
-              <a:buFontTx/>
-              <a:buNone/>
-              <a:tabLst/>
-              <a:defRPr/>
-            </a:pPr>
-            <a:r>
-              <a:rPr kumimoji="0" lang="en-US" sz="400" b="0" i="0" u="none" strike="noStrike" kern="1200" cap="none" spc="0" normalizeH="0" baseline="0" noProof="0">
+            <a:fld id="{7B5082FC-F860-4D93-A38B-7C2A9A96C8F4}" type="slidenum">
+              <a:rPr kumimoji="0" lang="en-IE" sz="1200" b="0" i="0" u="none" strike="noStrike" kern="1200" cap="none" spc="0" normalizeH="0" baseline="0" noProof="0" smtClean="0">
                 <a:ln>
                   <a:noFill/>
                 </a:ln>
-                <a:gradFill>
-                  <a:gsLst>
-                    <a:gs pos="0">
-                      <a:prstClr val="black"/>
-                    </a:gs>
-                    <a:gs pos="100000">
-                      <a:prstClr val="black"/>
-                    </a:gs>
-                  </a:gsLst>
-                  <a:lin ang="5400000" scaled="0"/>
-                </a:gradFill>
+                <a:solidFill>
+                  <a:prstClr val="black"/>
+                </a:solidFill>
                 <a:effectLst/>
                 <a:uLnTx/>
                 <a:uFillTx/>
-                <a:latin typeface="Segoe UI" pitchFamily="34" charset="0"/>
-                <a:ea typeface="Segoe UI" pitchFamily="34" charset="0"/>
-                <a:cs typeface="Segoe UI" pitchFamily="34" charset="0"/>
-              </a:rPr>
-              <a:t>© Microsoft Corporation. All rights reserved. MICROSOFT MAKES NO WARRANTIES, EXPRESS, IMPLIED OR STATUTORY, AS TO THE INFORMATION IN THIS PRESENTATION.</a:t>
-            </a:r>
-          </a:p>
-        </p:txBody>
-      </p:sp>
-      <p:sp>
-        <p:nvSpPr>
-          <p:cNvPr id="6" name="Date Placeholder 5"/>
-          <p:cNvSpPr>
-            <a:spLocks noGrp="1"/>
-          </p:cNvSpPr>
-          <p:nvPr>
-            <p:ph type="dt" idx="1"/>
-          </p:nvPr>
-        </p:nvSpPr>
-        <p:spPr/>
-        <p:txBody>
-          <a:bodyPr/>
-          <a:lstStyle/>
-          <a:p>
-            <a:pPr marL="0" marR="0" lvl="0" indent="0" algn="r" defTabSz="914367" rtl="0" eaLnBrk="1" fontAlgn="auto" latinLnBrk="0" hangingPunct="1">
-              <a:lnSpc>
-                <a:spcPct val="100000"/>
-              </a:lnSpc>
-              <a:spcBef>
-                <a:spcPts val="0"/>
-              </a:spcBef>
-              <a:spcAft>
-                <a:spcPts val="0"/>
-              </a:spcAft>
-              <a:buClrTx/>
-              <a:buSzTx/>
-              <a:buFontTx/>
-              <a:buNone/>
-              <a:tabLst/>
-              <a:defRPr/>
-            </a:pPr>
-            <a:fld id="{386CE63F-9E7F-4C04-9D0D-FCA25A8E9E86}" type="datetime8">
-              <a:rPr kumimoji="0" lang="en-US" sz="1200" b="0" i="0" u="none" strike="noStrike" kern="1200" cap="none" spc="0" normalizeH="0" baseline="0" noProof="0" smtClean="0">
-                <a:ln>
-                  <a:noFill/>
-                </a:ln>
-                <a:solidFill>
-                  <a:prstClr val="black"/>
-                </a:solidFill>
-                <a:effectLst/>
-                <a:uLnTx/>
-                <a:uFillTx/>
-                <a:latin typeface="Segoe UI" pitchFamily="34" charset="0"/>
+                <a:latin typeface="Calibri" panose="020F0502020204030204"/>
                 <a:ea typeface="+mn-ea"/>
                 <a:cs typeface="+mn-cs"/>
               </a:rPr>
-              <a:pPr marL="0" marR="0" lvl="0" indent="0" algn="r" defTabSz="914367" rtl="0" eaLnBrk="1" fontAlgn="auto" latinLnBrk="0" hangingPunct="1">
-                <a:lnSpc>
-                  <a:spcPct val="100000"/>
-                </a:lnSpc>
-                <a:spcBef>
-                  <a:spcPts val="0"/>
-                </a:spcBef>
-                <a:spcAft>
-                  <a:spcPts val="0"/>
-                </a:spcAft>
-                <a:buClrTx/>
-                <a:buSzTx/>
-                <a:buFontTx/>
-                <a:buNone/>
-                <a:tabLst/>
-                <a:defRPr/>
-              </a:pPr>
-              <a:t>11/14/2023 11:10 AM</a:t>
-            </a:fld>
-            <a:endParaRPr kumimoji="0" lang="en-US" sz="1200" b="0" i="0" u="none" strike="noStrike" kern="1200" cap="none" spc="0" normalizeH="0" baseline="0" noProof="0">
-              <a:ln>
-                <a:noFill/>
-              </a:ln>
-              <a:solidFill>
-                <a:prstClr val="black"/>
-              </a:solidFill>
-              <a:effectLst/>
-              <a:uLnTx/>
-              <a:uFillTx/>
-              <a:latin typeface="Segoe UI" pitchFamily="34" charset="0"/>
-              <a:ea typeface="+mn-ea"/>
-              <a:cs typeface="+mn-cs"/>
-            </a:endParaRPr>
-          </a:p>
-        </p:txBody>
-      </p:sp>
-      <p:sp>
-        <p:nvSpPr>
-          <p:cNvPr id="7" name="Slide Number Placeholder 6"/>
-          <p:cNvSpPr>
-            <a:spLocks noGrp="1"/>
-          </p:cNvSpPr>
-          <p:nvPr>
-            <p:ph type="sldNum" sz="quarter" idx="5"/>
-          </p:nvPr>
-        </p:nvSpPr>
-        <p:spPr/>
-        <p:txBody>
-          <a:bodyPr/>
-          <a:lstStyle/>
-          <a:p>
-            <a:pPr marL="0" marR="0" lvl="0" indent="0" algn="r" defTabSz="914367" rtl="0" eaLnBrk="1" fontAlgn="auto" latinLnBrk="0" hangingPunct="1">
-              <a:lnSpc>
-                <a:spcPct val="100000"/>
-              </a:lnSpc>
-              <a:spcBef>
-                <a:spcPts val="0"/>
-              </a:spcBef>
-              <a:spcAft>
-                <a:spcPts val="0"/>
-              </a:spcAft>
-              <a:buClrTx/>
-              <a:buSzTx/>
-              <a:buFontTx/>
-              <a:buNone/>
-              <a:tabLst/>
-              <a:defRPr/>
-            </a:pPr>
-            <a:fld id="{B4008EB6-D09E-4580-8CD6-DDB14511944F}" type="slidenum">
-              <a:rPr kumimoji="0" lang="en-US" sz="1200" b="0" i="0" u="none" strike="noStrike" kern="1200" cap="none" spc="0" normalizeH="0" baseline="0" noProof="0" smtClean="0">
-                <a:ln>
-                  <a:noFill/>
-                </a:ln>
-                <a:solidFill>
-                  <a:prstClr val="black"/>
-                </a:solidFill>
-                <a:effectLst/>
-                <a:uLnTx/>
-                <a:uFillTx/>
-                <a:latin typeface="Segoe UI" pitchFamily="34" charset="0"/>
-                <a:ea typeface="+mn-ea"/>
-                <a:cs typeface="+mn-cs"/>
-              </a:rPr>
-              <a:pPr marL="0" marR="0" lvl="0" indent="0" algn="r" defTabSz="914367" rtl="0" eaLnBrk="1" fontAlgn="auto" latinLnBrk="0" hangingPunct="1">
+              <a:pPr marL="0" marR="0" lvl="0" indent="0" algn="r" defTabSz="914400" rtl="0" eaLnBrk="1" fontAlgn="auto" latinLnBrk="0" hangingPunct="1">
                 <a:lnSpc>
                   <a:spcPct val="100000"/>
                 </a:lnSpc>
@@ -3666,7 +3871,7 @@
               </a:pPr>
               <a:t>7</a:t>
             </a:fld>
-            <a:endParaRPr kumimoji="0" lang="en-US" sz="1200" b="0" i="0" u="none" strike="noStrike" kern="1200" cap="none" spc="0" normalizeH="0" baseline="0" noProof="0">
+            <a:endParaRPr kumimoji="0" lang="en-IE" sz="1200" b="0" i="0" u="none" strike="noStrike" kern="1200" cap="none" spc="0" normalizeH="0" baseline="0" noProof="0">
               <a:ln>
                 <a:noFill/>
               </a:ln>
@@ -3676,7 +3881,7 @@
               <a:effectLst/>
               <a:uLnTx/>
               <a:uFillTx/>
-              <a:latin typeface="Segoe UI" pitchFamily="34" charset="0"/>
+              <a:latin typeface="Calibri" panose="020F0502020204030204"/>
               <a:ea typeface="+mn-ea"/>
               <a:cs typeface="+mn-cs"/>
             </a:endParaRPr>
@@ -3686,7 +3891,7 @@
     </p:spTree>
     <p:extLst>
       <p:ext uri="{BB962C8B-B14F-4D97-AF65-F5344CB8AC3E}">
-        <p14:creationId xmlns:p14="http://schemas.microsoft.com/office/powerpoint/2010/main" val="3526051407"/>
+        <p14:creationId xmlns:p14="http://schemas.microsoft.com/office/powerpoint/2010/main" val="495817141"/>
       </p:ext>
     </p:extLst>
   </p:cSld>
@@ -3740,16 +3945,206 @@
           <a:bodyPr/>
           <a:lstStyle/>
           <a:p>
-            <a:r>
-              <a:rPr lang="en-IE" dirty="0"/>
-              <a:t>https://www.youtube.com/watch?v=wr__6tM5U6I</a:t>
-            </a:r>
+            <a:pPr algn="l" rtl="0" fontAlgn="base"/>
+            <a:endParaRPr lang="en-US" dirty="0"/>
           </a:p>
         </p:txBody>
       </p:sp>
       <p:sp>
         <p:nvSpPr>
-          <p:cNvPr id="4" name="Slide Number Placeholder 3"/>
+          <p:cNvPr id="4" name="Header Placeholder 3"/>
+          <p:cNvSpPr>
+            <a:spLocks noGrp="1"/>
+          </p:cNvSpPr>
+          <p:nvPr>
+            <p:ph type="hdr" sz="quarter"/>
+          </p:nvPr>
+        </p:nvSpPr>
+        <p:spPr/>
+        <p:txBody>
+          <a:bodyPr/>
+          <a:lstStyle/>
+          <a:p>
+            <a:pPr marL="0" marR="0" lvl="0" indent="0" algn="l" defTabSz="914367" rtl="0" eaLnBrk="1" fontAlgn="auto" latinLnBrk="0" hangingPunct="1">
+              <a:lnSpc>
+                <a:spcPct val="100000"/>
+              </a:lnSpc>
+              <a:spcBef>
+                <a:spcPts val="0"/>
+              </a:spcBef>
+              <a:spcAft>
+                <a:spcPts val="0"/>
+              </a:spcAft>
+              <a:buClrTx/>
+              <a:buSzTx/>
+              <a:buFontTx/>
+              <a:buNone/>
+              <a:tabLst/>
+              <a:defRPr/>
+            </a:pPr>
+            <a:endParaRPr kumimoji="0" lang="en-US" sz="1200" b="0" i="0" u="none" strike="noStrike" kern="1200" cap="none" spc="0" normalizeH="0" baseline="0" noProof="0">
+              <a:ln>
+                <a:noFill/>
+              </a:ln>
+              <a:solidFill>
+                <a:prstClr val="black"/>
+              </a:solidFill>
+              <a:effectLst/>
+              <a:uLnTx/>
+              <a:uFillTx/>
+              <a:latin typeface="Segoe UI" pitchFamily="34" charset="0"/>
+              <a:ea typeface="+mn-ea"/>
+              <a:cs typeface="+mn-cs"/>
+            </a:endParaRPr>
+          </a:p>
+        </p:txBody>
+      </p:sp>
+      <p:sp>
+        <p:nvSpPr>
+          <p:cNvPr id="5" name="Footer Placeholder 4"/>
+          <p:cNvSpPr>
+            <a:spLocks noGrp="1"/>
+          </p:cNvSpPr>
+          <p:nvPr>
+            <p:ph type="ftr" sz="quarter" idx="4"/>
+          </p:nvPr>
+        </p:nvSpPr>
+        <p:spPr/>
+        <p:txBody>
+          <a:bodyPr/>
+          <a:lstStyle/>
+          <a:p>
+            <a:pPr marL="571500" marR="0" lvl="0" indent="0" algn="l" defTabSz="914099" rtl="0" eaLnBrk="0" fontAlgn="auto" latinLnBrk="0" hangingPunct="0">
+              <a:lnSpc>
+                <a:spcPct val="100000"/>
+              </a:lnSpc>
+              <a:spcBef>
+                <a:spcPts val="0"/>
+              </a:spcBef>
+              <a:spcAft>
+                <a:spcPts val="0"/>
+              </a:spcAft>
+              <a:buClrTx/>
+              <a:buSzTx/>
+              <a:buFontTx/>
+              <a:buNone/>
+              <a:tabLst/>
+              <a:defRPr/>
+            </a:pPr>
+            <a:r>
+              <a:rPr kumimoji="0" lang="en-US" sz="400" b="0" i="0" u="none" strike="noStrike" kern="1200" cap="none" spc="0" normalizeH="0" baseline="0" noProof="0">
+                <a:ln>
+                  <a:noFill/>
+                </a:ln>
+                <a:gradFill>
+                  <a:gsLst>
+                    <a:gs pos="0">
+                      <a:prstClr val="black"/>
+                    </a:gs>
+                    <a:gs pos="100000">
+                      <a:prstClr val="black"/>
+                    </a:gs>
+                  </a:gsLst>
+                  <a:lin ang="5400000" scaled="0"/>
+                </a:gradFill>
+                <a:effectLst/>
+                <a:uLnTx/>
+                <a:uFillTx/>
+                <a:latin typeface="Segoe UI" pitchFamily="34" charset="0"/>
+                <a:ea typeface="Segoe UI" pitchFamily="34" charset="0"/>
+                <a:cs typeface="Segoe UI" pitchFamily="34" charset="0"/>
+              </a:rPr>
+              <a:t>© Microsoft Corporation. All rights reserved. MICROSOFT MAKES NO WARRANTIES, EXPRESS, IMPLIED OR STATUTORY, AS TO THE INFORMATION IN THIS PRESENTATION.</a:t>
+            </a:r>
+          </a:p>
+        </p:txBody>
+      </p:sp>
+      <p:sp>
+        <p:nvSpPr>
+          <p:cNvPr id="6" name="Date Placeholder 5"/>
+          <p:cNvSpPr>
+            <a:spLocks noGrp="1"/>
+          </p:cNvSpPr>
+          <p:nvPr>
+            <p:ph type="dt" idx="1"/>
+          </p:nvPr>
+        </p:nvSpPr>
+        <p:spPr/>
+        <p:txBody>
+          <a:bodyPr/>
+          <a:lstStyle/>
+          <a:p>
+            <a:pPr marL="0" marR="0" lvl="0" indent="0" algn="r" defTabSz="914367" rtl="0" eaLnBrk="1" fontAlgn="auto" latinLnBrk="0" hangingPunct="1">
+              <a:lnSpc>
+                <a:spcPct val="100000"/>
+              </a:lnSpc>
+              <a:spcBef>
+                <a:spcPts val="0"/>
+              </a:spcBef>
+              <a:spcAft>
+                <a:spcPts val="0"/>
+              </a:spcAft>
+              <a:buClrTx/>
+              <a:buSzTx/>
+              <a:buFontTx/>
+              <a:buNone/>
+              <a:tabLst/>
+              <a:defRPr/>
+            </a:pPr>
+            <a:fld id="{386CE63F-9E7F-4C04-9D0D-FCA25A8E9E86}" type="datetime8">
+              <a:rPr kumimoji="0" lang="en-US" sz="1200" b="0" i="0" u="none" strike="noStrike" kern="1200" cap="none" spc="0" normalizeH="0" baseline="0" noProof="0" smtClean="0">
+                <a:ln>
+                  <a:noFill/>
+                </a:ln>
+                <a:solidFill>
+                  <a:prstClr val="black"/>
+                </a:solidFill>
+                <a:effectLst/>
+                <a:uLnTx/>
+                <a:uFillTx/>
+                <a:latin typeface="Segoe UI" pitchFamily="34" charset="0"/>
+                <a:ea typeface="+mn-ea"/>
+                <a:cs typeface="+mn-cs"/>
+              </a:rPr>
+              <a:pPr marL="0" marR="0" lvl="0" indent="0" algn="r" defTabSz="914367" rtl="0" eaLnBrk="1" fontAlgn="auto" latinLnBrk="0" hangingPunct="1">
+                <a:lnSpc>
+                  <a:spcPct val="100000"/>
+                </a:lnSpc>
+                <a:spcBef>
+                  <a:spcPts val="0"/>
+                </a:spcBef>
+                <a:spcAft>
+                  <a:spcPts val="0"/>
+                </a:spcAft>
+                <a:buClrTx/>
+                <a:buSzTx/>
+                <a:buFontTx/>
+                <a:buNone/>
+                <a:tabLst/>
+                <a:defRPr/>
+              </a:pPr>
+              <a:t>1/29/2024 1:29 PM</a:t>
+            </a:fld>
+            <a:endParaRPr kumimoji="0" lang="en-US" sz="1200" b="0" i="0" u="none" strike="noStrike" kern="1200" cap="none" spc="0" normalizeH="0" baseline="0" noProof="0">
+              <a:ln>
+                <a:noFill/>
+              </a:ln>
+              <a:solidFill>
+                <a:prstClr val="black"/>
+              </a:solidFill>
+              <a:effectLst/>
+              <a:uLnTx/>
+              <a:uFillTx/>
+              <a:latin typeface="Segoe UI" pitchFamily="34" charset="0"/>
+              <a:ea typeface="+mn-ea"/>
+              <a:cs typeface="+mn-cs"/>
+            </a:endParaRPr>
+          </a:p>
+        </p:txBody>
+      </p:sp>
+      <p:sp>
+        <p:nvSpPr>
+          <p:cNvPr id="7" name="Slide Number Placeholder 6"/>
           <p:cNvSpPr>
             <a:spLocks noGrp="1"/>
           </p:cNvSpPr>
@@ -3762,18 +4157,78 @@
           <a:bodyPr/>
           <a:lstStyle/>
           <a:p>
-            <a:fld id="{7B5082FC-F860-4D93-A38B-7C2A9A96C8F4}" type="slidenum">
-              <a:rPr lang="en-IE" smtClean="0"/>
+            <a:pPr marL="0" marR="0" lvl="0" indent="0" algn="r" defTabSz="914367" rtl="0" eaLnBrk="1" fontAlgn="auto" latinLnBrk="0" hangingPunct="1">
+              <a:lnSpc>
+                <a:spcPct val="100000"/>
+              </a:lnSpc>
+              <a:spcBef>
+                <a:spcPts val="0"/>
+              </a:spcBef>
+              <a:spcAft>
+                <a:spcPts val="0"/>
+              </a:spcAft>
+              <a:buClrTx/>
+              <a:buSzTx/>
+              <a:buFontTx/>
+              <a:buNone/>
+              <a:tabLst/>
+              <a:defRPr/>
+            </a:pPr>
+            <a:fld id="{B4008EB6-D09E-4580-8CD6-DDB14511944F}" type="slidenum">
+              <a:rPr kumimoji="0" lang="en-US" sz="1200" b="0" i="0" u="none" strike="noStrike" kern="1200" cap="none" spc="0" normalizeH="0" baseline="0" noProof="0" smtClean="0">
+                <a:ln>
+                  <a:noFill/>
+                </a:ln>
+                <a:solidFill>
+                  <a:prstClr val="black"/>
+                </a:solidFill>
+                <a:effectLst/>
+                <a:uLnTx/>
+                <a:uFillTx/>
+                <a:latin typeface="Segoe UI" pitchFamily="34" charset="0"/>
+                <a:ea typeface="+mn-ea"/>
+                <a:cs typeface="+mn-cs"/>
+              </a:rPr>
+              <a:pPr marL="0" marR="0" lvl="0" indent="0" algn="r" defTabSz="914367" rtl="0" eaLnBrk="1" fontAlgn="auto" latinLnBrk="0" hangingPunct="1">
+                <a:lnSpc>
+                  <a:spcPct val="100000"/>
+                </a:lnSpc>
+                <a:spcBef>
+                  <a:spcPts val="0"/>
+                </a:spcBef>
+                <a:spcAft>
+                  <a:spcPts val="0"/>
+                </a:spcAft>
+                <a:buClrTx/>
+                <a:buSzTx/>
+                <a:buFontTx/>
+                <a:buNone/>
+                <a:tabLst/>
+                <a:defRPr/>
+              </a:pPr>
               <a:t>8</a:t>
             </a:fld>
-            <a:endParaRPr lang="en-IE"/>
+            <a:endParaRPr kumimoji="0" lang="en-US" sz="1200" b="0" i="0" u="none" strike="noStrike" kern="1200" cap="none" spc="0" normalizeH="0" baseline="0" noProof="0">
+              <a:ln>
+                <a:noFill/>
+              </a:ln>
+              <a:solidFill>
+                <a:prstClr val="black"/>
+              </a:solidFill>
+              <a:effectLst/>
+              <a:uLnTx/>
+              <a:uFillTx/>
+              <a:latin typeface="Segoe UI" pitchFamily="34" charset="0"/>
+              <a:ea typeface="+mn-ea"/>
+              <a:cs typeface="+mn-cs"/>
+            </a:endParaRPr>
           </a:p>
         </p:txBody>
       </p:sp>
     </p:spTree>
     <p:extLst>
       <p:ext uri="{BB962C8B-B14F-4D97-AF65-F5344CB8AC3E}">
-        <p14:creationId xmlns:p14="http://schemas.microsoft.com/office/powerpoint/2010/main" val="824523563"/>
+        <p14:creationId xmlns:p14="http://schemas.microsoft.com/office/powerpoint/2010/main" val="3526051407"/>
       </p:ext>
     </p:extLst>
   </p:cSld>
@@ -3827,206 +4282,16 @@
           <a:bodyPr/>
           <a:lstStyle/>
           <a:p>
-            <a:pPr algn="l" rtl="0" fontAlgn="base"/>
-            <a:endParaRPr lang="en-US" dirty="0"/>
+            <a:r>
+              <a:rPr lang="en-IE" dirty="0"/>
+              <a:t>https://www.youtube.com/watch?v=wr__6tM5U6I</a:t>
+            </a:r>
           </a:p>
         </p:txBody>
       </p:sp>
       <p:sp>
         <p:nvSpPr>
-          <p:cNvPr id="4" name="Header Placeholder 3"/>
-          <p:cNvSpPr>
-            <a:spLocks noGrp="1"/>
-          </p:cNvSpPr>
-          <p:nvPr>
-            <p:ph type="hdr" sz="quarter"/>
-          </p:nvPr>
-        </p:nvSpPr>
-        <p:spPr/>
-        <p:txBody>
-          <a:bodyPr/>
-          <a:lstStyle/>
-          <a:p>
-            <a:pPr marL="0" marR="0" lvl="0" indent="0" algn="l" defTabSz="914367" rtl="0" eaLnBrk="1" fontAlgn="auto" latinLnBrk="0" hangingPunct="1">
-              <a:lnSpc>
-                <a:spcPct val="100000"/>
-              </a:lnSpc>
-              <a:spcBef>
-                <a:spcPts val="0"/>
-              </a:spcBef>
-              <a:spcAft>
-                <a:spcPts val="0"/>
-              </a:spcAft>
-              <a:buClrTx/>
-              <a:buSzTx/>
-              <a:buFontTx/>
-              <a:buNone/>
-              <a:tabLst/>
-              <a:defRPr/>
-            </a:pPr>
-            <a:endParaRPr kumimoji="0" lang="en-US" sz="1200" b="0" i="0" u="none" strike="noStrike" kern="1200" cap="none" spc="0" normalizeH="0" baseline="0" noProof="0">
-              <a:ln>
-                <a:noFill/>
-              </a:ln>
-              <a:solidFill>
-                <a:prstClr val="black"/>
-              </a:solidFill>
-              <a:effectLst/>
-              <a:uLnTx/>
-              <a:uFillTx/>
-              <a:latin typeface="Segoe UI" pitchFamily="34" charset="0"/>
-              <a:ea typeface="+mn-ea"/>
-              <a:cs typeface="+mn-cs"/>
-            </a:endParaRPr>
-          </a:p>
-        </p:txBody>
-      </p:sp>
-      <p:sp>
-        <p:nvSpPr>
-          <p:cNvPr id="5" name="Footer Placeholder 4"/>
-          <p:cNvSpPr>
-            <a:spLocks noGrp="1"/>
-          </p:cNvSpPr>
-          <p:nvPr>
-            <p:ph type="ftr" sz="quarter" idx="4"/>
-          </p:nvPr>
-        </p:nvSpPr>
-        <p:spPr/>
-        <p:txBody>
-          <a:bodyPr/>
-          <a:lstStyle/>
-          <a:p>
-            <a:pPr marL="571500" marR="0" lvl="0" indent="0" algn="l" defTabSz="914099" rtl="0" eaLnBrk="0" fontAlgn="auto" latinLnBrk="0" hangingPunct="0">
-              <a:lnSpc>
-                <a:spcPct val="100000"/>
-              </a:lnSpc>
-              <a:spcBef>
-                <a:spcPts val="0"/>
-              </a:spcBef>
-              <a:spcAft>
-                <a:spcPts val="0"/>
-              </a:spcAft>
-              <a:buClrTx/>
-              <a:buSzTx/>
-              <a:buFontTx/>
-              <a:buNone/>
-              <a:tabLst/>
-              <a:defRPr/>
-            </a:pPr>
-            <a:r>
-              <a:rPr kumimoji="0" lang="en-US" sz="400" b="0" i="0" u="none" strike="noStrike" kern="1200" cap="none" spc="0" normalizeH="0" baseline="0" noProof="0">
-                <a:ln>
-                  <a:noFill/>
-                </a:ln>
-                <a:gradFill>
-                  <a:gsLst>
-                    <a:gs pos="0">
-                      <a:prstClr val="black"/>
-                    </a:gs>
-                    <a:gs pos="100000">
-                      <a:prstClr val="black"/>
-                    </a:gs>
-                  </a:gsLst>
-                  <a:lin ang="5400000" scaled="0"/>
-                </a:gradFill>
-                <a:effectLst/>
-                <a:uLnTx/>
-                <a:uFillTx/>
-                <a:latin typeface="Segoe UI" pitchFamily="34" charset="0"/>
-                <a:ea typeface="Segoe UI" pitchFamily="34" charset="0"/>
-                <a:cs typeface="Segoe UI" pitchFamily="34" charset="0"/>
-              </a:rPr>
-              <a:t>© Microsoft Corporation. All rights reserved. MICROSOFT MAKES NO WARRANTIES, EXPRESS, IMPLIED OR STATUTORY, AS TO THE INFORMATION IN THIS PRESENTATION.</a:t>
-            </a:r>
-          </a:p>
-        </p:txBody>
-      </p:sp>
-      <p:sp>
-        <p:nvSpPr>
-          <p:cNvPr id="6" name="Date Placeholder 5"/>
-          <p:cNvSpPr>
-            <a:spLocks noGrp="1"/>
-          </p:cNvSpPr>
-          <p:nvPr>
-            <p:ph type="dt" idx="1"/>
-          </p:nvPr>
-        </p:nvSpPr>
-        <p:spPr/>
-        <p:txBody>
-          <a:bodyPr/>
-          <a:lstStyle/>
-          <a:p>
-            <a:pPr marL="0" marR="0" lvl="0" indent="0" algn="r" defTabSz="914367" rtl="0" eaLnBrk="1" fontAlgn="auto" latinLnBrk="0" hangingPunct="1">
-              <a:lnSpc>
-                <a:spcPct val="100000"/>
-              </a:lnSpc>
-              <a:spcBef>
-                <a:spcPts val="0"/>
-              </a:spcBef>
-              <a:spcAft>
-                <a:spcPts val="0"/>
-              </a:spcAft>
-              <a:buClrTx/>
-              <a:buSzTx/>
-              <a:buFontTx/>
-              <a:buNone/>
-              <a:tabLst/>
-              <a:defRPr/>
-            </a:pPr>
-            <a:fld id="{386CE63F-9E7F-4C04-9D0D-FCA25A8E9E86}" type="datetime8">
-              <a:rPr kumimoji="0" lang="en-US" sz="1200" b="0" i="0" u="none" strike="noStrike" kern="1200" cap="none" spc="0" normalizeH="0" baseline="0" noProof="0" smtClean="0">
-                <a:ln>
-                  <a:noFill/>
-                </a:ln>
-                <a:solidFill>
-                  <a:prstClr val="black"/>
-                </a:solidFill>
-                <a:effectLst/>
-                <a:uLnTx/>
-                <a:uFillTx/>
-                <a:latin typeface="Segoe UI" pitchFamily="34" charset="0"/>
-                <a:ea typeface="+mn-ea"/>
-                <a:cs typeface="+mn-cs"/>
-              </a:rPr>
-              <a:pPr marL="0" marR="0" lvl="0" indent="0" algn="r" defTabSz="914367" rtl="0" eaLnBrk="1" fontAlgn="auto" latinLnBrk="0" hangingPunct="1">
-                <a:lnSpc>
-                  <a:spcPct val="100000"/>
-                </a:lnSpc>
-                <a:spcBef>
-                  <a:spcPts val="0"/>
-                </a:spcBef>
-                <a:spcAft>
-                  <a:spcPts val="0"/>
-                </a:spcAft>
-                <a:buClrTx/>
-                <a:buSzTx/>
-                <a:buFontTx/>
-                <a:buNone/>
-                <a:tabLst/>
-                <a:defRPr/>
-              </a:pPr>
-              <a:t>11/14/2023 11:10 AM</a:t>
-            </a:fld>
-            <a:endParaRPr kumimoji="0" lang="en-US" sz="1200" b="0" i="0" u="none" strike="noStrike" kern="1200" cap="none" spc="0" normalizeH="0" baseline="0" noProof="0">
-              <a:ln>
-                <a:noFill/>
-              </a:ln>
-              <a:solidFill>
-                <a:prstClr val="black"/>
-              </a:solidFill>
-              <a:effectLst/>
-              <a:uLnTx/>
-              <a:uFillTx/>
-              <a:latin typeface="Segoe UI" pitchFamily="34" charset="0"/>
-              <a:ea typeface="+mn-ea"/>
-              <a:cs typeface="+mn-cs"/>
-            </a:endParaRPr>
-          </a:p>
-        </p:txBody>
-      </p:sp>
-      <p:sp>
-        <p:nvSpPr>
-          <p:cNvPr id="7" name="Slide Number Placeholder 6"/>
+          <p:cNvPr id="4" name="Slide Number Placeholder 3"/>
           <p:cNvSpPr>
             <a:spLocks noGrp="1"/>
           </p:cNvSpPr>
@@ -4039,78 +4304,18 @@
           <a:bodyPr/>
           <a:lstStyle/>
           <a:p>
-            <a:pPr marL="0" marR="0" lvl="0" indent="0" algn="r" defTabSz="914367" rtl="0" eaLnBrk="1" fontAlgn="auto" latinLnBrk="0" hangingPunct="1">
-              <a:lnSpc>
-                <a:spcPct val="100000"/>
-              </a:lnSpc>
-              <a:spcBef>
-                <a:spcPts val="0"/>
-              </a:spcBef>
-              <a:spcAft>
-                <a:spcPts val="0"/>
-              </a:spcAft>
-              <a:buClrTx/>
-              <a:buSzTx/>
-              <a:buFontTx/>
-              <a:buNone/>
-              <a:tabLst/>
-              <a:defRPr/>
-            </a:pPr>
-            <a:fld id="{B4008EB6-D09E-4580-8CD6-DDB14511944F}" type="slidenum">
-              <a:rPr kumimoji="0" lang="en-US" sz="1200" b="0" i="0" u="none" strike="noStrike" kern="1200" cap="none" spc="0" normalizeH="0" baseline="0" noProof="0" smtClean="0">
-                <a:ln>
-                  <a:noFill/>
-                </a:ln>
-                <a:solidFill>
-                  <a:prstClr val="black"/>
-                </a:solidFill>
-                <a:effectLst/>
-                <a:uLnTx/>
-                <a:uFillTx/>
-                <a:latin typeface="Segoe UI" pitchFamily="34" charset="0"/>
-                <a:ea typeface="+mn-ea"/>
-                <a:cs typeface="+mn-cs"/>
-              </a:rPr>
-              <a:pPr marL="0" marR="0" lvl="0" indent="0" algn="r" defTabSz="914367" rtl="0" eaLnBrk="1" fontAlgn="auto" latinLnBrk="0" hangingPunct="1">
-                <a:lnSpc>
-                  <a:spcPct val="100000"/>
-                </a:lnSpc>
-                <a:spcBef>
-                  <a:spcPts val="0"/>
-                </a:spcBef>
-                <a:spcAft>
-                  <a:spcPts val="0"/>
-                </a:spcAft>
-                <a:buClrTx/>
-                <a:buSzTx/>
-                <a:buFontTx/>
-                <a:buNone/>
-                <a:tabLst/>
-                <a:defRPr/>
-              </a:pPr>
+            <a:fld id="{7B5082FC-F860-4D93-A38B-7C2A9A96C8F4}" type="slidenum">
+              <a:rPr lang="en-IE" smtClean="0"/>
               <a:t>9</a:t>
             </a:fld>
-            <a:endParaRPr kumimoji="0" lang="en-US" sz="1200" b="0" i="0" u="none" strike="noStrike" kern="1200" cap="none" spc="0" normalizeH="0" baseline="0" noProof="0">
-              <a:ln>
-                <a:noFill/>
-              </a:ln>
-              <a:solidFill>
-                <a:prstClr val="black"/>
-              </a:solidFill>
-              <a:effectLst/>
-              <a:uLnTx/>
-              <a:uFillTx/>
-              <a:latin typeface="Segoe UI" pitchFamily="34" charset="0"/>
-              <a:ea typeface="+mn-ea"/>
-              <a:cs typeface="+mn-cs"/>
-            </a:endParaRPr>
+            <a:endParaRPr lang="en-IE"/>
           </a:p>
         </p:txBody>
       </p:sp>
     </p:spTree>
     <p:extLst>
       <p:ext uri="{BB962C8B-B14F-4D97-AF65-F5344CB8AC3E}">
-        <p14:creationId xmlns:p14="http://schemas.microsoft.com/office/powerpoint/2010/main" val="4108490121"/>
+        <p14:creationId xmlns:p14="http://schemas.microsoft.com/office/powerpoint/2010/main" val="824523563"/>
       </p:ext>
     </p:extLst>
   </p:cSld>
@@ -7420,7 +7625,7 @@
           <a:p>
             <a:fld id="{E7886C13-79A7-4B70-9273-2128DE104E75}" type="datetimeFigureOut">
               <a:rPr lang="en-US" smtClean="0"/>
-              <a:t>11/14/2023</a:t>
+              <a:t>1/29/2024</a:t>
             </a:fld>
             <a:endParaRPr lang="en-US"/>
           </a:p>
@@ -9945,664 +10150,6 @@
       </p:grpSpPr>
       <p:sp>
         <p:nvSpPr>
-          <p:cNvPr id="4" name="Title 6">
-            <a:extLst>
-              <a:ext uri="{FF2B5EF4-FFF2-40B4-BE49-F238E27FC236}">
-                <a16:creationId xmlns:a16="http://schemas.microsoft.com/office/drawing/2014/main" id="{D40FBD0C-436A-0C30-ED05-FCA2AD3EDFD4}"/>
-              </a:ext>
-            </a:extLst>
-          </p:cNvPr>
-          <p:cNvSpPr txBox="1">
-            <a:spLocks/>
-          </p:cNvSpPr>
-          <p:nvPr/>
-        </p:nvSpPr>
-        <p:spPr>
-          <a:xfrm>
-            <a:off x="582613" y="400366"/>
-            <a:ext cx="11026774" cy="553998"/>
-          </a:xfrm>
-          <a:prstGeom prst="rect">
-            <a:avLst/>
-          </a:prstGeom>
-        </p:spPr>
-        <p:txBody>
-          <a:bodyPr vert="horz" wrap="square" lIns="0" tIns="0" rIns="0" bIns="0" rtlCol="0" anchor="t">
-            <a:spAutoFit/>
-          </a:bodyPr>
-          <a:lstStyle>
-            <a:lvl1pPr algn="ctr" defTabSz="932742" rtl="0" eaLnBrk="1" latinLnBrk="0" hangingPunct="1">
-              <a:lnSpc>
-                <a:spcPct val="100000"/>
-              </a:lnSpc>
-              <a:spcBef>
-                <a:spcPct val="0"/>
-              </a:spcBef>
-              <a:buNone/>
-              <a:defRPr lang="en-US" sz="3600" b="0" kern="1200" cap="none" spc="-50" baseline="0">
-                <a:ln w="3175">
-                  <a:noFill/>
-                </a:ln>
-                <a:solidFill>
-                  <a:schemeClr val="tx1"/>
-                </a:solidFill>
-                <a:effectLst/>
-                <a:latin typeface="+mj-lt"/>
-                <a:ea typeface="+mn-ea"/>
-                <a:cs typeface="Segoe UI" pitchFamily="34" charset="0"/>
-              </a:defRPr>
-            </a:lvl1pPr>
-          </a:lstStyle>
-          <a:p>
-            <a:pPr marL="0" marR="0" lvl="0" indent="0" algn="ctr" defTabSz="932742" rtl="0" eaLnBrk="1" fontAlgn="auto" latinLnBrk="0" hangingPunct="1">
-              <a:lnSpc>
-                <a:spcPct val="100000"/>
-              </a:lnSpc>
-              <a:spcBef>
-                <a:spcPct val="0"/>
-              </a:spcBef>
-              <a:spcAft>
-                <a:spcPts val="0"/>
-              </a:spcAft>
-              <a:buClrTx/>
-              <a:buSzTx/>
-              <a:buFontTx/>
-              <a:buNone/>
-              <a:tabLst/>
-              <a:defRPr/>
-            </a:pPr>
-            <a:r>
-              <a:rPr kumimoji="0" lang="en-US" sz="3600" b="0" i="0" u="none" strike="noStrike" kern="1200" cap="none" spc="-50" normalizeH="0" baseline="0" noProof="0" dirty="0">
-                <a:ln w="3175">
-                  <a:noFill/>
-                </a:ln>
-                <a:solidFill>
-                  <a:srgbClr val="117865"/>
-                </a:solidFill>
-                <a:effectLst/>
-                <a:uLnTx/>
-                <a:uFillTx/>
-                <a:latin typeface="Segoe UI Semibold"/>
-                <a:ea typeface="+mn-ea"/>
-                <a:cs typeface="Segoe UI" pitchFamily="34" charset="0"/>
-              </a:rPr>
-              <a:t>Fabric</a:t>
-            </a:r>
-          </a:p>
-        </p:txBody>
-      </p:sp>
-      <p:sp>
-        <p:nvSpPr>
-          <p:cNvPr id="5" name="TextBox 4">
-            <a:extLst>
-              <a:ext uri="{FF2B5EF4-FFF2-40B4-BE49-F238E27FC236}">
-                <a16:creationId xmlns:a16="http://schemas.microsoft.com/office/drawing/2014/main" id="{8AD5586A-222F-083F-1EFD-019DAACF6E19}"/>
-              </a:ext>
-            </a:extLst>
-          </p:cNvPr>
-          <p:cNvSpPr txBox="1"/>
-          <p:nvPr/>
-        </p:nvSpPr>
-        <p:spPr>
-          <a:xfrm>
-            <a:off x="582613" y="2710854"/>
-            <a:ext cx="3699165" cy="1359346"/>
-          </a:xfrm>
-          <a:prstGeom prst="rect">
-            <a:avLst/>
-          </a:prstGeom>
-          <a:noFill/>
-        </p:spPr>
-        <p:txBody>
-          <a:bodyPr wrap="square" rtlCol="0">
-            <a:spAutoFit/>
-          </a:bodyPr>
-          <a:lstStyle>
-            <a:defPPr>
-              <a:defRPr lang="en-US"/>
-            </a:defPPr>
-            <a:lvl1pPr marL="342900" indent="-342900">
-              <a:buFont typeface="Arial" panose="020B0604020202020204" pitchFamily="34" charset="0"/>
-              <a:buChar char="•"/>
-              <a:defRPr sz="1600">
-                <a:latin typeface="Segoe UI" panose="020B0502040204020203" pitchFamily="34" charset="0"/>
-                <a:cs typeface="Segoe UI" panose="020B0502040204020203" pitchFamily="34" charset="0"/>
-              </a:defRPr>
-            </a:lvl1pPr>
-          </a:lstStyle>
-          <a:p>
-            <a:pPr marL="0" marR="0" lvl="0" indent="0" defTabSz="914400" eaLnBrk="1" fontAlgn="auto" latinLnBrk="0" hangingPunct="1">
-              <a:lnSpc>
-                <a:spcPct val="100000"/>
-              </a:lnSpc>
-              <a:spcBef>
-                <a:spcPts val="1600"/>
-              </a:spcBef>
-              <a:spcAft>
-                <a:spcPts val="0"/>
-              </a:spcAft>
-              <a:buClrTx/>
-              <a:buSzTx/>
-              <a:buFont typeface="Arial" panose="020B0604020202020204" pitchFamily="34" charset="0"/>
-              <a:buNone/>
-              <a:tabLst/>
-              <a:defRPr/>
-            </a:pPr>
-            <a:endParaRPr kumimoji="0" lang="en-US" sz="1600" b="0" i="0" u="none" strike="noStrike" kern="0" cap="none" spc="0" normalizeH="0" baseline="0" noProof="0" dirty="0">
-              <a:ln>
-                <a:noFill/>
-              </a:ln>
-              <a:solidFill>
-                <a:srgbClr val="000000"/>
-              </a:solidFill>
-              <a:effectLst/>
-              <a:uLnTx/>
-              <a:uFillTx/>
-              <a:latin typeface="Segoe UI" panose="020B0502040204020203" pitchFamily="34" charset="0"/>
-              <a:cs typeface="Segoe UI" panose="020B0502040204020203" pitchFamily="34" charset="0"/>
-            </a:endParaRPr>
-          </a:p>
-          <a:p>
-            <a:pPr marL="0" marR="0" lvl="0" indent="0" defTabSz="914400" eaLnBrk="1" fontAlgn="auto" latinLnBrk="0" hangingPunct="1">
-              <a:lnSpc>
-                <a:spcPct val="100000"/>
-              </a:lnSpc>
-              <a:spcBef>
-                <a:spcPts val="1600"/>
-              </a:spcBef>
-              <a:spcAft>
-                <a:spcPts val="0"/>
-              </a:spcAft>
-              <a:buClrTx/>
-              <a:buSzTx/>
-              <a:buFont typeface="Arial" panose="020B0604020202020204" pitchFamily="34" charset="0"/>
-              <a:buNone/>
-              <a:tabLst/>
-              <a:defRPr/>
-            </a:pPr>
-            <a:r>
-              <a:rPr kumimoji="0" lang="en-US" sz="1600" b="0" i="0" u="none" strike="noStrike" kern="0" cap="none" spc="0" normalizeH="0" baseline="0" noProof="0" dirty="0">
-                <a:ln>
-                  <a:noFill/>
-                </a:ln>
-                <a:solidFill>
-                  <a:srgbClr val="0078D4"/>
-                </a:solidFill>
-                <a:effectLst/>
-                <a:uLnTx/>
-                <a:uFillTx/>
-                <a:latin typeface="Segoe UI Semibold"/>
-                <a:cs typeface="Segoe UI" panose="020B0502040204020203" pitchFamily="34" charset="0"/>
-              </a:rPr>
-              <a:t>Administrator settings</a:t>
-            </a:r>
-            <a:endParaRPr lang="en-US" kern="0" dirty="0">
-              <a:solidFill>
-                <a:srgbClr val="000000"/>
-              </a:solidFill>
-            </a:endParaRPr>
-          </a:p>
-          <a:p>
-            <a:pPr marL="0" marR="0" lvl="0" indent="0" defTabSz="914400" eaLnBrk="1" fontAlgn="auto" latinLnBrk="0" hangingPunct="1">
-              <a:lnSpc>
-                <a:spcPct val="100000"/>
-              </a:lnSpc>
-              <a:spcBef>
-                <a:spcPts val="600"/>
-              </a:spcBef>
-              <a:spcAft>
-                <a:spcPts val="0"/>
-              </a:spcAft>
-              <a:buClrTx/>
-              <a:buSzTx/>
-              <a:buFont typeface="Arial" panose="020B0604020202020204" pitchFamily="34" charset="0"/>
-              <a:buNone/>
-              <a:tabLst/>
-              <a:defRPr/>
-            </a:pPr>
-            <a:r>
-              <a:rPr kumimoji="0" lang="en-US" sz="1600" b="0" i="0" u="none" strike="noStrike" kern="0" cap="none" spc="0" normalizeH="0" baseline="0" noProof="0" dirty="0">
-                <a:ln>
-                  <a:noFill/>
-                </a:ln>
-                <a:solidFill>
-                  <a:srgbClr val="000000"/>
-                </a:solidFill>
-                <a:effectLst/>
-                <a:uLnTx/>
-                <a:uFillTx/>
-                <a:latin typeface="Segoe UI" panose="020B0502040204020203" pitchFamily="34" charset="0"/>
-                <a:cs typeface="Segoe UI" panose="020B0502040204020203" pitchFamily="34" charset="0"/>
-              </a:rPr>
-              <a:t>Enable Fabric functionality for all users or per security group</a:t>
-            </a:r>
-          </a:p>
-        </p:txBody>
-      </p:sp>
-      <p:pic>
-        <p:nvPicPr>
-          <p:cNvPr id="6" name="Picture 5">
-            <a:extLst>
-              <a:ext uri="{FF2B5EF4-FFF2-40B4-BE49-F238E27FC236}">
-                <a16:creationId xmlns:a16="http://schemas.microsoft.com/office/drawing/2014/main" id="{DFE3D9AA-EFCD-D8C1-728E-F5FFFADDAFE5}"/>
-              </a:ext>
-            </a:extLst>
-          </p:cNvPr>
-          <p:cNvPicPr>
-            <a:picLocks noChangeAspect="1"/>
-          </p:cNvPicPr>
-          <p:nvPr/>
-        </p:nvPicPr>
-        <p:blipFill>
-          <a:blip r:embed="rId3"/>
-          <a:stretch>
-            <a:fillRect/>
-          </a:stretch>
-        </p:blipFill>
-        <p:spPr>
-          <a:xfrm>
-            <a:off x="4809543" y="1087349"/>
-            <a:ext cx="6554405" cy="5145314"/>
-          </a:xfrm>
-          <a:prstGeom prst="rect">
-            <a:avLst/>
-          </a:prstGeom>
-          <a:effectLst>
-            <a:outerShdw blurRad="50800" dist="38100" dir="2700000" algn="tl" rotWithShape="0">
-              <a:prstClr val="black">
-                <a:alpha val="40000"/>
-              </a:prstClr>
-            </a:outerShdw>
-          </a:effectLst>
-        </p:spPr>
-      </p:pic>
-    </p:spTree>
-    <p:extLst>
-      <p:ext uri="{BB962C8B-B14F-4D97-AF65-F5344CB8AC3E}">
-        <p14:creationId xmlns:p14="http://schemas.microsoft.com/office/powerpoint/2010/main" val="1170587776"/>
-      </p:ext>
-    </p:extLst>
-  </p:cSld>
-  <p:clrMapOvr>
-    <a:masterClrMapping/>
-  </p:clrMapOvr>
-  <p:transition>
-    <p:fade/>
-  </p:transition>
-</p:sld>
-</file>
-
-<file path=ppt/slides/slide11.xml><?xml version="1.0" encoding="utf-8"?>
-<p:sld xmlns:a="http://schemas.openxmlformats.org/drawingml/2006/main" xmlns:r="http://schemas.openxmlformats.org/officeDocument/2006/relationships" xmlns:p="http://schemas.openxmlformats.org/presentationml/2006/main">
-  <p:cSld>
-    <p:spTree>
-      <p:nvGrpSpPr>
-        <p:cNvPr id="1" name=""/>
-        <p:cNvGrpSpPr/>
-        <p:nvPr/>
-      </p:nvGrpSpPr>
-      <p:grpSpPr>
-        <a:xfrm>
-          <a:off x="0" y="0"/>
-          <a:ext cx="0" cy="0"/>
-          <a:chOff x="0" y="0"/>
-          <a:chExt cx="0" cy="0"/>
-        </a:xfrm>
-      </p:grpSpPr>
-      <p:pic>
-        <p:nvPicPr>
-          <p:cNvPr id="3" name="Picture 2">
-            <a:extLst>
-              <a:ext uri="{FF2B5EF4-FFF2-40B4-BE49-F238E27FC236}">
-                <a16:creationId xmlns:a16="http://schemas.microsoft.com/office/drawing/2014/main" id="{9EBA52A1-3FFC-81F7-937E-014F2A1FF97C}"/>
-              </a:ext>
-            </a:extLst>
-          </p:cNvPr>
-          <p:cNvPicPr>
-            <a:picLocks noChangeAspect="1"/>
-          </p:cNvPicPr>
-          <p:nvPr/>
-        </p:nvPicPr>
-        <p:blipFill>
-          <a:blip r:embed="rId3"/>
-          <a:stretch>
-            <a:fillRect/>
-          </a:stretch>
-        </p:blipFill>
-        <p:spPr>
-          <a:xfrm>
-            <a:off x="4005942" y="1674712"/>
-            <a:ext cx="7959109" cy="4726088"/>
-          </a:xfrm>
-          <a:prstGeom prst="rect">
-            <a:avLst/>
-          </a:prstGeom>
-          <a:effectLst>
-            <a:outerShdw blurRad="50800" dist="38100" dir="2700000" algn="tl" rotWithShape="0">
-              <a:prstClr val="black">
-                <a:alpha val="40000"/>
-              </a:prstClr>
-            </a:outerShdw>
-          </a:effectLst>
-        </p:spPr>
-      </p:pic>
-      <p:sp>
-        <p:nvSpPr>
-          <p:cNvPr id="4" name="Title 6">
-            <a:extLst>
-              <a:ext uri="{FF2B5EF4-FFF2-40B4-BE49-F238E27FC236}">
-                <a16:creationId xmlns:a16="http://schemas.microsoft.com/office/drawing/2014/main" id="{D40FBD0C-436A-0C30-ED05-FCA2AD3EDFD4}"/>
-              </a:ext>
-            </a:extLst>
-          </p:cNvPr>
-          <p:cNvSpPr txBox="1">
-            <a:spLocks/>
-          </p:cNvSpPr>
-          <p:nvPr/>
-        </p:nvSpPr>
-        <p:spPr>
-          <a:xfrm>
-            <a:off x="582613" y="758934"/>
-            <a:ext cx="11026774" cy="553998"/>
-          </a:xfrm>
-          <a:prstGeom prst="rect">
-            <a:avLst/>
-          </a:prstGeom>
-        </p:spPr>
-        <p:txBody>
-          <a:bodyPr vert="horz" wrap="square" lIns="0" tIns="0" rIns="0" bIns="0" rtlCol="0" anchor="t">
-            <a:spAutoFit/>
-          </a:bodyPr>
-          <a:lstStyle>
-            <a:lvl1pPr algn="ctr" defTabSz="932742" rtl="0" eaLnBrk="1" latinLnBrk="0" hangingPunct="1">
-              <a:lnSpc>
-                <a:spcPct val="100000"/>
-              </a:lnSpc>
-              <a:spcBef>
-                <a:spcPct val="0"/>
-              </a:spcBef>
-              <a:buNone/>
-              <a:defRPr lang="en-US" sz="3600" b="0" kern="1200" cap="none" spc="-50" baseline="0">
-                <a:ln w="3175">
-                  <a:noFill/>
-                </a:ln>
-                <a:solidFill>
-                  <a:schemeClr val="tx1"/>
-                </a:solidFill>
-                <a:effectLst/>
-                <a:latin typeface="+mj-lt"/>
-                <a:ea typeface="+mn-ea"/>
-                <a:cs typeface="Segoe UI" pitchFamily="34" charset="0"/>
-              </a:defRPr>
-            </a:lvl1pPr>
-          </a:lstStyle>
-          <a:p>
-            <a:pPr marL="0" marR="0" lvl="0" indent="0" algn="ctr" defTabSz="932742" rtl="0" eaLnBrk="1" fontAlgn="auto" latinLnBrk="0" hangingPunct="1">
-              <a:lnSpc>
-                <a:spcPct val="100000"/>
-              </a:lnSpc>
-              <a:spcBef>
-                <a:spcPct val="0"/>
-              </a:spcBef>
-              <a:spcAft>
-                <a:spcPts val="0"/>
-              </a:spcAft>
-              <a:buClrTx/>
-              <a:buSzTx/>
-              <a:buFontTx/>
-              <a:buNone/>
-              <a:tabLst/>
-              <a:defRPr/>
-            </a:pPr>
-            <a:r>
-              <a:rPr lang="en-GB" dirty="0">
-                <a:solidFill>
-                  <a:srgbClr val="117865"/>
-                </a:solidFill>
-                <a:latin typeface="Segoe UI Semibold"/>
-              </a:rPr>
-              <a:t>Fabric</a:t>
-            </a:r>
-            <a:endParaRPr kumimoji="0" lang="en-US" sz="3600" b="0" i="0" u="none" strike="noStrike" kern="1200" cap="none" spc="-50" normalizeH="0" baseline="0" noProof="0" dirty="0">
-              <a:ln w="3175">
-                <a:noFill/>
-              </a:ln>
-              <a:solidFill>
-                <a:srgbClr val="117865"/>
-              </a:solidFill>
-              <a:effectLst/>
-              <a:uLnTx/>
-              <a:uFillTx/>
-              <a:latin typeface="Segoe UI Semibold"/>
-              <a:ea typeface="+mn-ea"/>
-              <a:cs typeface="Segoe UI" pitchFamily="34" charset="0"/>
-            </a:endParaRPr>
-          </a:p>
-        </p:txBody>
-      </p:sp>
-      <p:sp>
-        <p:nvSpPr>
-          <p:cNvPr id="5" name="TextBox 4">
-            <a:extLst>
-              <a:ext uri="{FF2B5EF4-FFF2-40B4-BE49-F238E27FC236}">
-                <a16:creationId xmlns:a16="http://schemas.microsoft.com/office/drawing/2014/main" id="{8AD5586A-222F-083F-1EFD-019DAACF6E19}"/>
-              </a:ext>
-            </a:extLst>
-          </p:cNvPr>
-          <p:cNvSpPr txBox="1"/>
-          <p:nvPr/>
-        </p:nvSpPr>
-        <p:spPr>
-          <a:xfrm>
-            <a:off x="226949" y="2873217"/>
-            <a:ext cx="3699165" cy="1436291"/>
-          </a:xfrm>
-          <a:prstGeom prst="rect">
-            <a:avLst/>
-          </a:prstGeom>
-          <a:noFill/>
-        </p:spPr>
-        <p:txBody>
-          <a:bodyPr wrap="square" rtlCol="0">
-            <a:spAutoFit/>
-          </a:bodyPr>
-          <a:lstStyle>
-            <a:defPPr>
-              <a:defRPr lang="en-US"/>
-            </a:defPPr>
-            <a:lvl1pPr marL="342900" indent="-342900">
-              <a:buFont typeface="Arial" panose="020B0604020202020204" pitchFamily="34" charset="0"/>
-              <a:buChar char="•"/>
-              <a:defRPr sz="1600">
-                <a:latin typeface="Segoe UI" panose="020B0502040204020203" pitchFamily="34" charset="0"/>
-                <a:cs typeface="Segoe UI" panose="020B0502040204020203" pitchFamily="34" charset="0"/>
-              </a:defRPr>
-            </a:lvl1pPr>
-          </a:lstStyle>
-          <a:p>
-            <a:pPr marL="0" marR="0" lvl="0" indent="0" defTabSz="914400" eaLnBrk="1" fontAlgn="auto" latinLnBrk="0" hangingPunct="1">
-              <a:lnSpc>
-                <a:spcPct val="100000"/>
-              </a:lnSpc>
-              <a:spcBef>
-                <a:spcPts val="1600"/>
-              </a:spcBef>
-              <a:spcAft>
-                <a:spcPts val="0"/>
-              </a:spcAft>
-              <a:buClrTx/>
-              <a:buSzTx/>
-              <a:buFont typeface="Arial" panose="020B0604020202020204" pitchFamily="34" charset="0"/>
-              <a:buNone/>
-              <a:tabLst/>
-              <a:defRPr/>
-            </a:pPr>
-            <a:endParaRPr kumimoji="0" lang="en-US" sz="1600" b="0" i="0" u="none" strike="noStrike" kern="0" cap="none" spc="0" normalizeH="0" baseline="0" noProof="0" dirty="0">
-              <a:ln>
-                <a:noFill/>
-              </a:ln>
-              <a:solidFill>
-                <a:srgbClr val="000000"/>
-              </a:solidFill>
-              <a:effectLst/>
-              <a:uLnTx/>
-              <a:uFillTx/>
-              <a:latin typeface="Segoe UI" panose="020B0502040204020203" pitchFamily="34" charset="0"/>
-              <a:cs typeface="Segoe UI" panose="020B0502040204020203" pitchFamily="34" charset="0"/>
-            </a:endParaRPr>
-          </a:p>
-          <a:p>
-            <a:pPr marL="0" marR="0" lvl="0" indent="0" defTabSz="914400" eaLnBrk="1" fontAlgn="auto" latinLnBrk="0" hangingPunct="1">
-              <a:lnSpc>
-                <a:spcPct val="100000"/>
-              </a:lnSpc>
-              <a:spcBef>
-                <a:spcPts val="1600"/>
-              </a:spcBef>
-              <a:spcAft>
-                <a:spcPts val="0"/>
-              </a:spcAft>
-              <a:buClrTx/>
-              <a:buSzTx/>
-              <a:buFont typeface="Arial" panose="020B0604020202020204" pitchFamily="34" charset="0"/>
-              <a:buNone/>
-              <a:tabLst/>
-              <a:defRPr/>
-            </a:pPr>
-            <a:r>
-              <a:rPr kumimoji="0" lang="en-US" sz="1600" b="0" i="0" u="none" strike="noStrike" kern="0" cap="none" spc="0" normalizeH="0" baseline="0" noProof="0" dirty="0">
-                <a:ln>
-                  <a:noFill/>
-                </a:ln>
-                <a:solidFill>
-                  <a:srgbClr val="0078D4"/>
-                </a:solidFill>
-                <a:effectLst/>
-                <a:uLnTx/>
-                <a:uFillTx/>
-                <a:latin typeface="Segoe UI Semibold"/>
-                <a:cs typeface="Segoe UI" panose="020B0502040204020203" pitchFamily="34" charset="0"/>
-              </a:rPr>
-              <a:t>User Sign Up experience</a:t>
-            </a:r>
-            <a:endParaRPr lang="en-US" kern="0" dirty="0">
-              <a:solidFill>
-                <a:srgbClr val="000000"/>
-              </a:solidFill>
-            </a:endParaRPr>
-          </a:p>
-          <a:p>
-            <a:pPr marL="0" marR="0" lvl="0" indent="0" defTabSz="914400" eaLnBrk="1" fontAlgn="auto" latinLnBrk="0" hangingPunct="1">
-              <a:lnSpc>
-                <a:spcPct val="100000"/>
-              </a:lnSpc>
-              <a:spcBef>
-                <a:spcPts val="600"/>
-              </a:spcBef>
-              <a:spcAft>
-                <a:spcPts val="0"/>
-              </a:spcAft>
-              <a:buClrTx/>
-              <a:buSzTx/>
-              <a:buFont typeface="Arial" panose="020B0604020202020204" pitchFamily="34" charset="0"/>
-              <a:buNone/>
-              <a:tabLst/>
-              <a:defRPr/>
-            </a:pPr>
-            <a:r>
-              <a:rPr kumimoji="0" lang="en-US" sz="1600" b="0" i="0" u="none" strike="noStrike" kern="0" cap="none" spc="0" normalizeH="0" baseline="0" noProof="0" dirty="0">
-                <a:ln>
-                  <a:noFill/>
-                </a:ln>
-                <a:solidFill>
-                  <a:srgbClr val="000000"/>
-                </a:solidFill>
-                <a:effectLst/>
-                <a:uLnTx/>
-                <a:uFillTx/>
-                <a:latin typeface="Segoe UI" panose="020B0502040204020203" pitchFamily="34" charset="0"/>
-                <a:cs typeface="Segoe UI" panose="020B0502040204020203" pitchFamily="34" charset="0"/>
-              </a:rPr>
-              <a:t>Navigate to </a:t>
-            </a:r>
-          </a:p>
-          <a:p>
-            <a:pPr marL="0" marR="0" lvl="0" indent="0" defTabSz="914400" eaLnBrk="1" fontAlgn="auto" latinLnBrk="0" hangingPunct="1">
-              <a:lnSpc>
-                <a:spcPct val="100000"/>
-              </a:lnSpc>
-              <a:spcBef>
-                <a:spcPts val="600"/>
-              </a:spcBef>
-              <a:spcAft>
-                <a:spcPts val="0"/>
-              </a:spcAft>
-              <a:buClrTx/>
-              <a:buSzTx/>
-              <a:buFont typeface="Arial" panose="020B0604020202020204" pitchFamily="34" charset="0"/>
-              <a:buNone/>
-              <a:tabLst/>
-              <a:defRPr/>
-            </a:pPr>
-            <a:r>
-              <a:rPr lang="en-US" kern="0" dirty="0">
-                <a:solidFill>
-                  <a:srgbClr val="000000"/>
-                </a:solidFill>
-              </a:rPr>
-              <a:t>https://app.powerbi.com</a:t>
-            </a:r>
-            <a:endParaRPr kumimoji="0" lang="en-US" sz="1600" b="0" i="0" u="none" strike="noStrike" kern="0" cap="none" spc="0" normalizeH="0" baseline="0" noProof="0" dirty="0">
-              <a:ln>
-                <a:noFill/>
-              </a:ln>
-              <a:solidFill>
-                <a:srgbClr val="000000"/>
-              </a:solidFill>
-              <a:effectLst/>
-              <a:uLnTx/>
-              <a:uFillTx/>
-              <a:latin typeface="Segoe UI" panose="020B0502040204020203" pitchFamily="34" charset="0"/>
-              <a:cs typeface="Segoe UI" panose="020B0502040204020203" pitchFamily="34" charset="0"/>
-            </a:endParaRPr>
-          </a:p>
-        </p:txBody>
-      </p:sp>
-    </p:spTree>
-    <p:extLst>
-      <p:ext uri="{BB962C8B-B14F-4D97-AF65-F5344CB8AC3E}">
-        <p14:creationId xmlns:p14="http://schemas.microsoft.com/office/powerpoint/2010/main" val="2703027884"/>
-      </p:ext>
-    </p:extLst>
-  </p:cSld>
-  <p:clrMapOvr>
-    <a:masterClrMapping/>
-  </p:clrMapOvr>
-  <p:transition>
-    <p:fade/>
-  </p:transition>
-</p:sld>
-</file>
-
-<file path=ppt/slides/slide12.xml><?xml version="1.0" encoding="utf-8"?>
-<p:sld xmlns:a="http://schemas.openxmlformats.org/drawingml/2006/main" xmlns:r="http://schemas.openxmlformats.org/officeDocument/2006/relationships" xmlns:p="http://schemas.openxmlformats.org/presentationml/2006/main">
-  <p:cSld>
-    <p:spTree>
-      <p:nvGrpSpPr>
-        <p:cNvPr id="1" name=""/>
-        <p:cNvGrpSpPr/>
-        <p:nvPr/>
-      </p:nvGrpSpPr>
-      <p:grpSpPr>
-        <a:xfrm>
-          <a:off x="0" y="0"/>
-          <a:ext cx="0" cy="0"/>
-          <a:chOff x="0" y="0"/>
-          <a:chExt cx="0" cy="0"/>
-        </a:xfrm>
-      </p:grpSpPr>
-      <p:sp>
-        <p:nvSpPr>
           <p:cNvPr id="5" name="Text Placeholder 2">
             <a:extLst>
               <a:ext uri="{FF2B5EF4-FFF2-40B4-BE49-F238E27FC236}">
@@ -10811,9 +10358,39 @@
             </a:lvl9pPr>
           </a:lstStyle>
           <a:p>
-            <a:r>
-              <a:rPr lang="en-US" dirty="0"/>
-              <a:t>Other resources</a:t>
+            <a:pPr marL="0" marR="0" lvl="0" indent="0" algn="l" defTabSz="932742" rtl="0" eaLnBrk="1" fontAlgn="auto" latinLnBrk="0" hangingPunct="1">
+              <a:lnSpc>
+                <a:spcPct val="100000"/>
+              </a:lnSpc>
+              <a:spcBef>
+                <a:spcPct val="20000"/>
+              </a:spcBef>
+              <a:spcAft>
+                <a:spcPts val="0"/>
+              </a:spcAft>
+              <a:buClrTx/>
+              <a:buSzPct val="90000"/>
+              <a:buFont typeface="Wingdings" panose="05000000000000000000" pitchFamily="2" charset="2"/>
+              <a:buNone/>
+              <a:tabLst/>
+              <a:defRPr/>
+            </a:pPr>
+            <a:r>
+              <a:rPr kumimoji="0" lang="en-US" sz="2400" b="0" i="0" u="none" strike="noStrike" kern="1200" cap="none" spc="0" normalizeH="0" baseline="0" noProof="0" dirty="0">
+                <a:ln>
+                  <a:noFill/>
+                </a:ln>
+                <a:solidFill>
+                  <a:srgbClr val="000000"/>
+                </a:solidFill>
+                <a:effectLst/>
+                <a:uLnTx/>
+                <a:uFillTx/>
+                <a:latin typeface="Segoe UI Semibold"/>
+                <a:ea typeface="+mn-ea"/>
+                <a:cs typeface="Segoe UI" panose="020B0502040204020203" pitchFamily="34" charset="0"/>
+              </a:rPr>
+              <a:t>Enable Fabric</a:t>
             </a:r>
           </a:p>
         </p:txBody>
@@ -11284,6 +10861,1382 @@
     </p:spTree>
     <p:extLst>
       <p:ext uri="{BB962C8B-B14F-4D97-AF65-F5344CB8AC3E}">
+        <p14:creationId xmlns:p14="http://schemas.microsoft.com/office/powerpoint/2010/main" val="797089493"/>
+      </p:ext>
+    </p:extLst>
+  </p:cSld>
+  <p:clrMapOvr>
+    <a:masterClrMapping/>
+  </p:clrMapOvr>
+  <mc:AlternateContent xmlns:mc="http://schemas.openxmlformats.org/markup-compatibility/2006" xmlns:p14="http://schemas.microsoft.com/office/powerpoint/2010/main">
+    <mc:Choice Requires="p14">
+      <p:transition p14:dur="0"/>
+    </mc:Choice>
+    <mc:Fallback xmlns="">
+      <p:transition/>
+    </mc:Fallback>
+  </mc:AlternateContent>
+</p:sld>
+</file>
+
+<file path=ppt/slides/slide11.xml><?xml version="1.0" encoding="utf-8"?>
+<p:sld xmlns:a="http://schemas.openxmlformats.org/drawingml/2006/main" xmlns:r="http://schemas.openxmlformats.org/officeDocument/2006/relationships" xmlns:p="http://schemas.openxmlformats.org/presentationml/2006/main">
+  <p:cSld>
+    <p:spTree>
+      <p:nvGrpSpPr>
+        <p:cNvPr id="1" name=""/>
+        <p:cNvGrpSpPr/>
+        <p:nvPr/>
+      </p:nvGrpSpPr>
+      <p:grpSpPr>
+        <a:xfrm>
+          <a:off x="0" y="0"/>
+          <a:ext cx="0" cy="0"/>
+          <a:chOff x="0" y="0"/>
+          <a:chExt cx="0" cy="0"/>
+        </a:xfrm>
+      </p:grpSpPr>
+      <p:sp>
+        <p:nvSpPr>
+          <p:cNvPr id="4" name="Title 6">
+            <a:extLst>
+              <a:ext uri="{FF2B5EF4-FFF2-40B4-BE49-F238E27FC236}">
+                <a16:creationId xmlns:a16="http://schemas.microsoft.com/office/drawing/2014/main" id="{D40FBD0C-436A-0C30-ED05-FCA2AD3EDFD4}"/>
+              </a:ext>
+            </a:extLst>
+          </p:cNvPr>
+          <p:cNvSpPr txBox="1">
+            <a:spLocks/>
+          </p:cNvSpPr>
+          <p:nvPr/>
+        </p:nvSpPr>
+        <p:spPr>
+          <a:xfrm>
+            <a:off x="582613" y="400366"/>
+            <a:ext cx="11026774" cy="553998"/>
+          </a:xfrm>
+          <a:prstGeom prst="rect">
+            <a:avLst/>
+          </a:prstGeom>
+        </p:spPr>
+        <p:txBody>
+          <a:bodyPr vert="horz" wrap="square" lIns="0" tIns="0" rIns="0" bIns="0" rtlCol="0" anchor="t">
+            <a:spAutoFit/>
+          </a:bodyPr>
+          <a:lstStyle>
+            <a:lvl1pPr algn="ctr" defTabSz="932742" rtl="0" eaLnBrk="1" latinLnBrk="0" hangingPunct="1">
+              <a:lnSpc>
+                <a:spcPct val="100000"/>
+              </a:lnSpc>
+              <a:spcBef>
+                <a:spcPct val="0"/>
+              </a:spcBef>
+              <a:buNone/>
+              <a:defRPr lang="en-US" sz="3600" b="0" kern="1200" cap="none" spc="-50" baseline="0">
+                <a:ln w="3175">
+                  <a:noFill/>
+                </a:ln>
+                <a:solidFill>
+                  <a:schemeClr val="tx1"/>
+                </a:solidFill>
+                <a:effectLst/>
+                <a:latin typeface="+mj-lt"/>
+                <a:ea typeface="+mn-ea"/>
+                <a:cs typeface="Segoe UI" pitchFamily="34" charset="0"/>
+              </a:defRPr>
+            </a:lvl1pPr>
+          </a:lstStyle>
+          <a:p>
+            <a:pPr marL="0" marR="0" lvl="0" indent="0" algn="ctr" defTabSz="932742" rtl="0" eaLnBrk="1" fontAlgn="auto" latinLnBrk="0" hangingPunct="1">
+              <a:lnSpc>
+                <a:spcPct val="100000"/>
+              </a:lnSpc>
+              <a:spcBef>
+                <a:spcPct val="0"/>
+              </a:spcBef>
+              <a:spcAft>
+                <a:spcPts val="0"/>
+              </a:spcAft>
+              <a:buClrTx/>
+              <a:buSzTx/>
+              <a:buFontTx/>
+              <a:buNone/>
+              <a:tabLst/>
+              <a:defRPr/>
+            </a:pPr>
+            <a:r>
+              <a:rPr kumimoji="0" lang="en-US" sz="3600" b="0" i="0" u="none" strike="noStrike" kern="1200" cap="none" spc="-50" normalizeH="0" baseline="0" noProof="0" dirty="0">
+                <a:ln w="3175">
+                  <a:noFill/>
+                </a:ln>
+                <a:solidFill>
+                  <a:srgbClr val="117865"/>
+                </a:solidFill>
+                <a:effectLst/>
+                <a:uLnTx/>
+                <a:uFillTx/>
+                <a:latin typeface="Segoe UI Semibold"/>
+                <a:ea typeface="+mn-ea"/>
+                <a:cs typeface="Segoe UI" pitchFamily="34" charset="0"/>
+              </a:rPr>
+              <a:t>Fabric</a:t>
+            </a:r>
+          </a:p>
+        </p:txBody>
+      </p:sp>
+      <p:sp>
+        <p:nvSpPr>
+          <p:cNvPr id="5" name="TextBox 4">
+            <a:extLst>
+              <a:ext uri="{FF2B5EF4-FFF2-40B4-BE49-F238E27FC236}">
+                <a16:creationId xmlns:a16="http://schemas.microsoft.com/office/drawing/2014/main" id="{8AD5586A-222F-083F-1EFD-019DAACF6E19}"/>
+              </a:ext>
+            </a:extLst>
+          </p:cNvPr>
+          <p:cNvSpPr txBox="1"/>
+          <p:nvPr/>
+        </p:nvSpPr>
+        <p:spPr>
+          <a:xfrm>
+            <a:off x="582613" y="2710854"/>
+            <a:ext cx="3699165" cy="1359346"/>
+          </a:xfrm>
+          <a:prstGeom prst="rect">
+            <a:avLst/>
+          </a:prstGeom>
+          <a:noFill/>
+        </p:spPr>
+        <p:txBody>
+          <a:bodyPr wrap="square" rtlCol="0">
+            <a:spAutoFit/>
+          </a:bodyPr>
+          <a:lstStyle>
+            <a:defPPr>
+              <a:defRPr lang="en-US"/>
+            </a:defPPr>
+            <a:lvl1pPr marL="342900" indent="-342900">
+              <a:buFont typeface="Arial" panose="020B0604020202020204" pitchFamily="34" charset="0"/>
+              <a:buChar char="•"/>
+              <a:defRPr sz="1600">
+                <a:latin typeface="Segoe UI" panose="020B0502040204020203" pitchFamily="34" charset="0"/>
+                <a:cs typeface="Segoe UI" panose="020B0502040204020203" pitchFamily="34" charset="0"/>
+              </a:defRPr>
+            </a:lvl1pPr>
+          </a:lstStyle>
+          <a:p>
+            <a:pPr marL="0" marR="0" lvl="0" indent="0" defTabSz="914400" eaLnBrk="1" fontAlgn="auto" latinLnBrk="0" hangingPunct="1">
+              <a:lnSpc>
+                <a:spcPct val="100000"/>
+              </a:lnSpc>
+              <a:spcBef>
+                <a:spcPts val="1600"/>
+              </a:spcBef>
+              <a:spcAft>
+                <a:spcPts val="0"/>
+              </a:spcAft>
+              <a:buClrTx/>
+              <a:buSzTx/>
+              <a:buFont typeface="Arial" panose="020B0604020202020204" pitchFamily="34" charset="0"/>
+              <a:buNone/>
+              <a:tabLst/>
+              <a:defRPr/>
+            </a:pPr>
+            <a:endParaRPr kumimoji="0" lang="en-US" sz="1600" b="0" i="0" u="none" strike="noStrike" kern="0" cap="none" spc="0" normalizeH="0" baseline="0" noProof="0" dirty="0">
+              <a:ln>
+                <a:noFill/>
+              </a:ln>
+              <a:solidFill>
+                <a:srgbClr val="000000"/>
+              </a:solidFill>
+              <a:effectLst/>
+              <a:uLnTx/>
+              <a:uFillTx/>
+              <a:latin typeface="Segoe UI" panose="020B0502040204020203" pitchFamily="34" charset="0"/>
+              <a:cs typeface="Segoe UI" panose="020B0502040204020203" pitchFamily="34" charset="0"/>
+            </a:endParaRPr>
+          </a:p>
+          <a:p>
+            <a:pPr marL="0" marR="0" lvl="0" indent="0" defTabSz="914400" eaLnBrk="1" fontAlgn="auto" latinLnBrk="0" hangingPunct="1">
+              <a:lnSpc>
+                <a:spcPct val="100000"/>
+              </a:lnSpc>
+              <a:spcBef>
+                <a:spcPts val="1600"/>
+              </a:spcBef>
+              <a:spcAft>
+                <a:spcPts val="0"/>
+              </a:spcAft>
+              <a:buClrTx/>
+              <a:buSzTx/>
+              <a:buFont typeface="Arial" panose="020B0604020202020204" pitchFamily="34" charset="0"/>
+              <a:buNone/>
+              <a:tabLst/>
+              <a:defRPr/>
+            </a:pPr>
+            <a:r>
+              <a:rPr kumimoji="0" lang="en-US" sz="1600" b="0" i="0" u="none" strike="noStrike" kern="0" cap="none" spc="0" normalizeH="0" baseline="0" noProof="0" dirty="0">
+                <a:ln>
+                  <a:noFill/>
+                </a:ln>
+                <a:solidFill>
+                  <a:srgbClr val="0078D4"/>
+                </a:solidFill>
+                <a:effectLst/>
+                <a:uLnTx/>
+                <a:uFillTx/>
+                <a:latin typeface="Segoe UI Semibold"/>
+                <a:cs typeface="Segoe UI" panose="020B0502040204020203" pitchFamily="34" charset="0"/>
+              </a:rPr>
+              <a:t>Administrator settings</a:t>
+            </a:r>
+            <a:endParaRPr lang="en-US" kern="0" dirty="0">
+              <a:solidFill>
+                <a:srgbClr val="000000"/>
+              </a:solidFill>
+            </a:endParaRPr>
+          </a:p>
+          <a:p>
+            <a:pPr marL="0" marR="0" lvl="0" indent="0" defTabSz="914400" eaLnBrk="1" fontAlgn="auto" latinLnBrk="0" hangingPunct="1">
+              <a:lnSpc>
+                <a:spcPct val="100000"/>
+              </a:lnSpc>
+              <a:spcBef>
+                <a:spcPts val="600"/>
+              </a:spcBef>
+              <a:spcAft>
+                <a:spcPts val="0"/>
+              </a:spcAft>
+              <a:buClrTx/>
+              <a:buSzTx/>
+              <a:buFont typeface="Arial" panose="020B0604020202020204" pitchFamily="34" charset="0"/>
+              <a:buNone/>
+              <a:tabLst/>
+              <a:defRPr/>
+            </a:pPr>
+            <a:r>
+              <a:rPr kumimoji="0" lang="en-US" sz="1600" b="0" i="0" u="none" strike="noStrike" kern="0" cap="none" spc="0" normalizeH="0" baseline="0" noProof="0" dirty="0">
+                <a:ln>
+                  <a:noFill/>
+                </a:ln>
+                <a:solidFill>
+                  <a:srgbClr val="000000"/>
+                </a:solidFill>
+                <a:effectLst/>
+                <a:uLnTx/>
+                <a:uFillTx/>
+                <a:latin typeface="Segoe UI" panose="020B0502040204020203" pitchFamily="34" charset="0"/>
+                <a:cs typeface="Segoe UI" panose="020B0502040204020203" pitchFamily="34" charset="0"/>
+              </a:rPr>
+              <a:t>Enable Fabric functionality for all users or per security group</a:t>
+            </a:r>
+          </a:p>
+        </p:txBody>
+      </p:sp>
+      <p:pic>
+        <p:nvPicPr>
+          <p:cNvPr id="6" name="Picture 5">
+            <a:extLst>
+              <a:ext uri="{FF2B5EF4-FFF2-40B4-BE49-F238E27FC236}">
+                <a16:creationId xmlns:a16="http://schemas.microsoft.com/office/drawing/2014/main" id="{DFE3D9AA-EFCD-D8C1-728E-F5FFFADDAFE5}"/>
+              </a:ext>
+            </a:extLst>
+          </p:cNvPr>
+          <p:cNvPicPr>
+            <a:picLocks noChangeAspect="1"/>
+          </p:cNvPicPr>
+          <p:nvPr/>
+        </p:nvPicPr>
+        <p:blipFill>
+          <a:blip r:embed="rId3"/>
+          <a:stretch>
+            <a:fillRect/>
+          </a:stretch>
+        </p:blipFill>
+        <p:spPr>
+          <a:xfrm>
+            <a:off x="4809543" y="1087349"/>
+            <a:ext cx="6554405" cy="5145314"/>
+          </a:xfrm>
+          <a:prstGeom prst="rect">
+            <a:avLst/>
+          </a:prstGeom>
+          <a:effectLst>
+            <a:outerShdw blurRad="50800" dist="38100" dir="2700000" algn="tl" rotWithShape="0">
+              <a:prstClr val="black">
+                <a:alpha val="40000"/>
+              </a:prstClr>
+            </a:outerShdw>
+          </a:effectLst>
+        </p:spPr>
+      </p:pic>
+    </p:spTree>
+    <p:extLst>
+      <p:ext uri="{BB962C8B-B14F-4D97-AF65-F5344CB8AC3E}">
+        <p14:creationId xmlns:p14="http://schemas.microsoft.com/office/powerpoint/2010/main" val="1170587776"/>
+      </p:ext>
+    </p:extLst>
+  </p:cSld>
+  <p:clrMapOvr>
+    <a:masterClrMapping/>
+  </p:clrMapOvr>
+  <p:transition>
+    <p:fade/>
+  </p:transition>
+</p:sld>
+</file>
+
+<file path=ppt/slides/slide12.xml><?xml version="1.0" encoding="utf-8"?>
+<p:sld xmlns:a="http://schemas.openxmlformats.org/drawingml/2006/main" xmlns:r="http://schemas.openxmlformats.org/officeDocument/2006/relationships" xmlns:p="http://schemas.openxmlformats.org/presentationml/2006/main">
+  <p:cSld>
+    <p:spTree>
+      <p:nvGrpSpPr>
+        <p:cNvPr id="1" name=""/>
+        <p:cNvGrpSpPr/>
+        <p:nvPr/>
+      </p:nvGrpSpPr>
+      <p:grpSpPr>
+        <a:xfrm>
+          <a:off x="0" y="0"/>
+          <a:ext cx="0" cy="0"/>
+          <a:chOff x="0" y="0"/>
+          <a:chExt cx="0" cy="0"/>
+        </a:xfrm>
+      </p:grpSpPr>
+      <p:pic>
+        <p:nvPicPr>
+          <p:cNvPr id="3" name="Picture 2">
+            <a:extLst>
+              <a:ext uri="{FF2B5EF4-FFF2-40B4-BE49-F238E27FC236}">
+                <a16:creationId xmlns:a16="http://schemas.microsoft.com/office/drawing/2014/main" id="{9EBA52A1-3FFC-81F7-937E-014F2A1FF97C}"/>
+              </a:ext>
+            </a:extLst>
+          </p:cNvPr>
+          <p:cNvPicPr>
+            <a:picLocks noChangeAspect="1"/>
+          </p:cNvPicPr>
+          <p:nvPr/>
+        </p:nvPicPr>
+        <p:blipFill>
+          <a:blip r:embed="rId3"/>
+          <a:stretch>
+            <a:fillRect/>
+          </a:stretch>
+        </p:blipFill>
+        <p:spPr>
+          <a:xfrm>
+            <a:off x="4005942" y="1674712"/>
+            <a:ext cx="7959109" cy="4726088"/>
+          </a:xfrm>
+          <a:prstGeom prst="rect">
+            <a:avLst/>
+          </a:prstGeom>
+          <a:effectLst>
+            <a:outerShdw blurRad="50800" dist="38100" dir="2700000" algn="tl" rotWithShape="0">
+              <a:prstClr val="black">
+                <a:alpha val="40000"/>
+              </a:prstClr>
+            </a:outerShdw>
+          </a:effectLst>
+        </p:spPr>
+      </p:pic>
+      <p:sp>
+        <p:nvSpPr>
+          <p:cNvPr id="4" name="Title 6">
+            <a:extLst>
+              <a:ext uri="{FF2B5EF4-FFF2-40B4-BE49-F238E27FC236}">
+                <a16:creationId xmlns:a16="http://schemas.microsoft.com/office/drawing/2014/main" id="{D40FBD0C-436A-0C30-ED05-FCA2AD3EDFD4}"/>
+              </a:ext>
+            </a:extLst>
+          </p:cNvPr>
+          <p:cNvSpPr txBox="1">
+            <a:spLocks/>
+          </p:cNvSpPr>
+          <p:nvPr/>
+        </p:nvSpPr>
+        <p:spPr>
+          <a:xfrm>
+            <a:off x="582613" y="758934"/>
+            <a:ext cx="11026774" cy="553998"/>
+          </a:xfrm>
+          <a:prstGeom prst="rect">
+            <a:avLst/>
+          </a:prstGeom>
+        </p:spPr>
+        <p:txBody>
+          <a:bodyPr vert="horz" wrap="square" lIns="0" tIns="0" rIns="0" bIns="0" rtlCol="0" anchor="t">
+            <a:spAutoFit/>
+          </a:bodyPr>
+          <a:lstStyle>
+            <a:lvl1pPr algn="ctr" defTabSz="932742" rtl="0" eaLnBrk="1" latinLnBrk="0" hangingPunct="1">
+              <a:lnSpc>
+                <a:spcPct val="100000"/>
+              </a:lnSpc>
+              <a:spcBef>
+                <a:spcPct val="0"/>
+              </a:spcBef>
+              <a:buNone/>
+              <a:defRPr lang="en-US" sz="3600" b="0" kern="1200" cap="none" spc="-50" baseline="0">
+                <a:ln w="3175">
+                  <a:noFill/>
+                </a:ln>
+                <a:solidFill>
+                  <a:schemeClr val="tx1"/>
+                </a:solidFill>
+                <a:effectLst/>
+                <a:latin typeface="+mj-lt"/>
+                <a:ea typeface="+mn-ea"/>
+                <a:cs typeface="Segoe UI" pitchFamily="34" charset="0"/>
+              </a:defRPr>
+            </a:lvl1pPr>
+          </a:lstStyle>
+          <a:p>
+            <a:pPr marL="0" marR="0" lvl="0" indent="0" algn="ctr" defTabSz="932742" rtl="0" eaLnBrk="1" fontAlgn="auto" latinLnBrk="0" hangingPunct="1">
+              <a:lnSpc>
+                <a:spcPct val="100000"/>
+              </a:lnSpc>
+              <a:spcBef>
+                <a:spcPct val="0"/>
+              </a:spcBef>
+              <a:spcAft>
+                <a:spcPts val="0"/>
+              </a:spcAft>
+              <a:buClrTx/>
+              <a:buSzTx/>
+              <a:buFontTx/>
+              <a:buNone/>
+              <a:tabLst/>
+              <a:defRPr/>
+            </a:pPr>
+            <a:r>
+              <a:rPr lang="en-GB" dirty="0">
+                <a:solidFill>
+                  <a:srgbClr val="117865"/>
+                </a:solidFill>
+                <a:latin typeface="Segoe UI Semibold"/>
+              </a:rPr>
+              <a:t>Fabric</a:t>
+            </a:r>
+            <a:endParaRPr kumimoji="0" lang="en-US" sz="3600" b="0" i="0" u="none" strike="noStrike" kern="1200" cap="none" spc="-50" normalizeH="0" baseline="0" noProof="0" dirty="0">
+              <a:ln w="3175">
+                <a:noFill/>
+              </a:ln>
+              <a:solidFill>
+                <a:srgbClr val="117865"/>
+              </a:solidFill>
+              <a:effectLst/>
+              <a:uLnTx/>
+              <a:uFillTx/>
+              <a:latin typeface="Segoe UI Semibold"/>
+              <a:ea typeface="+mn-ea"/>
+              <a:cs typeface="Segoe UI" pitchFamily="34" charset="0"/>
+            </a:endParaRPr>
+          </a:p>
+        </p:txBody>
+      </p:sp>
+      <p:sp>
+        <p:nvSpPr>
+          <p:cNvPr id="5" name="TextBox 4">
+            <a:extLst>
+              <a:ext uri="{FF2B5EF4-FFF2-40B4-BE49-F238E27FC236}">
+                <a16:creationId xmlns:a16="http://schemas.microsoft.com/office/drawing/2014/main" id="{8AD5586A-222F-083F-1EFD-019DAACF6E19}"/>
+              </a:ext>
+            </a:extLst>
+          </p:cNvPr>
+          <p:cNvSpPr txBox="1"/>
+          <p:nvPr/>
+        </p:nvSpPr>
+        <p:spPr>
+          <a:xfrm>
+            <a:off x="226949" y="2873217"/>
+            <a:ext cx="3699165" cy="1436291"/>
+          </a:xfrm>
+          <a:prstGeom prst="rect">
+            <a:avLst/>
+          </a:prstGeom>
+          <a:noFill/>
+        </p:spPr>
+        <p:txBody>
+          <a:bodyPr wrap="square" rtlCol="0">
+            <a:spAutoFit/>
+          </a:bodyPr>
+          <a:lstStyle>
+            <a:defPPr>
+              <a:defRPr lang="en-US"/>
+            </a:defPPr>
+            <a:lvl1pPr marL="342900" indent="-342900">
+              <a:buFont typeface="Arial" panose="020B0604020202020204" pitchFamily="34" charset="0"/>
+              <a:buChar char="•"/>
+              <a:defRPr sz="1600">
+                <a:latin typeface="Segoe UI" panose="020B0502040204020203" pitchFamily="34" charset="0"/>
+                <a:cs typeface="Segoe UI" panose="020B0502040204020203" pitchFamily="34" charset="0"/>
+              </a:defRPr>
+            </a:lvl1pPr>
+          </a:lstStyle>
+          <a:p>
+            <a:pPr marL="0" marR="0" lvl="0" indent="0" defTabSz="914400" eaLnBrk="1" fontAlgn="auto" latinLnBrk="0" hangingPunct="1">
+              <a:lnSpc>
+                <a:spcPct val="100000"/>
+              </a:lnSpc>
+              <a:spcBef>
+                <a:spcPts val="1600"/>
+              </a:spcBef>
+              <a:spcAft>
+                <a:spcPts val="0"/>
+              </a:spcAft>
+              <a:buClrTx/>
+              <a:buSzTx/>
+              <a:buFont typeface="Arial" panose="020B0604020202020204" pitchFamily="34" charset="0"/>
+              <a:buNone/>
+              <a:tabLst/>
+              <a:defRPr/>
+            </a:pPr>
+            <a:endParaRPr kumimoji="0" lang="en-US" sz="1600" b="0" i="0" u="none" strike="noStrike" kern="0" cap="none" spc="0" normalizeH="0" baseline="0" noProof="0" dirty="0">
+              <a:ln>
+                <a:noFill/>
+              </a:ln>
+              <a:solidFill>
+                <a:srgbClr val="000000"/>
+              </a:solidFill>
+              <a:effectLst/>
+              <a:uLnTx/>
+              <a:uFillTx/>
+              <a:latin typeface="Segoe UI" panose="020B0502040204020203" pitchFamily="34" charset="0"/>
+              <a:cs typeface="Segoe UI" panose="020B0502040204020203" pitchFamily="34" charset="0"/>
+            </a:endParaRPr>
+          </a:p>
+          <a:p>
+            <a:pPr marL="0" marR="0" lvl="0" indent="0" defTabSz="914400" eaLnBrk="1" fontAlgn="auto" latinLnBrk="0" hangingPunct="1">
+              <a:lnSpc>
+                <a:spcPct val="100000"/>
+              </a:lnSpc>
+              <a:spcBef>
+                <a:spcPts val="1600"/>
+              </a:spcBef>
+              <a:spcAft>
+                <a:spcPts val="0"/>
+              </a:spcAft>
+              <a:buClrTx/>
+              <a:buSzTx/>
+              <a:buFont typeface="Arial" panose="020B0604020202020204" pitchFamily="34" charset="0"/>
+              <a:buNone/>
+              <a:tabLst/>
+              <a:defRPr/>
+            </a:pPr>
+            <a:r>
+              <a:rPr kumimoji="0" lang="en-US" sz="1600" b="0" i="0" u="none" strike="noStrike" kern="0" cap="none" spc="0" normalizeH="0" baseline="0" noProof="0" dirty="0">
+                <a:ln>
+                  <a:noFill/>
+                </a:ln>
+                <a:solidFill>
+                  <a:srgbClr val="0078D4"/>
+                </a:solidFill>
+                <a:effectLst/>
+                <a:uLnTx/>
+                <a:uFillTx/>
+                <a:latin typeface="Segoe UI Semibold"/>
+                <a:cs typeface="Segoe UI" panose="020B0502040204020203" pitchFamily="34" charset="0"/>
+              </a:rPr>
+              <a:t>User Sign Up experience</a:t>
+            </a:r>
+            <a:endParaRPr lang="en-US" kern="0" dirty="0">
+              <a:solidFill>
+                <a:srgbClr val="000000"/>
+              </a:solidFill>
+            </a:endParaRPr>
+          </a:p>
+          <a:p>
+            <a:pPr marL="0" marR="0" lvl="0" indent="0" defTabSz="914400" eaLnBrk="1" fontAlgn="auto" latinLnBrk="0" hangingPunct="1">
+              <a:lnSpc>
+                <a:spcPct val="100000"/>
+              </a:lnSpc>
+              <a:spcBef>
+                <a:spcPts val="600"/>
+              </a:spcBef>
+              <a:spcAft>
+                <a:spcPts val="0"/>
+              </a:spcAft>
+              <a:buClrTx/>
+              <a:buSzTx/>
+              <a:buFont typeface="Arial" panose="020B0604020202020204" pitchFamily="34" charset="0"/>
+              <a:buNone/>
+              <a:tabLst/>
+              <a:defRPr/>
+            </a:pPr>
+            <a:r>
+              <a:rPr kumimoji="0" lang="en-US" sz="1600" b="0" i="0" u="none" strike="noStrike" kern="0" cap="none" spc="0" normalizeH="0" baseline="0" noProof="0" dirty="0">
+                <a:ln>
+                  <a:noFill/>
+                </a:ln>
+                <a:solidFill>
+                  <a:srgbClr val="000000"/>
+                </a:solidFill>
+                <a:effectLst/>
+                <a:uLnTx/>
+                <a:uFillTx/>
+                <a:latin typeface="Segoe UI" panose="020B0502040204020203" pitchFamily="34" charset="0"/>
+                <a:cs typeface="Segoe UI" panose="020B0502040204020203" pitchFamily="34" charset="0"/>
+              </a:rPr>
+              <a:t>Navigate to </a:t>
+            </a:r>
+          </a:p>
+          <a:p>
+            <a:pPr marL="0" marR="0" lvl="0" indent="0" defTabSz="914400" eaLnBrk="1" fontAlgn="auto" latinLnBrk="0" hangingPunct="1">
+              <a:lnSpc>
+                <a:spcPct val="100000"/>
+              </a:lnSpc>
+              <a:spcBef>
+                <a:spcPts val="600"/>
+              </a:spcBef>
+              <a:spcAft>
+                <a:spcPts val="0"/>
+              </a:spcAft>
+              <a:buClrTx/>
+              <a:buSzTx/>
+              <a:buFont typeface="Arial" panose="020B0604020202020204" pitchFamily="34" charset="0"/>
+              <a:buNone/>
+              <a:tabLst/>
+              <a:defRPr/>
+            </a:pPr>
+            <a:r>
+              <a:rPr lang="en-US" kern="0" dirty="0">
+                <a:solidFill>
+                  <a:srgbClr val="000000"/>
+                </a:solidFill>
+              </a:rPr>
+              <a:t>https://app.powerbi.com</a:t>
+            </a:r>
+            <a:endParaRPr kumimoji="0" lang="en-US" sz="1600" b="0" i="0" u="none" strike="noStrike" kern="0" cap="none" spc="0" normalizeH="0" baseline="0" noProof="0" dirty="0">
+              <a:ln>
+                <a:noFill/>
+              </a:ln>
+              <a:solidFill>
+                <a:srgbClr val="000000"/>
+              </a:solidFill>
+              <a:effectLst/>
+              <a:uLnTx/>
+              <a:uFillTx/>
+              <a:latin typeface="Segoe UI" panose="020B0502040204020203" pitchFamily="34" charset="0"/>
+              <a:cs typeface="Segoe UI" panose="020B0502040204020203" pitchFamily="34" charset="0"/>
+            </a:endParaRPr>
+          </a:p>
+        </p:txBody>
+      </p:sp>
+    </p:spTree>
+    <p:extLst>
+      <p:ext uri="{BB962C8B-B14F-4D97-AF65-F5344CB8AC3E}">
+        <p14:creationId xmlns:p14="http://schemas.microsoft.com/office/powerpoint/2010/main" val="2703027884"/>
+      </p:ext>
+    </p:extLst>
+  </p:cSld>
+  <p:clrMapOvr>
+    <a:masterClrMapping/>
+  </p:clrMapOvr>
+  <p:transition>
+    <p:fade/>
+  </p:transition>
+</p:sld>
+</file>
+
+<file path=ppt/slides/slide13.xml><?xml version="1.0" encoding="utf-8"?>
+<p:sld xmlns:a="http://schemas.openxmlformats.org/drawingml/2006/main" xmlns:r="http://schemas.openxmlformats.org/officeDocument/2006/relationships" xmlns:p="http://schemas.openxmlformats.org/presentationml/2006/main">
+  <p:cSld>
+    <p:spTree>
+      <p:nvGrpSpPr>
+        <p:cNvPr id="1" name=""/>
+        <p:cNvGrpSpPr/>
+        <p:nvPr/>
+      </p:nvGrpSpPr>
+      <p:grpSpPr>
+        <a:xfrm>
+          <a:off x="0" y="0"/>
+          <a:ext cx="0" cy="0"/>
+          <a:chOff x="0" y="0"/>
+          <a:chExt cx="0" cy="0"/>
+        </a:xfrm>
+      </p:grpSpPr>
+      <p:sp>
+        <p:nvSpPr>
+          <p:cNvPr id="5" name="Text Placeholder 2">
+            <a:extLst>
+              <a:ext uri="{FF2B5EF4-FFF2-40B4-BE49-F238E27FC236}">
+                <a16:creationId xmlns:a16="http://schemas.microsoft.com/office/drawing/2014/main" id="{4B551E36-B27B-38F1-A41A-505E5B30E8C1}"/>
+              </a:ext>
+            </a:extLst>
+          </p:cNvPr>
+          <p:cNvSpPr txBox="1">
+            <a:spLocks/>
+          </p:cNvSpPr>
+          <p:nvPr/>
+        </p:nvSpPr>
+        <p:spPr>
+          <a:xfrm>
+            <a:off x="1838885" y="3248822"/>
+            <a:ext cx="5201536" cy="369332"/>
+          </a:xfrm>
+          <a:prstGeom prst="rect">
+            <a:avLst/>
+          </a:prstGeom>
+        </p:spPr>
+        <p:txBody>
+          <a:bodyPr vert="horz" wrap="square" lIns="0" tIns="0" rIns="0" bIns="0" rtlCol="0">
+            <a:spAutoFit/>
+          </a:bodyPr>
+          <a:lstStyle>
+            <a:lvl1pPr marL="0" marR="0" indent="0" algn="l" defTabSz="932742" rtl="0" eaLnBrk="1" fontAlgn="auto" latinLnBrk="0" hangingPunct="1">
+              <a:lnSpc>
+                <a:spcPct val="100000"/>
+              </a:lnSpc>
+              <a:spcBef>
+                <a:spcPct val="20000"/>
+              </a:spcBef>
+              <a:spcAft>
+                <a:spcPts val="0"/>
+              </a:spcAft>
+              <a:buClrTx/>
+              <a:buSzPct val="90000"/>
+              <a:buFont typeface="Wingdings" panose="05000000000000000000" pitchFamily="2" charset="2"/>
+              <a:buNone/>
+              <a:tabLst/>
+              <a:defRPr sz="2400" kern="1200" spc="0" baseline="0">
+                <a:solidFill>
+                  <a:srgbClr val="000000"/>
+                </a:solidFill>
+                <a:latin typeface="+mj-lt"/>
+                <a:ea typeface="+mn-ea"/>
+                <a:cs typeface="Segoe UI" panose="020B0502040204020203" pitchFamily="34" charset="0"/>
+              </a:defRPr>
+            </a:lvl1pPr>
+            <a:lvl2pPr marL="228600" marR="0" indent="0" algn="l" defTabSz="932742" rtl="0" eaLnBrk="1" fontAlgn="auto" latinLnBrk="0" hangingPunct="1">
+              <a:lnSpc>
+                <a:spcPct val="100000"/>
+              </a:lnSpc>
+              <a:spcBef>
+                <a:spcPct val="20000"/>
+              </a:spcBef>
+              <a:spcAft>
+                <a:spcPts val="0"/>
+              </a:spcAft>
+              <a:buClrTx/>
+              <a:buSzPct val="90000"/>
+              <a:buFont typeface="Wingdings" panose="05000000000000000000" pitchFamily="2" charset="2"/>
+              <a:buNone/>
+              <a:tabLst/>
+              <a:defRPr sz="2000" kern="1200" spc="0" baseline="0">
+                <a:solidFill>
+                  <a:srgbClr val="000000"/>
+                </a:solidFill>
+                <a:latin typeface="+mn-lt"/>
+                <a:ea typeface="+mn-ea"/>
+                <a:cs typeface="+mn-cs"/>
+              </a:defRPr>
+            </a:lvl2pPr>
+            <a:lvl3pPr marL="457200" marR="0" indent="0" algn="l" defTabSz="932742" rtl="0" eaLnBrk="1" fontAlgn="auto" latinLnBrk="0" hangingPunct="1">
+              <a:lnSpc>
+                <a:spcPct val="100000"/>
+              </a:lnSpc>
+              <a:spcBef>
+                <a:spcPct val="20000"/>
+              </a:spcBef>
+              <a:spcAft>
+                <a:spcPts val="0"/>
+              </a:spcAft>
+              <a:buClrTx/>
+              <a:buSzPct val="90000"/>
+              <a:buFont typeface="Wingdings" panose="05000000000000000000" pitchFamily="2" charset="2"/>
+              <a:buNone/>
+              <a:tabLst/>
+              <a:defRPr sz="1600" kern="1200" spc="0" baseline="0">
+                <a:solidFill>
+                  <a:srgbClr val="000000"/>
+                </a:solidFill>
+                <a:latin typeface="+mn-lt"/>
+                <a:ea typeface="+mn-ea"/>
+                <a:cs typeface="+mn-cs"/>
+              </a:defRPr>
+            </a:lvl3pPr>
+            <a:lvl4pPr marL="661988" marR="0" indent="0" algn="l" defTabSz="932742" rtl="0" eaLnBrk="1" fontAlgn="auto" latinLnBrk="0" hangingPunct="1">
+              <a:lnSpc>
+                <a:spcPct val="100000"/>
+              </a:lnSpc>
+              <a:spcBef>
+                <a:spcPct val="20000"/>
+              </a:spcBef>
+              <a:spcAft>
+                <a:spcPts val="0"/>
+              </a:spcAft>
+              <a:buClrTx/>
+              <a:buSzPct val="90000"/>
+              <a:buFont typeface="Wingdings" panose="05000000000000000000" pitchFamily="2" charset="2"/>
+              <a:buNone/>
+              <a:tabLst/>
+              <a:defRPr sz="1400" kern="1200" spc="0" baseline="0">
+                <a:solidFill>
+                  <a:srgbClr val="000000"/>
+                </a:solidFill>
+                <a:latin typeface="+mn-lt"/>
+                <a:ea typeface="+mn-ea"/>
+                <a:cs typeface="+mn-cs"/>
+              </a:defRPr>
+            </a:lvl4pPr>
+            <a:lvl5pPr marL="855663" marR="0" indent="0" algn="l" defTabSz="932742" rtl="0" eaLnBrk="1" fontAlgn="auto" latinLnBrk="0" hangingPunct="1">
+              <a:lnSpc>
+                <a:spcPct val="100000"/>
+              </a:lnSpc>
+              <a:spcBef>
+                <a:spcPct val="20000"/>
+              </a:spcBef>
+              <a:spcAft>
+                <a:spcPts val="0"/>
+              </a:spcAft>
+              <a:buClrTx/>
+              <a:buSzPct val="90000"/>
+              <a:buFont typeface="Wingdings" panose="05000000000000000000" pitchFamily="2" charset="2"/>
+              <a:buNone/>
+              <a:tabLst/>
+              <a:defRPr sz="1400" kern="1200" spc="0" baseline="0">
+                <a:solidFill>
+                  <a:srgbClr val="000000"/>
+                </a:solidFill>
+                <a:latin typeface="+mn-lt"/>
+                <a:ea typeface="+mn-ea"/>
+                <a:cs typeface="+mn-cs"/>
+              </a:defRPr>
+            </a:lvl5pPr>
+            <a:lvl6pPr marL="2565040" indent="-233186" algn="l" defTabSz="932742" rtl="0" eaLnBrk="1" latinLnBrk="0" hangingPunct="1">
+              <a:spcBef>
+                <a:spcPct val="20000"/>
+              </a:spcBef>
+              <a:buFont typeface="Arial" pitchFamily="34" charset="0"/>
+              <a:buChar char="•"/>
+              <a:defRPr sz="2000" kern="1200">
+                <a:solidFill>
+                  <a:schemeClr val="tx1"/>
+                </a:solidFill>
+                <a:latin typeface="+mn-lt"/>
+                <a:ea typeface="+mn-ea"/>
+                <a:cs typeface="+mn-cs"/>
+              </a:defRPr>
+            </a:lvl6pPr>
+            <a:lvl7pPr marL="3031412" indent="-233186" algn="l" defTabSz="932742" rtl="0" eaLnBrk="1" latinLnBrk="0" hangingPunct="1">
+              <a:spcBef>
+                <a:spcPct val="20000"/>
+              </a:spcBef>
+              <a:buFont typeface="Arial" pitchFamily="34" charset="0"/>
+              <a:buChar char="•"/>
+              <a:defRPr sz="2000" kern="1200">
+                <a:solidFill>
+                  <a:schemeClr val="tx1"/>
+                </a:solidFill>
+                <a:latin typeface="+mn-lt"/>
+                <a:ea typeface="+mn-ea"/>
+                <a:cs typeface="+mn-cs"/>
+              </a:defRPr>
+            </a:lvl7pPr>
+            <a:lvl8pPr marL="3497783" indent="-233186" algn="l" defTabSz="932742" rtl="0" eaLnBrk="1" latinLnBrk="0" hangingPunct="1">
+              <a:spcBef>
+                <a:spcPct val="20000"/>
+              </a:spcBef>
+              <a:buFont typeface="Arial" pitchFamily="34" charset="0"/>
+              <a:buChar char="•"/>
+              <a:defRPr sz="2000" kern="1200">
+                <a:solidFill>
+                  <a:schemeClr val="tx1"/>
+                </a:solidFill>
+                <a:latin typeface="+mn-lt"/>
+                <a:ea typeface="+mn-ea"/>
+                <a:cs typeface="+mn-cs"/>
+              </a:defRPr>
+            </a:lvl8pPr>
+            <a:lvl9pPr marL="3964155" indent="-233186" algn="l" defTabSz="932742" rtl="0" eaLnBrk="1" latinLnBrk="0" hangingPunct="1">
+              <a:spcBef>
+                <a:spcPct val="20000"/>
+              </a:spcBef>
+              <a:buFont typeface="Arial" pitchFamily="34" charset="0"/>
+              <a:buChar char="•"/>
+              <a:defRPr sz="2000" kern="1200">
+                <a:solidFill>
+                  <a:schemeClr val="tx1"/>
+                </a:solidFill>
+                <a:latin typeface="+mn-lt"/>
+                <a:ea typeface="+mn-ea"/>
+                <a:cs typeface="+mn-cs"/>
+              </a:defRPr>
+            </a:lvl9pPr>
+          </a:lstStyle>
+          <a:p>
+            <a:r>
+              <a:rPr lang="en-US" dirty="0"/>
+              <a:t>Other resources</a:t>
+            </a:r>
+          </a:p>
+        </p:txBody>
+      </p:sp>
+      <p:sp>
+        <p:nvSpPr>
+          <p:cNvPr id="6" name="Oval 5">
+            <a:extLst>
+              <a:ext uri="{FF2B5EF4-FFF2-40B4-BE49-F238E27FC236}">
+                <a16:creationId xmlns:a16="http://schemas.microsoft.com/office/drawing/2014/main" id="{7CECCC3E-5BCE-F7DE-77F1-F58F21F2B42E}"/>
+              </a:ext>
+            </a:extLst>
+          </p:cNvPr>
+          <p:cNvSpPr/>
+          <p:nvPr/>
+        </p:nvSpPr>
+        <p:spPr bwMode="auto">
+          <a:xfrm>
+            <a:off x="584200" y="2954316"/>
+            <a:ext cx="958377" cy="958377"/>
+          </a:xfrm>
+          <a:prstGeom prst="ellipse">
+            <a:avLst/>
+          </a:prstGeom>
+          <a:gradFill>
+            <a:gsLst>
+              <a:gs pos="60000">
+                <a:srgbClr val="038C76"/>
+              </a:gs>
+              <a:gs pos="0">
+                <a:srgbClr val="117865">
+                  <a:shade val="67500"/>
+                  <a:satMod val="115000"/>
+                </a:srgbClr>
+              </a:gs>
+              <a:gs pos="100000">
+                <a:srgbClr val="00AE94"/>
+              </a:gs>
+            </a:gsLst>
+            <a:lin ang="18900000" scaled="1"/>
+          </a:gradFill>
+          <a:ln w="9525" cap="flat" cmpd="sng" algn="ctr">
+            <a:noFill/>
+            <a:prstDash val="solid"/>
+            <a:headEnd type="none" w="med" len="med"/>
+            <a:tailEnd type="none" w="med" len="med"/>
+          </a:ln>
+          <a:effectLst>
+            <a:outerShdw blurRad="203200" dist="38100" dir="2700000" algn="tl" rotWithShape="0">
+              <a:prstClr val="black">
+                <a:alpha val="20000"/>
+              </a:prstClr>
+            </a:outerShdw>
+          </a:effectLst>
+        </p:spPr>
+        <p:txBody>
+          <a:bodyPr rot="0" spcFirstLastPara="0" vertOverflow="overflow" horzOverflow="overflow" vert="horz" wrap="square" lIns="182880" tIns="146304" rIns="182880" bIns="146304" numCol="1" spcCol="0" rtlCol="0" fromWordArt="0" anchor="t" anchorCtr="0" forceAA="0" compatLnSpc="1">
+            <a:prstTxWarp prst="textNoShape">
+              <a:avLst/>
+            </a:prstTxWarp>
+            <a:noAutofit/>
+          </a:bodyPr>
+          <a:lstStyle/>
+          <a:p>
+            <a:pPr marL="0" marR="0" lvl="0" indent="0" algn="l" defTabSz="932472" rtl="0" eaLnBrk="1" fontAlgn="base" latinLnBrk="0" hangingPunct="1">
+              <a:lnSpc>
+                <a:spcPct val="100000"/>
+              </a:lnSpc>
+              <a:spcBef>
+                <a:spcPct val="0"/>
+              </a:spcBef>
+              <a:spcAft>
+                <a:spcPct val="0"/>
+              </a:spcAft>
+              <a:buClrTx/>
+              <a:buSzTx/>
+              <a:buFontTx/>
+              <a:buNone/>
+              <a:tabLst/>
+              <a:defRPr/>
+            </a:pPr>
+            <a:endParaRPr kumimoji="0" lang="en-US" sz="2000" b="0" i="0" u="none" strike="noStrike" kern="0" cap="none" spc="0" normalizeH="0" baseline="0" noProof="0">
+              <a:ln>
+                <a:noFill/>
+              </a:ln>
+              <a:solidFill>
+                <a:srgbClr val="FFFFFF"/>
+              </a:solidFill>
+              <a:effectLst/>
+              <a:uLnTx/>
+              <a:uFillTx/>
+              <a:latin typeface="Segoe UI"/>
+              <a:ea typeface="Segoe UI" pitchFamily="34" charset="0"/>
+              <a:cs typeface="Segoe UI" pitchFamily="34" charset="0"/>
+            </a:endParaRPr>
+          </a:p>
+        </p:txBody>
+      </p:sp>
+      <p:sp>
+        <p:nvSpPr>
+          <p:cNvPr id="7" name="Graphic 27">
+            <a:extLst>
+              <a:ext uri="{FF2B5EF4-FFF2-40B4-BE49-F238E27FC236}">
+                <a16:creationId xmlns:a16="http://schemas.microsoft.com/office/drawing/2014/main" id="{E57B9E8A-E662-3E65-0D72-255E803971EA}"/>
+              </a:ext>
+            </a:extLst>
+          </p:cNvPr>
+          <p:cNvSpPr/>
+          <p:nvPr/>
+        </p:nvSpPr>
+        <p:spPr>
+          <a:xfrm>
+            <a:off x="864978" y="3326772"/>
+            <a:ext cx="411149" cy="301920"/>
+          </a:xfrm>
+          <a:custGeom>
+            <a:avLst/>
+            <a:gdLst>
+              <a:gd name="connsiteX0" fmla="*/ 0 w 266700"/>
+              <a:gd name="connsiteY0" fmla="*/ 28575 h 190500"/>
+              <a:gd name="connsiteX1" fmla="*/ 28575 w 266700"/>
+              <a:gd name="connsiteY1" fmla="*/ 0 h 190500"/>
+              <a:gd name="connsiteX2" fmla="*/ 57150 w 266700"/>
+              <a:gd name="connsiteY2" fmla="*/ 28575 h 190500"/>
+              <a:gd name="connsiteX3" fmla="*/ 209550 w 266700"/>
+              <a:gd name="connsiteY3" fmla="*/ 28575 h 190500"/>
+              <a:gd name="connsiteX4" fmla="*/ 238125 w 266700"/>
+              <a:gd name="connsiteY4" fmla="*/ 0 h 190500"/>
+              <a:gd name="connsiteX5" fmla="*/ 266700 w 266700"/>
+              <a:gd name="connsiteY5" fmla="*/ 28575 h 190500"/>
+              <a:gd name="connsiteX6" fmla="*/ 266700 w 266700"/>
+              <a:gd name="connsiteY6" fmla="*/ 161925 h 190500"/>
+              <a:gd name="connsiteX7" fmla="*/ 238125 w 266700"/>
+              <a:gd name="connsiteY7" fmla="*/ 190500 h 190500"/>
+              <a:gd name="connsiteX8" fmla="*/ 209550 w 266700"/>
+              <a:gd name="connsiteY8" fmla="*/ 161925 h 190500"/>
+              <a:gd name="connsiteX9" fmla="*/ 57150 w 266700"/>
+              <a:gd name="connsiteY9" fmla="*/ 161925 h 190500"/>
+              <a:gd name="connsiteX10" fmla="*/ 28575 w 266700"/>
+              <a:gd name="connsiteY10" fmla="*/ 190500 h 190500"/>
+              <a:gd name="connsiteX11" fmla="*/ 0 w 266700"/>
+              <a:gd name="connsiteY11" fmla="*/ 161925 h 190500"/>
+              <a:gd name="connsiteX12" fmla="*/ 0 w 266700"/>
+              <a:gd name="connsiteY12" fmla="*/ 28575 h 190500"/>
+              <a:gd name="connsiteX13" fmla="*/ 38100 w 266700"/>
+              <a:gd name="connsiteY13" fmla="*/ 28575 h 190500"/>
+              <a:gd name="connsiteX14" fmla="*/ 28575 w 266700"/>
+              <a:gd name="connsiteY14" fmla="*/ 19050 h 190500"/>
+              <a:gd name="connsiteX15" fmla="*/ 19050 w 266700"/>
+              <a:gd name="connsiteY15" fmla="*/ 28575 h 190500"/>
+              <a:gd name="connsiteX16" fmla="*/ 19050 w 266700"/>
+              <a:gd name="connsiteY16" fmla="*/ 161925 h 190500"/>
+              <a:gd name="connsiteX17" fmla="*/ 28575 w 266700"/>
+              <a:gd name="connsiteY17" fmla="*/ 171450 h 190500"/>
+              <a:gd name="connsiteX18" fmla="*/ 38100 w 266700"/>
+              <a:gd name="connsiteY18" fmla="*/ 161925 h 190500"/>
+              <a:gd name="connsiteX19" fmla="*/ 38100 w 266700"/>
+              <a:gd name="connsiteY19" fmla="*/ 28575 h 190500"/>
+              <a:gd name="connsiteX20" fmla="*/ 57150 w 266700"/>
+              <a:gd name="connsiteY20" fmla="*/ 142875 h 190500"/>
+              <a:gd name="connsiteX21" fmla="*/ 209550 w 266700"/>
+              <a:gd name="connsiteY21" fmla="*/ 142875 h 190500"/>
+              <a:gd name="connsiteX22" fmla="*/ 209550 w 266700"/>
+              <a:gd name="connsiteY22" fmla="*/ 47625 h 190500"/>
+              <a:gd name="connsiteX23" fmla="*/ 57150 w 266700"/>
+              <a:gd name="connsiteY23" fmla="*/ 47625 h 190500"/>
+              <a:gd name="connsiteX24" fmla="*/ 57150 w 266700"/>
+              <a:gd name="connsiteY24" fmla="*/ 142875 h 190500"/>
+              <a:gd name="connsiteX25" fmla="*/ 247650 w 266700"/>
+              <a:gd name="connsiteY25" fmla="*/ 28575 h 190500"/>
+              <a:gd name="connsiteX26" fmla="*/ 238125 w 266700"/>
+              <a:gd name="connsiteY26" fmla="*/ 19050 h 190500"/>
+              <a:gd name="connsiteX27" fmla="*/ 228600 w 266700"/>
+              <a:gd name="connsiteY27" fmla="*/ 28575 h 190500"/>
+              <a:gd name="connsiteX28" fmla="*/ 228600 w 266700"/>
+              <a:gd name="connsiteY28" fmla="*/ 161925 h 190500"/>
+              <a:gd name="connsiteX29" fmla="*/ 238125 w 266700"/>
+              <a:gd name="connsiteY29" fmla="*/ 171450 h 190500"/>
+              <a:gd name="connsiteX30" fmla="*/ 247650 w 266700"/>
+              <a:gd name="connsiteY30" fmla="*/ 161925 h 190500"/>
+              <a:gd name="connsiteX31" fmla="*/ 247650 w 266700"/>
+              <a:gd name="connsiteY31" fmla="*/ 28575 h 190500"/>
+            </a:gdLst>
+            <a:ahLst/>
+            <a:cxnLst>
+              <a:cxn ang="0">
+                <a:pos x="connsiteX0" y="connsiteY0"/>
+              </a:cxn>
+              <a:cxn ang="0">
+                <a:pos x="connsiteX1" y="connsiteY1"/>
+              </a:cxn>
+              <a:cxn ang="0">
+                <a:pos x="connsiteX2" y="connsiteY2"/>
+              </a:cxn>
+              <a:cxn ang="0">
+                <a:pos x="connsiteX3" y="connsiteY3"/>
+              </a:cxn>
+              <a:cxn ang="0">
+                <a:pos x="connsiteX4" y="connsiteY4"/>
+              </a:cxn>
+              <a:cxn ang="0">
+                <a:pos x="connsiteX5" y="connsiteY5"/>
+              </a:cxn>
+              <a:cxn ang="0">
+                <a:pos x="connsiteX6" y="connsiteY6"/>
+              </a:cxn>
+              <a:cxn ang="0">
+                <a:pos x="connsiteX7" y="connsiteY7"/>
+              </a:cxn>
+              <a:cxn ang="0">
+                <a:pos x="connsiteX8" y="connsiteY8"/>
+              </a:cxn>
+              <a:cxn ang="0">
+                <a:pos x="connsiteX9" y="connsiteY9"/>
+              </a:cxn>
+              <a:cxn ang="0">
+                <a:pos x="connsiteX10" y="connsiteY10"/>
+              </a:cxn>
+              <a:cxn ang="0">
+                <a:pos x="connsiteX11" y="connsiteY11"/>
+              </a:cxn>
+              <a:cxn ang="0">
+                <a:pos x="connsiteX12" y="connsiteY12"/>
+              </a:cxn>
+              <a:cxn ang="0">
+                <a:pos x="connsiteX13" y="connsiteY13"/>
+              </a:cxn>
+              <a:cxn ang="0">
+                <a:pos x="connsiteX14" y="connsiteY14"/>
+              </a:cxn>
+              <a:cxn ang="0">
+                <a:pos x="connsiteX15" y="connsiteY15"/>
+              </a:cxn>
+              <a:cxn ang="0">
+                <a:pos x="connsiteX16" y="connsiteY16"/>
+              </a:cxn>
+              <a:cxn ang="0">
+                <a:pos x="connsiteX17" y="connsiteY17"/>
+              </a:cxn>
+              <a:cxn ang="0">
+                <a:pos x="connsiteX18" y="connsiteY18"/>
+              </a:cxn>
+              <a:cxn ang="0">
+                <a:pos x="connsiteX19" y="connsiteY19"/>
+              </a:cxn>
+              <a:cxn ang="0">
+                <a:pos x="connsiteX20" y="connsiteY20"/>
+              </a:cxn>
+              <a:cxn ang="0">
+                <a:pos x="connsiteX21" y="connsiteY21"/>
+              </a:cxn>
+              <a:cxn ang="0">
+                <a:pos x="connsiteX22" y="connsiteY22"/>
+              </a:cxn>
+              <a:cxn ang="0">
+                <a:pos x="connsiteX23" y="connsiteY23"/>
+              </a:cxn>
+              <a:cxn ang="0">
+                <a:pos x="connsiteX24" y="connsiteY24"/>
+              </a:cxn>
+              <a:cxn ang="0">
+                <a:pos x="connsiteX25" y="connsiteY25"/>
+              </a:cxn>
+              <a:cxn ang="0">
+                <a:pos x="connsiteX26" y="connsiteY26"/>
+              </a:cxn>
+              <a:cxn ang="0">
+                <a:pos x="connsiteX27" y="connsiteY27"/>
+              </a:cxn>
+              <a:cxn ang="0">
+                <a:pos x="connsiteX28" y="connsiteY28"/>
+              </a:cxn>
+              <a:cxn ang="0">
+                <a:pos x="connsiteX29" y="connsiteY29"/>
+              </a:cxn>
+              <a:cxn ang="0">
+                <a:pos x="connsiteX30" y="connsiteY30"/>
+              </a:cxn>
+              <a:cxn ang="0">
+                <a:pos x="connsiteX31" y="connsiteY31"/>
+              </a:cxn>
+            </a:cxnLst>
+            <a:rect l="l" t="t" r="r" b="b"/>
+            <a:pathLst>
+              <a:path w="266700" h="190500">
+                <a:moveTo>
+                  <a:pt x="0" y="28575"/>
+                </a:moveTo>
+                <a:cubicBezTo>
+                  <a:pt x="0" y="12794"/>
+                  <a:pt x="12794" y="0"/>
+                  <a:pt x="28575" y="0"/>
+                </a:cubicBezTo>
+                <a:cubicBezTo>
+                  <a:pt x="44356" y="0"/>
+                  <a:pt x="57150" y="12794"/>
+                  <a:pt x="57150" y="28575"/>
+                </a:cubicBezTo>
+                <a:lnTo>
+                  <a:pt x="209550" y="28575"/>
+                </a:lnTo>
+                <a:cubicBezTo>
+                  <a:pt x="209550" y="12794"/>
+                  <a:pt x="222343" y="0"/>
+                  <a:pt x="238125" y="0"/>
+                </a:cubicBezTo>
+                <a:cubicBezTo>
+                  <a:pt x="253907" y="0"/>
+                  <a:pt x="266700" y="12794"/>
+                  <a:pt x="266700" y="28575"/>
+                </a:cubicBezTo>
+                <a:lnTo>
+                  <a:pt x="266700" y="161925"/>
+                </a:lnTo>
+                <a:cubicBezTo>
+                  <a:pt x="266700" y="177707"/>
+                  <a:pt x="253907" y="190500"/>
+                  <a:pt x="238125" y="190500"/>
+                </a:cubicBezTo>
+                <a:cubicBezTo>
+                  <a:pt x="222343" y="190500"/>
+                  <a:pt x="209550" y="177707"/>
+                  <a:pt x="209550" y="161925"/>
+                </a:cubicBezTo>
+                <a:lnTo>
+                  <a:pt x="57150" y="161925"/>
+                </a:lnTo>
+                <a:cubicBezTo>
+                  <a:pt x="57150" y="177707"/>
+                  <a:pt x="44356" y="190500"/>
+                  <a:pt x="28575" y="190500"/>
+                </a:cubicBezTo>
+                <a:cubicBezTo>
+                  <a:pt x="12794" y="190500"/>
+                  <a:pt x="0" y="177707"/>
+                  <a:pt x="0" y="161925"/>
+                </a:cubicBezTo>
+                <a:lnTo>
+                  <a:pt x="0" y="28575"/>
+                </a:lnTo>
+                <a:close/>
+                <a:moveTo>
+                  <a:pt x="38100" y="28575"/>
+                </a:moveTo>
+                <a:cubicBezTo>
+                  <a:pt x="38100" y="23315"/>
+                  <a:pt x="33835" y="19050"/>
+                  <a:pt x="28575" y="19050"/>
+                </a:cubicBezTo>
+                <a:cubicBezTo>
+                  <a:pt x="23314" y="19050"/>
+                  <a:pt x="19050" y="23315"/>
+                  <a:pt x="19050" y="28575"/>
+                </a:cubicBezTo>
+                <a:lnTo>
+                  <a:pt x="19050" y="161925"/>
+                </a:lnTo>
+                <a:cubicBezTo>
+                  <a:pt x="19050" y="167186"/>
+                  <a:pt x="23315" y="171450"/>
+                  <a:pt x="28575" y="171450"/>
+                </a:cubicBezTo>
+                <a:cubicBezTo>
+                  <a:pt x="33836" y="171450"/>
+                  <a:pt x="38100" y="167186"/>
+                  <a:pt x="38100" y="161925"/>
+                </a:cubicBezTo>
+                <a:lnTo>
+                  <a:pt x="38100" y="28575"/>
+                </a:lnTo>
+                <a:close/>
+                <a:moveTo>
+                  <a:pt x="57150" y="142875"/>
+                </a:moveTo>
+                <a:lnTo>
+                  <a:pt x="209550" y="142875"/>
+                </a:lnTo>
+                <a:lnTo>
+                  <a:pt x="209550" y="47625"/>
+                </a:lnTo>
+                <a:lnTo>
+                  <a:pt x="57150" y="47625"/>
+                </a:lnTo>
+                <a:lnTo>
+                  <a:pt x="57150" y="142875"/>
+                </a:lnTo>
+                <a:close/>
+                <a:moveTo>
+                  <a:pt x="247650" y="28575"/>
+                </a:moveTo>
+                <a:cubicBezTo>
+                  <a:pt x="247650" y="23315"/>
+                  <a:pt x="243386" y="19050"/>
+                  <a:pt x="238125" y="19050"/>
+                </a:cubicBezTo>
+                <a:cubicBezTo>
+                  <a:pt x="232864" y="19050"/>
+                  <a:pt x="228600" y="23315"/>
+                  <a:pt x="228600" y="28575"/>
+                </a:cubicBezTo>
+                <a:lnTo>
+                  <a:pt x="228600" y="161925"/>
+                </a:lnTo>
+                <a:cubicBezTo>
+                  <a:pt x="228600" y="167186"/>
+                  <a:pt x="232864" y="171450"/>
+                  <a:pt x="238125" y="171450"/>
+                </a:cubicBezTo>
+                <a:cubicBezTo>
+                  <a:pt x="243386" y="171450"/>
+                  <a:pt x="247650" y="167186"/>
+                  <a:pt x="247650" y="161925"/>
+                </a:cubicBezTo>
+                <a:lnTo>
+                  <a:pt x="247650" y="28575"/>
+                </a:lnTo>
+                <a:close/>
+              </a:path>
+            </a:pathLst>
+          </a:custGeom>
+          <a:solidFill>
+            <a:srgbClr val="F3F3F5"/>
+          </a:solidFill>
+          <a:ln w="9525" cap="flat">
+            <a:noFill/>
+            <a:prstDash val="solid"/>
+            <a:miter/>
+          </a:ln>
+        </p:spPr>
+        <p:txBody>
+          <a:bodyPr rtlCol="0" anchor="ctr"/>
+          <a:lstStyle/>
+          <a:p>
+            <a:pPr marL="0" marR="0" lvl="0" indent="0" algn="l" defTabSz="914400" rtl="0" eaLnBrk="1" fontAlgn="auto" latinLnBrk="0" hangingPunct="1">
+              <a:lnSpc>
+                <a:spcPct val="100000"/>
+              </a:lnSpc>
+              <a:spcBef>
+                <a:spcPts val="0"/>
+              </a:spcBef>
+              <a:spcAft>
+                <a:spcPts val="0"/>
+              </a:spcAft>
+              <a:buClrTx/>
+              <a:buSzTx/>
+              <a:buFontTx/>
+              <a:buNone/>
+              <a:tabLst/>
+              <a:defRPr/>
+            </a:pPr>
+            <a:endParaRPr kumimoji="0" lang="en-US" sz="1800" b="0" i="0" u="none" strike="noStrike" kern="0" cap="none" spc="0" normalizeH="0" baseline="0" noProof="0">
+              <a:ln>
+                <a:noFill/>
+              </a:ln>
+              <a:solidFill>
+                <a:srgbClr val="2A446F"/>
+              </a:solidFill>
+              <a:effectLst/>
+              <a:uLnTx/>
+              <a:uFillTx/>
+              <a:latin typeface="Segoe UI"/>
+              <a:ea typeface="+mn-ea"/>
+              <a:cs typeface="+mn-cs"/>
+            </a:endParaRPr>
+          </a:p>
+        </p:txBody>
+      </p:sp>
+    </p:spTree>
+    <p:extLst>
+      <p:ext uri="{BB962C8B-B14F-4D97-AF65-F5344CB8AC3E}">
         <p14:creationId xmlns:p14="http://schemas.microsoft.com/office/powerpoint/2010/main" val="1358692268"/>
       </p:ext>
     </p:extLst>
@@ -11302,7 +12255,7 @@
 </p:sld>
 </file>
 
-<file path=ppt/slides/slide13.xml><?xml version="1.0" encoding="utf-8"?>
+<file path=ppt/slides/slide14.xml><?xml version="1.0" encoding="utf-8"?>
 <p:sld xmlns:a="http://schemas.openxmlformats.org/drawingml/2006/main" xmlns:r="http://schemas.openxmlformats.org/officeDocument/2006/relationships" xmlns:p="http://schemas.openxmlformats.org/presentationml/2006/main">
   <p:cSld>
     <p:spTree>
@@ -11540,7 +12493,7 @@
 </p:sld>
 </file>
 
-<file path=ppt/slides/slide14.xml><?xml version="1.0" encoding="utf-8"?>
+<file path=ppt/slides/slide15.xml><?xml version="1.0" encoding="utf-8"?>
 <p:sld xmlns:a="http://schemas.openxmlformats.org/drawingml/2006/main" xmlns:r="http://schemas.openxmlformats.org/officeDocument/2006/relationships" xmlns:p="http://schemas.openxmlformats.org/presentationml/2006/main">
   <p:cSld>
     <p:spTree>
@@ -16577,6 +17530,408 @@
       </p:grpSpPr>
       <p:sp>
         <p:nvSpPr>
+          <p:cNvPr id="2" name="Title 6">
+            <a:extLst>
+              <a:ext uri="{FF2B5EF4-FFF2-40B4-BE49-F238E27FC236}">
+                <a16:creationId xmlns:a16="http://schemas.microsoft.com/office/drawing/2014/main" id="{DAC7A57F-E25E-10F7-F17F-6AF8DCB06F3A}"/>
+              </a:ext>
+            </a:extLst>
+          </p:cNvPr>
+          <p:cNvSpPr txBox="1">
+            <a:spLocks/>
+          </p:cNvSpPr>
+          <p:nvPr/>
+        </p:nvSpPr>
+        <p:spPr>
+          <a:xfrm>
+            <a:off x="582613" y="758934"/>
+            <a:ext cx="11026774" cy="553998"/>
+          </a:xfrm>
+          <a:prstGeom prst="rect">
+            <a:avLst/>
+          </a:prstGeom>
+        </p:spPr>
+        <p:txBody>
+          <a:bodyPr vert="horz" wrap="square" lIns="0" tIns="0" rIns="0" bIns="0" rtlCol="0" anchor="t">
+            <a:spAutoFit/>
+          </a:bodyPr>
+          <a:lstStyle>
+            <a:lvl1pPr algn="ctr" defTabSz="932742" rtl="0" eaLnBrk="1" latinLnBrk="0" hangingPunct="1">
+              <a:lnSpc>
+                <a:spcPct val="100000"/>
+              </a:lnSpc>
+              <a:spcBef>
+                <a:spcPct val="0"/>
+              </a:spcBef>
+              <a:buNone/>
+              <a:defRPr lang="en-US" sz="3600" b="0" kern="1200" cap="none" spc="-50" baseline="0">
+                <a:ln w="3175">
+                  <a:noFill/>
+                </a:ln>
+                <a:solidFill>
+                  <a:schemeClr val="tx1"/>
+                </a:solidFill>
+                <a:effectLst/>
+                <a:latin typeface="+mj-lt"/>
+                <a:ea typeface="+mn-ea"/>
+                <a:cs typeface="Segoe UI" pitchFamily="34" charset="0"/>
+              </a:defRPr>
+            </a:lvl1pPr>
+          </a:lstStyle>
+          <a:p>
+            <a:pPr marL="0" marR="0" lvl="0" indent="0" algn="ctr" defTabSz="932742" rtl="0" eaLnBrk="1" fontAlgn="auto" latinLnBrk="0" hangingPunct="1">
+              <a:lnSpc>
+                <a:spcPct val="100000"/>
+              </a:lnSpc>
+              <a:spcBef>
+                <a:spcPct val="0"/>
+              </a:spcBef>
+              <a:spcAft>
+                <a:spcPts val="0"/>
+              </a:spcAft>
+              <a:buClrTx/>
+              <a:buSzTx/>
+              <a:buFontTx/>
+              <a:buNone/>
+              <a:tabLst/>
+              <a:defRPr/>
+            </a:pPr>
+            <a:r>
+              <a:rPr kumimoji="0" lang="en-IE" sz="3600" b="0" i="0" u="none" strike="noStrike" kern="1200" cap="none" spc="-50" normalizeH="0" baseline="0" noProof="0" dirty="0">
+                <a:ln w="3175">
+                  <a:noFill/>
+                </a:ln>
+                <a:solidFill>
+                  <a:srgbClr val="117865"/>
+                </a:solidFill>
+                <a:effectLst/>
+                <a:uLnTx/>
+                <a:uFillTx/>
+                <a:latin typeface="Segoe UI Semibold"/>
+                <a:ea typeface="+mn-ea"/>
+                <a:cs typeface="Segoe UI" pitchFamily="34" charset="0"/>
+              </a:rPr>
+              <a:t>NYC Dataset</a:t>
+            </a:r>
+            <a:endParaRPr kumimoji="0" lang="en-US" sz="3600" b="0" i="0" u="none" strike="noStrike" kern="1200" cap="none" spc="-50" normalizeH="0" baseline="0" noProof="0" dirty="0">
+              <a:ln w="3175">
+                <a:noFill/>
+              </a:ln>
+              <a:solidFill>
+                <a:srgbClr val="117865"/>
+              </a:solidFill>
+              <a:effectLst/>
+              <a:uLnTx/>
+              <a:uFillTx/>
+              <a:latin typeface="Segoe UI Semibold"/>
+              <a:ea typeface="+mn-ea"/>
+              <a:cs typeface="Segoe UI" pitchFamily="34" charset="0"/>
+            </a:endParaRPr>
+          </a:p>
+        </p:txBody>
+      </p:sp>
+      <p:sp>
+        <p:nvSpPr>
+          <p:cNvPr id="4" name="TextBox 3">
+            <a:extLst>
+              <a:ext uri="{FF2B5EF4-FFF2-40B4-BE49-F238E27FC236}">
+                <a16:creationId xmlns:a16="http://schemas.microsoft.com/office/drawing/2014/main" id="{AE27EC1E-3594-F475-D3B5-713F1180040E}"/>
+              </a:ext>
+            </a:extLst>
+          </p:cNvPr>
+          <p:cNvSpPr txBox="1"/>
+          <p:nvPr/>
+        </p:nvSpPr>
+        <p:spPr>
+          <a:xfrm>
+            <a:off x="582613" y="1757464"/>
+            <a:ext cx="8846732" cy="4924425"/>
+          </a:xfrm>
+          <a:prstGeom prst="rect">
+            <a:avLst/>
+          </a:prstGeom>
+          <a:noFill/>
+        </p:spPr>
+        <p:txBody>
+          <a:bodyPr wrap="square" lIns="0" tIns="0" rIns="0" bIns="0" rtlCol="0">
+            <a:spAutoFit/>
+          </a:bodyPr>
+          <a:lstStyle/>
+          <a:p>
+            <a:pPr algn="l"/>
+            <a:r>
+              <a:rPr lang="en-GB" sz="2000" b="0" i="0" dirty="0">
+                <a:solidFill>
+                  <a:srgbClr val="333333"/>
+                </a:solidFill>
+                <a:effectLst/>
+                <a:latin typeface="Helvetica Neue"/>
+              </a:rPr>
+              <a:t>Yellow and green taxi trip records, captured from 2009 onwards by NYC Taxi and Limousine Commission </a:t>
+            </a:r>
+          </a:p>
+          <a:p>
+            <a:pPr algn="l"/>
+            <a:endParaRPr lang="en-GB" sz="2000" b="0" i="0" dirty="0">
+              <a:solidFill>
+                <a:srgbClr val="333333"/>
+              </a:solidFill>
+              <a:effectLst/>
+              <a:latin typeface="Helvetica Neue"/>
+            </a:endParaRPr>
+          </a:p>
+          <a:p>
+            <a:pPr algn="l"/>
+            <a:r>
+              <a:rPr lang="en-GB" sz="2000" b="1" i="0" dirty="0">
+                <a:solidFill>
+                  <a:srgbClr val="333333"/>
+                </a:solidFill>
+                <a:effectLst/>
+                <a:latin typeface="Helvetica Neue"/>
+              </a:rPr>
+              <a:t>Fields</a:t>
+            </a:r>
+            <a:r>
+              <a:rPr lang="en-GB" sz="2000" b="0" i="0" dirty="0">
+                <a:solidFill>
+                  <a:srgbClr val="333333"/>
+                </a:solidFill>
+                <a:effectLst/>
+                <a:latin typeface="Helvetica Neue"/>
+              </a:rPr>
+              <a:t>:</a:t>
+            </a:r>
+          </a:p>
+          <a:p>
+            <a:pPr marL="342900" indent="-342900" algn="l">
+              <a:buFont typeface="Arial" panose="020B0604020202020204" pitchFamily="34" charset="0"/>
+              <a:buChar char="•"/>
+            </a:pPr>
+            <a:r>
+              <a:rPr lang="en-GB" sz="2000" b="0" i="0" dirty="0">
+                <a:solidFill>
+                  <a:srgbClr val="333333"/>
+                </a:solidFill>
+                <a:effectLst/>
+                <a:latin typeface="Helvetica Neue"/>
+              </a:rPr>
+              <a:t>pick-up and drop-off dates/times, </a:t>
+            </a:r>
+          </a:p>
+          <a:p>
+            <a:pPr marL="342900" indent="-342900" algn="l">
+              <a:buFont typeface="Arial" panose="020B0604020202020204" pitchFamily="34" charset="0"/>
+              <a:buChar char="•"/>
+            </a:pPr>
+            <a:r>
+              <a:rPr lang="en-GB" sz="2000" b="0" i="0" dirty="0">
+                <a:solidFill>
+                  <a:srgbClr val="333333"/>
+                </a:solidFill>
+                <a:effectLst/>
+                <a:latin typeface="Helvetica Neue"/>
+              </a:rPr>
+              <a:t>pick-up and drop-off locations, </a:t>
+            </a:r>
+          </a:p>
+          <a:p>
+            <a:pPr marL="342900" indent="-342900" algn="l">
+              <a:buFont typeface="Arial" panose="020B0604020202020204" pitchFamily="34" charset="0"/>
+              <a:buChar char="•"/>
+            </a:pPr>
+            <a:r>
+              <a:rPr lang="en-GB" sz="2000" b="0" i="0" dirty="0">
+                <a:solidFill>
+                  <a:srgbClr val="333333"/>
+                </a:solidFill>
+                <a:effectLst/>
+                <a:latin typeface="Helvetica Neue"/>
+              </a:rPr>
+              <a:t>trip distances, </a:t>
+            </a:r>
+          </a:p>
+          <a:p>
+            <a:pPr marL="342900" indent="-342900" algn="l">
+              <a:buFont typeface="Arial" panose="020B0604020202020204" pitchFamily="34" charset="0"/>
+              <a:buChar char="•"/>
+            </a:pPr>
+            <a:r>
+              <a:rPr lang="en-GB" sz="2000" b="0" i="0" dirty="0">
+                <a:solidFill>
+                  <a:srgbClr val="333333"/>
+                </a:solidFill>
+                <a:effectLst/>
+                <a:latin typeface="Helvetica Neue"/>
+              </a:rPr>
+              <a:t>itemized fares, </a:t>
+            </a:r>
+          </a:p>
+          <a:p>
+            <a:pPr marL="342900" indent="-342900" algn="l">
+              <a:buFont typeface="Arial" panose="020B0604020202020204" pitchFamily="34" charset="0"/>
+              <a:buChar char="•"/>
+            </a:pPr>
+            <a:r>
+              <a:rPr lang="en-GB" sz="2000" b="0" i="0" dirty="0">
+                <a:solidFill>
+                  <a:srgbClr val="333333"/>
+                </a:solidFill>
+                <a:effectLst/>
+                <a:latin typeface="Helvetica Neue"/>
+              </a:rPr>
+              <a:t>rate types, </a:t>
+            </a:r>
+          </a:p>
+          <a:p>
+            <a:pPr marL="342900" indent="-342900" algn="l">
+              <a:buFont typeface="Arial" panose="020B0604020202020204" pitchFamily="34" charset="0"/>
+              <a:buChar char="•"/>
+            </a:pPr>
+            <a:r>
+              <a:rPr lang="en-GB" sz="2000" b="0" i="0" dirty="0">
+                <a:solidFill>
+                  <a:srgbClr val="333333"/>
+                </a:solidFill>
+                <a:effectLst/>
+                <a:latin typeface="Helvetica Neue"/>
+              </a:rPr>
+              <a:t>payment types, </a:t>
+            </a:r>
+          </a:p>
+          <a:p>
+            <a:pPr marL="342900" indent="-342900" algn="l">
+              <a:buFont typeface="Arial" panose="020B0604020202020204" pitchFamily="34" charset="0"/>
+              <a:buChar char="•"/>
+            </a:pPr>
+            <a:r>
+              <a:rPr lang="en-GB" sz="2000" b="0" i="0">
+                <a:solidFill>
+                  <a:srgbClr val="333333"/>
+                </a:solidFill>
+                <a:effectLst/>
+                <a:latin typeface="Helvetica Neue"/>
+              </a:rPr>
+              <a:t>driver-reported </a:t>
+            </a:r>
+            <a:r>
+              <a:rPr lang="en-GB" sz="2000" b="0" i="0" dirty="0">
+                <a:solidFill>
+                  <a:srgbClr val="333333"/>
+                </a:solidFill>
+                <a:effectLst/>
+                <a:latin typeface="Helvetica Neue"/>
+              </a:rPr>
+              <a:t>passenger counts. </a:t>
+            </a:r>
+          </a:p>
+          <a:p>
+            <a:pPr marL="342900" indent="-342900" algn="l">
+              <a:buFont typeface="Arial" panose="020B0604020202020204" pitchFamily="34" charset="0"/>
+              <a:buChar char="•"/>
+            </a:pPr>
+            <a:endParaRPr lang="en-GB" sz="2000" dirty="0">
+              <a:solidFill>
+                <a:srgbClr val="333333"/>
+              </a:solidFill>
+              <a:latin typeface="Helvetica Neue"/>
+            </a:endParaRPr>
+          </a:p>
+          <a:p>
+            <a:pPr algn="l"/>
+            <a:r>
+              <a:rPr lang="en-GB" sz="2000" b="1" dirty="0">
+                <a:solidFill>
+                  <a:srgbClr val="333333"/>
+                </a:solidFill>
+                <a:latin typeface="Helvetica Neue"/>
+              </a:rPr>
+              <a:t>Sizing</a:t>
+            </a:r>
+            <a:r>
+              <a:rPr lang="en-GB" sz="2000" dirty="0">
+                <a:solidFill>
+                  <a:srgbClr val="333333"/>
+                </a:solidFill>
+                <a:latin typeface="Helvetica Neue"/>
+              </a:rPr>
+              <a:t>: </a:t>
+            </a:r>
+          </a:p>
+          <a:p>
+            <a:pPr marL="342900" indent="-342900" algn="l">
+              <a:buFont typeface="Arial" panose="020B0604020202020204" pitchFamily="34" charset="0"/>
+              <a:buChar char="•"/>
+            </a:pPr>
+            <a:r>
+              <a:rPr lang="en-GB" sz="2000" dirty="0">
+                <a:solidFill>
+                  <a:srgbClr val="333333"/>
+                </a:solidFill>
+                <a:latin typeface="Helvetica Neue"/>
+              </a:rPr>
+              <a:t>Bronze: 105Gb in Size</a:t>
+            </a:r>
+          </a:p>
+          <a:p>
+            <a:pPr marL="342900" indent="-342900" algn="l">
+              <a:buFont typeface="Arial" panose="020B0604020202020204" pitchFamily="34" charset="0"/>
+              <a:buChar char="•"/>
+            </a:pPr>
+            <a:r>
+              <a:rPr lang="en-GB" sz="2000" dirty="0">
+                <a:solidFill>
+                  <a:srgbClr val="333333"/>
+                </a:solidFill>
+                <a:latin typeface="Helvetica Neue"/>
+              </a:rPr>
+              <a:t>Gold: 25 Gb (*) </a:t>
+            </a:r>
+          </a:p>
+          <a:p>
+            <a:pPr marL="342900" indent="-342900" algn="l">
+              <a:buFont typeface="Arial" panose="020B0604020202020204" pitchFamily="34" charset="0"/>
+              <a:buChar char="•"/>
+            </a:pPr>
+            <a:endParaRPr lang="en-IE" sz="2000" dirty="0" err="1"/>
+          </a:p>
+        </p:txBody>
+      </p:sp>
+    </p:spTree>
+    <p:extLst>
+      <p:ext uri="{BB962C8B-B14F-4D97-AF65-F5344CB8AC3E}">
+        <p14:creationId xmlns:p14="http://schemas.microsoft.com/office/powerpoint/2010/main" val="1692471857"/>
+      </p:ext>
+    </p:extLst>
+  </p:cSld>
+  <p:clrMapOvr>
+    <a:masterClrMapping/>
+  </p:clrMapOvr>
+  <p:transition>
+    <p:fade/>
+  </p:transition>
+</p:sld>
+</file>
+
+<file path=ppt/slides/slide8.xml><?xml version="1.0" encoding="utf-8"?>
+<p:sld xmlns:a="http://schemas.openxmlformats.org/drawingml/2006/main" xmlns:r="http://schemas.openxmlformats.org/officeDocument/2006/relationships" xmlns:p="http://schemas.openxmlformats.org/presentationml/2006/main">
+  <p:cSld>
+    <p:spTree>
+      <p:nvGrpSpPr>
+        <p:cNvPr id="1" name=""/>
+        <p:cNvGrpSpPr/>
+        <p:nvPr/>
+      </p:nvGrpSpPr>
+      <p:grpSpPr>
+        <a:xfrm>
+          <a:off x="0" y="0"/>
+          <a:ext cx="0" cy="0"/>
+          <a:chOff x="0" y="0"/>
+          <a:chExt cx="0" cy="0"/>
+        </a:xfrm>
+      </p:grpSpPr>
+      <p:sp>
+        <p:nvSpPr>
           <p:cNvPr id="5" name="Text Placeholder 2">
             <a:extLst>
               <a:ext uri="{FF2B5EF4-FFF2-40B4-BE49-F238E27FC236}">
@@ -17280,7 +18635,7 @@
 </p:sld>
 </file>
 
-<file path=ppt/slides/slide8.xml><?xml version="1.0" encoding="utf-8"?>
+<file path=ppt/slides/slide9.xml><?xml version="1.0" encoding="utf-8"?>
 <p:sld xmlns:a="http://schemas.openxmlformats.org/drawingml/2006/main" xmlns:r="http://schemas.openxmlformats.org/officeDocument/2006/relationships" xmlns:p="http://schemas.openxmlformats.org/presentationml/2006/main">
   <p:cSld>
     <p:spTree>
@@ -17350,754 +18705,6 @@
   <p:transition>
     <p:fade/>
   </p:transition>
-</p:sld>
-</file>
-
-<file path=ppt/slides/slide9.xml><?xml version="1.0" encoding="utf-8"?>
-<p:sld xmlns:a="http://schemas.openxmlformats.org/drawingml/2006/main" xmlns:r="http://schemas.openxmlformats.org/officeDocument/2006/relationships" xmlns:p="http://schemas.openxmlformats.org/presentationml/2006/main">
-  <p:cSld>
-    <p:spTree>
-      <p:nvGrpSpPr>
-        <p:cNvPr id="1" name=""/>
-        <p:cNvGrpSpPr/>
-        <p:nvPr/>
-      </p:nvGrpSpPr>
-      <p:grpSpPr>
-        <a:xfrm>
-          <a:off x="0" y="0"/>
-          <a:ext cx="0" cy="0"/>
-          <a:chOff x="0" y="0"/>
-          <a:chExt cx="0" cy="0"/>
-        </a:xfrm>
-      </p:grpSpPr>
-      <p:sp>
-        <p:nvSpPr>
-          <p:cNvPr id="5" name="Text Placeholder 2">
-            <a:extLst>
-              <a:ext uri="{FF2B5EF4-FFF2-40B4-BE49-F238E27FC236}">
-                <a16:creationId xmlns:a16="http://schemas.microsoft.com/office/drawing/2014/main" id="{4B551E36-B27B-38F1-A41A-505E5B30E8C1}"/>
-              </a:ext>
-            </a:extLst>
-          </p:cNvPr>
-          <p:cNvSpPr txBox="1">
-            <a:spLocks/>
-          </p:cNvSpPr>
-          <p:nvPr/>
-        </p:nvSpPr>
-        <p:spPr>
-          <a:xfrm>
-            <a:off x="1838885" y="3248822"/>
-            <a:ext cx="5201536" cy="369332"/>
-          </a:xfrm>
-          <a:prstGeom prst="rect">
-            <a:avLst/>
-          </a:prstGeom>
-        </p:spPr>
-        <p:txBody>
-          <a:bodyPr vert="horz" wrap="square" lIns="0" tIns="0" rIns="0" bIns="0" rtlCol="0">
-            <a:spAutoFit/>
-          </a:bodyPr>
-          <a:lstStyle>
-            <a:lvl1pPr marL="0" marR="0" indent="0" algn="l" defTabSz="932742" rtl="0" eaLnBrk="1" fontAlgn="auto" latinLnBrk="0" hangingPunct="1">
-              <a:lnSpc>
-                <a:spcPct val="100000"/>
-              </a:lnSpc>
-              <a:spcBef>
-                <a:spcPct val="20000"/>
-              </a:spcBef>
-              <a:spcAft>
-                <a:spcPts val="0"/>
-              </a:spcAft>
-              <a:buClrTx/>
-              <a:buSzPct val="90000"/>
-              <a:buFont typeface="Wingdings" panose="05000000000000000000" pitchFamily="2" charset="2"/>
-              <a:buNone/>
-              <a:tabLst/>
-              <a:defRPr sz="2400" kern="1200" spc="0" baseline="0">
-                <a:solidFill>
-                  <a:srgbClr val="000000"/>
-                </a:solidFill>
-                <a:latin typeface="+mj-lt"/>
-                <a:ea typeface="+mn-ea"/>
-                <a:cs typeface="Segoe UI" panose="020B0502040204020203" pitchFamily="34" charset="0"/>
-              </a:defRPr>
-            </a:lvl1pPr>
-            <a:lvl2pPr marL="228600" marR="0" indent="0" algn="l" defTabSz="932742" rtl="0" eaLnBrk="1" fontAlgn="auto" latinLnBrk="0" hangingPunct="1">
-              <a:lnSpc>
-                <a:spcPct val="100000"/>
-              </a:lnSpc>
-              <a:spcBef>
-                <a:spcPct val="20000"/>
-              </a:spcBef>
-              <a:spcAft>
-                <a:spcPts val="0"/>
-              </a:spcAft>
-              <a:buClrTx/>
-              <a:buSzPct val="90000"/>
-              <a:buFont typeface="Wingdings" panose="05000000000000000000" pitchFamily="2" charset="2"/>
-              <a:buNone/>
-              <a:tabLst/>
-              <a:defRPr sz="2000" kern="1200" spc="0" baseline="0">
-                <a:solidFill>
-                  <a:srgbClr val="000000"/>
-                </a:solidFill>
-                <a:latin typeface="+mn-lt"/>
-                <a:ea typeface="+mn-ea"/>
-                <a:cs typeface="+mn-cs"/>
-              </a:defRPr>
-            </a:lvl2pPr>
-            <a:lvl3pPr marL="457200" marR="0" indent="0" algn="l" defTabSz="932742" rtl="0" eaLnBrk="1" fontAlgn="auto" latinLnBrk="0" hangingPunct="1">
-              <a:lnSpc>
-                <a:spcPct val="100000"/>
-              </a:lnSpc>
-              <a:spcBef>
-                <a:spcPct val="20000"/>
-              </a:spcBef>
-              <a:spcAft>
-                <a:spcPts val="0"/>
-              </a:spcAft>
-              <a:buClrTx/>
-              <a:buSzPct val="90000"/>
-              <a:buFont typeface="Wingdings" panose="05000000000000000000" pitchFamily="2" charset="2"/>
-              <a:buNone/>
-              <a:tabLst/>
-              <a:defRPr sz="1600" kern="1200" spc="0" baseline="0">
-                <a:solidFill>
-                  <a:srgbClr val="000000"/>
-                </a:solidFill>
-                <a:latin typeface="+mn-lt"/>
-                <a:ea typeface="+mn-ea"/>
-                <a:cs typeface="+mn-cs"/>
-              </a:defRPr>
-            </a:lvl3pPr>
-            <a:lvl4pPr marL="661988" marR="0" indent="0" algn="l" defTabSz="932742" rtl="0" eaLnBrk="1" fontAlgn="auto" latinLnBrk="0" hangingPunct="1">
-              <a:lnSpc>
-                <a:spcPct val="100000"/>
-              </a:lnSpc>
-              <a:spcBef>
-                <a:spcPct val="20000"/>
-              </a:spcBef>
-              <a:spcAft>
-                <a:spcPts val="0"/>
-              </a:spcAft>
-              <a:buClrTx/>
-              <a:buSzPct val="90000"/>
-              <a:buFont typeface="Wingdings" panose="05000000000000000000" pitchFamily="2" charset="2"/>
-              <a:buNone/>
-              <a:tabLst/>
-              <a:defRPr sz="1400" kern="1200" spc="0" baseline="0">
-                <a:solidFill>
-                  <a:srgbClr val="000000"/>
-                </a:solidFill>
-                <a:latin typeface="+mn-lt"/>
-                <a:ea typeface="+mn-ea"/>
-                <a:cs typeface="+mn-cs"/>
-              </a:defRPr>
-            </a:lvl4pPr>
-            <a:lvl5pPr marL="855663" marR="0" indent="0" algn="l" defTabSz="932742" rtl="0" eaLnBrk="1" fontAlgn="auto" latinLnBrk="0" hangingPunct="1">
-              <a:lnSpc>
-                <a:spcPct val="100000"/>
-              </a:lnSpc>
-              <a:spcBef>
-                <a:spcPct val="20000"/>
-              </a:spcBef>
-              <a:spcAft>
-                <a:spcPts val="0"/>
-              </a:spcAft>
-              <a:buClrTx/>
-              <a:buSzPct val="90000"/>
-              <a:buFont typeface="Wingdings" panose="05000000000000000000" pitchFamily="2" charset="2"/>
-              <a:buNone/>
-              <a:tabLst/>
-              <a:defRPr sz="1400" kern="1200" spc="0" baseline="0">
-                <a:solidFill>
-                  <a:srgbClr val="000000"/>
-                </a:solidFill>
-                <a:latin typeface="+mn-lt"/>
-                <a:ea typeface="+mn-ea"/>
-                <a:cs typeface="+mn-cs"/>
-              </a:defRPr>
-            </a:lvl5pPr>
-            <a:lvl6pPr marL="2565040" indent="-233186" algn="l" defTabSz="932742" rtl="0" eaLnBrk="1" latinLnBrk="0" hangingPunct="1">
-              <a:spcBef>
-                <a:spcPct val="20000"/>
-              </a:spcBef>
-              <a:buFont typeface="Arial" pitchFamily="34" charset="0"/>
-              <a:buChar char="•"/>
-              <a:defRPr sz="2000" kern="1200">
-                <a:solidFill>
-                  <a:schemeClr val="tx1"/>
-                </a:solidFill>
-                <a:latin typeface="+mn-lt"/>
-                <a:ea typeface="+mn-ea"/>
-                <a:cs typeface="+mn-cs"/>
-              </a:defRPr>
-            </a:lvl6pPr>
-            <a:lvl7pPr marL="3031412" indent="-233186" algn="l" defTabSz="932742" rtl="0" eaLnBrk="1" latinLnBrk="0" hangingPunct="1">
-              <a:spcBef>
-                <a:spcPct val="20000"/>
-              </a:spcBef>
-              <a:buFont typeface="Arial" pitchFamily="34" charset="0"/>
-              <a:buChar char="•"/>
-              <a:defRPr sz="2000" kern="1200">
-                <a:solidFill>
-                  <a:schemeClr val="tx1"/>
-                </a:solidFill>
-                <a:latin typeface="+mn-lt"/>
-                <a:ea typeface="+mn-ea"/>
-                <a:cs typeface="+mn-cs"/>
-              </a:defRPr>
-            </a:lvl7pPr>
-            <a:lvl8pPr marL="3497783" indent="-233186" algn="l" defTabSz="932742" rtl="0" eaLnBrk="1" latinLnBrk="0" hangingPunct="1">
-              <a:spcBef>
-                <a:spcPct val="20000"/>
-              </a:spcBef>
-              <a:buFont typeface="Arial" pitchFamily="34" charset="0"/>
-              <a:buChar char="•"/>
-              <a:defRPr sz="2000" kern="1200">
-                <a:solidFill>
-                  <a:schemeClr val="tx1"/>
-                </a:solidFill>
-                <a:latin typeface="+mn-lt"/>
-                <a:ea typeface="+mn-ea"/>
-                <a:cs typeface="+mn-cs"/>
-              </a:defRPr>
-            </a:lvl8pPr>
-            <a:lvl9pPr marL="3964155" indent="-233186" algn="l" defTabSz="932742" rtl="0" eaLnBrk="1" latinLnBrk="0" hangingPunct="1">
-              <a:spcBef>
-                <a:spcPct val="20000"/>
-              </a:spcBef>
-              <a:buFont typeface="Arial" pitchFamily="34" charset="0"/>
-              <a:buChar char="•"/>
-              <a:defRPr sz="2000" kern="1200">
-                <a:solidFill>
-                  <a:schemeClr val="tx1"/>
-                </a:solidFill>
-                <a:latin typeface="+mn-lt"/>
-                <a:ea typeface="+mn-ea"/>
-                <a:cs typeface="+mn-cs"/>
-              </a:defRPr>
-            </a:lvl9pPr>
-          </a:lstStyle>
-          <a:p>
-            <a:pPr marL="0" marR="0" lvl="0" indent="0" algn="l" defTabSz="932742" rtl="0" eaLnBrk="1" fontAlgn="auto" latinLnBrk="0" hangingPunct="1">
-              <a:lnSpc>
-                <a:spcPct val="100000"/>
-              </a:lnSpc>
-              <a:spcBef>
-                <a:spcPct val="20000"/>
-              </a:spcBef>
-              <a:spcAft>
-                <a:spcPts val="0"/>
-              </a:spcAft>
-              <a:buClrTx/>
-              <a:buSzPct val="90000"/>
-              <a:buFont typeface="Wingdings" panose="05000000000000000000" pitchFamily="2" charset="2"/>
-              <a:buNone/>
-              <a:tabLst/>
-              <a:defRPr/>
-            </a:pPr>
-            <a:r>
-              <a:rPr kumimoji="0" lang="en-US" sz="2400" b="0" i="0" u="none" strike="noStrike" kern="1200" cap="none" spc="0" normalizeH="0" baseline="0" noProof="0" dirty="0">
-                <a:ln>
-                  <a:noFill/>
-                </a:ln>
-                <a:solidFill>
-                  <a:srgbClr val="000000"/>
-                </a:solidFill>
-                <a:effectLst/>
-                <a:uLnTx/>
-                <a:uFillTx/>
-                <a:latin typeface="Segoe UI Semibold"/>
-                <a:ea typeface="+mn-ea"/>
-                <a:cs typeface="Segoe UI" panose="020B0502040204020203" pitchFamily="34" charset="0"/>
-              </a:rPr>
-              <a:t>Enable Fabric</a:t>
-            </a:r>
-          </a:p>
-        </p:txBody>
-      </p:sp>
-      <p:sp>
-        <p:nvSpPr>
-          <p:cNvPr id="6" name="Oval 5">
-            <a:extLst>
-              <a:ext uri="{FF2B5EF4-FFF2-40B4-BE49-F238E27FC236}">
-                <a16:creationId xmlns:a16="http://schemas.microsoft.com/office/drawing/2014/main" id="{7CECCC3E-5BCE-F7DE-77F1-F58F21F2B42E}"/>
-              </a:ext>
-            </a:extLst>
-          </p:cNvPr>
-          <p:cNvSpPr/>
-          <p:nvPr/>
-        </p:nvSpPr>
-        <p:spPr bwMode="auto">
-          <a:xfrm>
-            <a:off x="584200" y="2954316"/>
-            <a:ext cx="958377" cy="958377"/>
-          </a:xfrm>
-          <a:prstGeom prst="ellipse">
-            <a:avLst/>
-          </a:prstGeom>
-          <a:gradFill>
-            <a:gsLst>
-              <a:gs pos="60000">
-                <a:srgbClr val="038C76"/>
-              </a:gs>
-              <a:gs pos="0">
-                <a:srgbClr val="117865">
-                  <a:shade val="67500"/>
-                  <a:satMod val="115000"/>
-                </a:srgbClr>
-              </a:gs>
-              <a:gs pos="100000">
-                <a:srgbClr val="00AE94"/>
-              </a:gs>
-            </a:gsLst>
-            <a:lin ang="18900000" scaled="1"/>
-          </a:gradFill>
-          <a:ln w="9525" cap="flat" cmpd="sng" algn="ctr">
-            <a:noFill/>
-            <a:prstDash val="solid"/>
-            <a:headEnd type="none" w="med" len="med"/>
-            <a:tailEnd type="none" w="med" len="med"/>
-          </a:ln>
-          <a:effectLst>
-            <a:outerShdw blurRad="203200" dist="38100" dir="2700000" algn="tl" rotWithShape="0">
-              <a:prstClr val="black">
-                <a:alpha val="20000"/>
-              </a:prstClr>
-            </a:outerShdw>
-          </a:effectLst>
-        </p:spPr>
-        <p:txBody>
-          <a:bodyPr rot="0" spcFirstLastPara="0" vertOverflow="overflow" horzOverflow="overflow" vert="horz" wrap="square" lIns="182880" tIns="146304" rIns="182880" bIns="146304" numCol="1" spcCol="0" rtlCol="0" fromWordArt="0" anchor="t" anchorCtr="0" forceAA="0" compatLnSpc="1">
-            <a:prstTxWarp prst="textNoShape">
-              <a:avLst/>
-            </a:prstTxWarp>
-            <a:noAutofit/>
-          </a:bodyPr>
-          <a:lstStyle/>
-          <a:p>
-            <a:pPr marL="0" marR="0" lvl="0" indent="0" algn="l" defTabSz="932472" rtl="0" eaLnBrk="1" fontAlgn="base" latinLnBrk="0" hangingPunct="1">
-              <a:lnSpc>
-                <a:spcPct val="100000"/>
-              </a:lnSpc>
-              <a:spcBef>
-                <a:spcPct val="0"/>
-              </a:spcBef>
-              <a:spcAft>
-                <a:spcPct val="0"/>
-              </a:spcAft>
-              <a:buClrTx/>
-              <a:buSzTx/>
-              <a:buFontTx/>
-              <a:buNone/>
-              <a:tabLst/>
-              <a:defRPr/>
-            </a:pPr>
-            <a:endParaRPr kumimoji="0" lang="en-US" sz="2000" b="0" i="0" u="none" strike="noStrike" kern="0" cap="none" spc="0" normalizeH="0" baseline="0" noProof="0">
-              <a:ln>
-                <a:noFill/>
-              </a:ln>
-              <a:solidFill>
-                <a:srgbClr val="FFFFFF"/>
-              </a:solidFill>
-              <a:effectLst/>
-              <a:uLnTx/>
-              <a:uFillTx/>
-              <a:latin typeface="Segoe UI"/>
-              <a:ea typeface="Segoe UI" pitchFamily="34" charset="0"/>
-              <a:cs typeface="Segoe UI" pitchFamily="34" charset="0"/>
-            </a:endParaRPr>
-          </a:p>
-        </p:txBody>
-      </p:sp>
-      <p:sp>
-        <p:nvSpPr>
-          <p:cNvPr id="7" name="Graphic 27">
-            <a:extLst>
-              <a:ext uri="{FF2B5EF4-FFF2-40B4-BE49-F238E27FC236}">
-                <a16:creationId xmlns:a16="http://schemas.microsoft.com/office/drawing/2014/main" id="{E57B9E8A-E662-3E65-0D72-255E803971EA}"/>
-              </a:ext>
-            </a:extLst>
-          </p:cNvPr>
-          <p:cNvSpPr/>
-          <p:nvPr/>
-        </p:nvSpPr>
-        <p:spPr>
-          <a:xfrm>
-            <a:off x="864978" y="3326772"/>
-            <a:ext cx="411149" cy="301920"/>
-          </a:xfrm>
-          <a:custGeom>
-            <a:avLst/>
-            <a:gdLst>
-              <a:gd name="connsiteX0" fmla="*/ 0 w 266700"/>
-              <a:gd name="connsiteY0" fmla="*/ 28575 h 190500"/>
-              <a:gd name="connsiteX1" fmla="*/ 28575 w 266700"/>
-              <a:gd name="connsiteY1" fmla="*/ 0 h 190500"/>
-              <a:gd name="connsiteX2" fmla="*/ 57150 w 266700"/>
-              <a:gd name="connsiteY2" fmla="*/ 28575 h 190500"/>
-              <a:gd name="connsiteX3" fmla="*/ 209550 w 266700"/>
-              <a:gd name="connsiteY3" fmla="*/ 28575 h 190500"/>
-              <a:gd name="connsiteX4" fmla="*/ 238125 w 266700"/>
-              <a:gd name="connsiteY4" fmla="*/ 0 h 190500"/>
-              <a:gd name="connsiteX5" fmla="*/ 266700 w 266700"/>
-              <a:gd name="connsiteY5" fmla="*/ 28575 h 190500"/>
-              <a:gd name="connsiteX6" fmla="*/ 266700 w 266700"/>
-              <a:gd name="connsiteY6" fmla="*/ 161925 h 190500"/>
-              <a:gd name="connsiteX7" fmla="*/ 238125 w 266700"/>
-              <a:gd name="connsiteY7" fmla="*/ 190500 h 190500"/>
-              <a:gd name="connsiteX8" fmla="*/ 209550 w 266700"/>
-              <a:gd name="connsiteY8" fmla="*/ 161925 h 190500"/>
-              <a:gd name="connsiteX9" fmla="*/ 57150 w 266700"/>
-              <a:gd name="connsiteY9" fmla="*/ 161925 h 190500"/>
-              <a:gd name="connsiteX10" fmla="*/ 28575 w 266700"/>
-              <a:gd name="connsiteY10" fmla="*/ 190500 h 190500"/>
-              <a:gd name="connsiteX11" fmla="*/ 0 w 266700"/>
-              <a:gd name="connsiteY11" fmla="*/ 161925 h 190500"/>
-              <a:gd name="connsiteX12" fmla="*/ 0 w 266700"/>
-              <a:gd name="connsiteY12" fmla="*/ 28575 h 190500"/>
-              <a:gd name="connsiteX13" fmla="*/ 38100 w 266700"/>
-              <a:gd name="connsiteY13" fmla="*/ 28575 h 190500"/>
-              <a:gd name="connsiteX14" fmla="*/ 28575 w 266700"/>
-              <a:gd name="connsiteY14" fmla="*/ 19050 h 190500"/>
-              <a:gd name="connsiteX15" fmla="*/ 19050 w 266700"/>
-              <a:gd name="connsiteY15" fmla="*/ 28575 h 190500"/>
-              <a:gd name="connsiteX16" fmla="*/ 19050 w 266700"/>
-              <a:gd name="connsiteY16" fmla="*/ 161925 h 190500"/>
-              <a:gd name="connsiteX17" fmla="*/ 28575 w 266700"/>
-              <a:gd name="connsiteY17" fmla="*/ 171450 h 190500"/>
-              <a:gd name="connsiteX18" fmla="*/ 38100 w 266700"/>
-              <a:gd name="connsiteY18" fmla="*/ 161925 h 190500"/>
-              <a:gd name="connsiteX19" fmla="*/ 38100 w 266700"/>
-              <a:gd name="connsiteY19" fmla="*/ 28575 h 190500"/>
-              <a:gd name="connsiteX20" fmla="*/ 57150 w 266700"/>
-              <a:gd name="connsiteY20" fmla="*/ 142875 h 190500"/>
-              <a:gd name="connsiteX21" fmla="*/ 209550 w 266700"/>
-              <a:gd name="connsiteY21" fmla="*/ 142875 h 190500"/>
-              <a:gd name="connsiteX22" fmla="*/ 209550 w 266700"/>
-              <a:gd name="connsiteY22" fmla="*/ 47625 h 190500"/>
-              <a:gd name="connsiteX23" fmla="*/ 57150 w 266700"/>
-              <a:gd name="connsiteY23" fmla="*/ 47625 h 190500"/>
-              <a:gd name="connsiteX24" fmla="*/ 57150 w 266700"/>
-              <a:gd name="connsiteY24" fmla="*/ 142875 h 190500"/>
-              <a:gd name="connsiteX25" fmla="*/ 247650 w 266700"/>
-              <a:gd name="connsiteY25" fmla="*/ 28575 h 190500"/>
-              <a:gd name="connsiteX26" fmla="*/ 238125 w 266700"/>
-              <a:gd name="connsiteY26" fmla="*/ 19050 h 190500"/>
-              <a:gd name="connsiteX27" fmla="*/ 228600 w 266700"/>
-              <a:gd name="connsiteY27" fmla="*/ 28575 h 190500"/>
-              <a:gd name="connsiteX28" fmla="*/ 228600 w 266700"/>
-              <a:gd name="connsiteY28" fmla="*/ 161925 h 190500"/>
-              <a:gd name="connsiteX29" fmla="*/ 238125 w 266700"/>
-              <a:gd name="connsiteY29" fmla="*/ 171450 h 190500"/>
-              <a:gd name="connsiteX30" fmla="*/ 247650 w 266700"/>
-              <a:gd name="connsiteY30" fmla="*/ 161925 h 190500"/>
-              <a:gd name="connsiteX31" fmla="*/ 247650 w 266700"/>
-              <a:gd name="connsiteY31" fmla="*/ 28575 h 190500"/>
-            </a:gdLst>
-            <a:ahLst/>
-            <a:cxnLst>
-              <a:cxn ang="0">
-                <a:pos x="connsiteX0" y="connsiteY0"/>
-              </a:cxn>
-              <a:cxn ang="0">
-                <a:pos x="connsiteX1" y="connsiteY1"/>
-              </a:cxn>
-              <a:cxn ang="0">
-                <a:pos x="connsiteX2" y="connsiteY2"/>
-              </a:cxn>
-              <a:cxn ang="0">
-                <a:pos x="connsiteX3" y="connsiteY3"/>
-              </a:cxn>
-              <a:cxn ang="0">
-                <a:pos x="connsiteX4" y="connsiteY4"/>
-              </a:cxn>
-              <a:cxn ang="0">
-                <a:pos x="connsiteX5" y="connsiteY5"/>
-              </a:cxn>
-              <a:cxn ang="0">
-                <a:pos x="connsiteX6" y="connsiteY6"/>
-              </a:cxn>
-              <a:cxn ang="0">
-                <a:pos x="connsiteX7" y="connsiteY7"/>
-              </a:cxn>
-              <a:cxn ang="0">
-                <a:pos x="connsiteX8" y="connsiteY8"/>
-              </a:cxn>
-              <a:cxn ang="0">
-                <a:pos x="connsiteX9" y="connsiteY9"/>
-              </a:cxn>
-              <a:cxn ang="0">
-                <a:pos x="connsiteX10" y="connsiteY10"/>
-              </a:cxn>
-              <a:cxn ang="0">
-                <a:pos x="connsiteX11" y="connsiteY11"/>
-              </a:cxn>
-              <a:cxn ang="0">
-                <a:pos x="connsiteX12" y="connsiteY12"/>
-              </a:cxn>
-              <a:cxn ang="0">
-                <a:pos x="connsiteX13" y="connsiteY13"/>
-              </a:cxn>
-              <a:cxn ang="0">
-                <a:pos x="connsiteX14" y="connsiteY14"/>
-              </a:cxn>
-              <a:cxn ang="0">
-                <a:pos x="connsiteX15" y="connsiteY15"/>
-              </a:cxn>
-              <a:cxn ang="0">
-                <a:pos x="connsiteX16" y="connsiteY16"/>
-              </a:cxn>
-              <a:cxn ang="0">
-                <a:pos x="connsiteX17" y="connsiteY17"/>
-              </a:cxn>
-              <a:cxn ang="0">
-                <a:pos x="connsiteX18" y="connsiteY18"/>
-              </a:cxn>
-              <a:cxn ang="0">
-                <a:pos x="connsiteX19" y="connsiteY19"/>
-              </a:cxn>
-              <a:cxn ang="0">
-                <a:pos x="connsiteX20" y="connsiteY20"/>
-              </a:cxn>
-              <a:cxn ang="0">
-                <a:pos x="connsiteX21" y="connsiteY21"/>
-              </a:cxn>
-              <a:cxn ang="0">
-                <a:pos x="connsiteX22" y="connsiteY22"/>
-              </a:cxn>
-              <a:cxn ang="0">
-                <a:pos x="connsiteX23" y="connsiteY23"/>
-              </a:cxn>
-              <a:cxn ang="0">
-                <a:pos x="connsiteX24" y="connsiteY24"/>
-              </a:cxn>
-              <a:cxn ang="0">
-                <a:pos x="connsiteX25" y="connsiteY25"/>
-              </a:cxn>
-              <a:cxn ang="0">
-                <a:pos x="connsiteX26" y="connsiteY26"/>
-              </a:cxn>
-              <a:cxn ang="0">
-                <a:pos x="connsiteX27" y="connsiteY27"/>
-              </a:cxn>
-              <a:cxn ang="0">
-                <a:pos x="connsiteX28" y="connsiteY28"/>
-              </a:cxn>
-              <a:cxn ang="0">
-                <a:pos x="connsiteX29" y="connsiteY29"/>
-              </a:cxn>
-              <a:cxn ang="0">
-                <a:pos x="connsiteX30" y="connsiteY30"/>
-              </a:cxn>
-              <a:cxn ang="0">
-                <a:pos x="connsiteX31" y="connsiteY31"/>
-              </a:cxn>
-            </a:cxnLst>
-            <a:rect l="l" t="t" r="r" b="b"/>
-            <a:pathLst>
-              <a:path w="266700" h="190500">
-                <a:moveTo>
-                  <a:pt x="0" y="28575"/>
-                </a:moveTo>
-                <a:cubicBezTo>
-                  <a:pt x="0" y="12794"/>
-                  <a:pt x="12794" y="0"/>
-                  <a:pt x="28575" y="0"/>
-                </a:cubicBezTo>
-                <a:cubicBezTo>
-                  <a:pt x="44356" y="0"/>
-                  <a:pt x="57150" y="12794"/>
-                  <a:pt x="57150" y="28575"/>
-                </a:cubicBezTo>
-                <a:lnTo>
-                  <a:pt x="209550" y="28575"/>
-                </a:lnTo>
-                <a:cubicBezTo>
-                  <a:pt x="209550" y="12794"/>
-                  <a:pt x="222343" y="0"/>
-                  <a:pt x="238125" y="0"/>
-                </a:cubicBezTo>
-                <a:cubicBezTo>
-                  <a:pt x="253907" y="0"/>
-                  <a:pt x="266700" y="12794"/>
-                  <a:pt x="266700" y="28575"/>
-                </a:cubicBezTo>
-                <a:lnTo>
-                  <a:pt x="266700" y="161925"/>
-                </a:lnTo>
-                <a:cubicBezTo>
-                  <a:pt x="266700" y="177707"/>
-                  <a:pt x="253907" y="190500"/>
-                  <a:pt x="238125" y="190500"/>
-                </a:cubicBezTo>
-                <a:cubicBezTo>
-                  <a:pt x="222343" y="190500"/>
-                  <a:pt x="209550" y="177707"/>
-                  <a:pt x="209550" y="161925"/>
-                </a:cubicBezTo>
-                <a:lnTo>
-                  <a:pt x="57150" y="161925"/>
-                </a:lnTo>
-                <a:cubicBezTo>
-                  <a:pt x="57150" y="177707"/>
-                  <a:pt x="44356" y="190500"/>
-                  <a:pt x="28575" y="190500"/>
-                </a:cubicBezTo>
-                <a:cubicBezTo>
-                  <a:pt x="12794" y="190500"/>
-                  <a:pt x="0" y="177707"/>
-                  <a:pt x="0" y="161925"/>
-                </a:cubicBezTo>
-                <a:lnTo>
-                  <a:pt x="0" y="28575"/>
-                </a:lnTo>
-                <a:close/>
-                <a:moveTo>
-                  <a:pt x="38100" y="28575"/>
-                </a:moveTo>
-                <a:cubicBezTo>
-                  <a:pt x="38100" y="23315"/>
-                  <a:pt x="33835" y="19050"/>
-                  <a:pt x="28575" y="19050"/>
-                </a:cubicBezTo>
-                <a:cubicBezTo>
-                  <a:pt x="23314" y="19050"/>
-                  <a:pt x="19050" y="23315"/>
-                  <a:pt x="19050" y="28575"/>
-                </a:cubicBezTo>
-                <a:lnTo>
-                  <a:pt x="19050" y="161925"/>
-                </a:lnTo>
-                <a:cubicBezTo>
-                  <a:pt x="19050" y="167186"/>
-                  <a:pt x="23315" y="171450"/>
-                  <a:pt x="28575" y="171450"/>
-                </a:cubicBezTo>
-                <a:cubicBezTo>
-                  <a:pt x="33836" y="171450"/>
-                  <a:pt x="38100" y="167186"/>
-                  <a:pt x="38100" y="161925"/>
-                </a:cubicBezTo>
-                <a:lnTo>
-                  <a:pt x="38100" y="28575"/>
-                </a:lnTo>
-                <a:close/>
-                <a:moveTo>
-                  <a:pt x="57150" y="142875"/>
-                </a:moveTo>
-                <a:lnTo>
-                  <a:pt x="209550" y="142875"/>
-                </a:lnTo>
-                <a:lnTo>
-                  <a:pt x="209550" y="47625"/>
-                </a:lnTo>
-                <a:lnTo>
-                  <a:pt x="57150" y="47625"/>
-                </a:lnTo>
-                <a:lnTo>
-                  <a:pt x="57150" y="142875"/>
-                </a:lnTo>
-                <a:close/>
-                <a:moveTo>
-                  <a:pt x="247650" y="28575"/>
-                </a:moveTo>
-                <a:cubicBezTo>
-                  <a:pt x="247650" y="23315"/>
-                  <a:pt x="243386" y="19050"/>
-                  <a:pt x="238125" y="19050"/>
-                </a:cubicBezTo>
-                <a:cubicBezTo>
-                  <a:pt x="232864" y="19050"/>
-                  <a:pt x="228600" y="23315"/>
-                  <a:pt x="228600" y="28575"/>
-                </a:cubicBezTo>
-                <a:lnTo>
-                  <a:pt x="228600" y="161925"/>
-                </a:lnTo>
-                <a:cubicBezTo>
-                  <a:pt x="228600" y="167186"/>
-                  <a:pt x="232864" y="171450"/>
-                  <a:pt x="238125" y="171450"/>
-                </a:cubicBezTo>
-                <a:cubicBezTo>
-                  <a:pt x="243386" y="171450"/>
-                  <a:pt x="247650" y="167186"/>
-                  <a:pt x="247650" y="161925"/>
-                </a:cubicBezTo>
-                <a:lnTo>
-                  <a:pt x="247650" y="28575"/>
-                </a:lnTo>
-                <a:close/>
-              </a:path>
-            </a:pathLst>
-          </a:custGeom>
-          <a:solidFill>
-            <a:srgbClr val="F3F3F5"/>
-          </a:solidFill>
-          <a:ln w="9525" cap="flat">
-            <a:noFill/>
-            <a:prstDash val="solid"/>
-            <a:miter/>
-          </a:ln>
-        </p:spPr>
-        <p:txBody>
-          <a:bodyPr rtlCol="0" anchor="ctr"/>
-          <a:lstStyle/>
-          <a:p>
-            <a:pPr marL="0" marR="0" lvl="0" indent="0" algn="l" defTabSz="914400" rtl="0" eaLnBrk="1" fontAlgn="auto" latinLnBrk="0" hangingPunct="1">
-              <a:lnSpc>
-                <a:spcPct val="100000"/>
-              </a:lnSpc>
-              <a:spcBef>
-                <a:spcPts val="0"/>
-              </a:spcBef>
-              <a:spcAft>
-                <a:spcPts val="0"/>
-              </a:spcAft>
-              <a:buClrTx/>
-              <a:buSzTx/>
-              <a:buFontTx/>
-              <a:buNone/>
-              <a:tabLst/>
-              <a:defRPr/>
-            </a:pPr>
-            <a:endParaRPr kumimoji="0" lang="en-US" sz="1800" b="0" i="0" u="none" strike="noStrike" kern="0" cap="none" spc="0" normalizeH="0" baseline="0" noProof="0">
-              <a:ln>
-                <a:noFill/>
-              </a:ln>
-              <a:solidFill>
-                <a:srgbClr val="2A446F"/>
-              </a:solidFill>
-              <a:effectLst/>
-              <a:uLnTx/>
-              <a:uFillTx/>
-              <a:latin typeface="Segoe UI"/>
-              <a:ea typeface="+mn-ea"/>
-              <a:cs typeface="+mn-cs"/>
-            </a:endParaRPr>
-          </a:p>
-        </p:txBody>
-      </p:sp>
-    </p:spTree>
-    <p:extLst>
-      <p:ext uri="{BB962C8B-B14F-4D97-AF65-F5344CB8AC3E}">
-        <p14:creationId xmlns:p14="http://schemas.microsoft.com/office/powerpoint/2010/main" val="797089493"/>
-      </p:ext>
-    </p:extLst>
-  </p:cSld>
-  <p:clrMapOvr>
-    <a:masterClrMapping/>
-  </p:clrMapOvr>
-  <mc:AlternateContent xmlns:mc="http://schemas.openxmlformats.org/markup-compatibility/2006" xmlns:p14="http://schemas.microsoft.com/office/powerpoint/2010/main">
-    <mc:Choice Requires="p14">
-      <p:transition p14:dur="0"/>
-    </mc:Choice>
-    <mc:Fallback xmlns="">
-      <p:transition/>
-    </mc:Fallback>
-  </mc:AlternateContent>
 </p:sld>
 </file>
 
